--- a/Secure Your Web App Presentation.pptx
+++ b/Secure Your Web App Presentation.pptx
@@ -5,55 +5,57 @@
     <p:sldMasterId id="2147483900" r:id="rId4"/>
   </p:sldMasterIdLst>
   <p:notesMasterIdLst>
-    <p:notesMasterId r:id="rId48"/>
+    <p:notesMasterId r:id="rId50"/>
   </p:notesMasterIdLst>
   <p:handoutMasterIdLst>
-    <p:handoutMasterId r:id="rId49"/>
+    <p:handoutMasterId r:id="rId51"/>
   </p:handoutMasterIdLst>
   <p:sldIdLst>
     <p:sldId id="256" r:id="rId5"/>
-    <p:sldId id="327" r:id="rId6"/>
-    <p:sldId id="315" r:id="rId7"/>
-    <p:sldId id="320" r:id="rId8"/>
-    <p:sldId id="323" r:id="rId9"/>
-    <p:sldId id="370" r:id="rId10"/>
-    <p:sldId id="321" r:id="rId11"/>
-    <p:sldId id="328" r:id="rId12"/>
-    <p:sldId id="314" r:id="rId13"/>
-    <p:sldId id="371" r:id="rId14"/>
-    <p:sldId id="329" r:id="rId15"/>
-    <p:sldId id="355" r:id="rId16"/>
-    <p:sldId id="330" r:id="rId17"/>
-    <p:sldId id="324" r:id="rId18"/>
-    <p:sldId id="325" r:id="rId19"/>
-    <p:sldId id="342" r:id="rId20"/>
-    <p:sldId id="333" r:id="rId21"/>
-    <p:sldId id="343" r:id="rId22"/>
-    <p:sldId id="345" r:id="rId23"/>
-    <p:sldId id="346" r:id="rId24"/>
-    <p:sldId id="347" r:id="rId25"/>
-    <p:sldId id="348" r:id="rId26"/>
-    <p:sldId id="349" r:id="rId27"/>
-    <p:sldId id="350" r:id="rId28"/>
-    <p:sldId id="344" r:id="rId29"/>
-    <p:sldId id="356" r:id="rId30"/>
-    <p:sldId id="357" r:id="rId31"/>
-    <p:sldId id="358" r:id="rId32"/>
-    <p:sldId id="335" r:id="rId33"/>
-    <p:sldId id="359" r:id="rId34"/>
-    <p:sldId id="360" r:id="rId35"/>
-    <p:sldId id="361" r:id="rId36"/>
-    <p:sldId id="362" r:id="rId37"/>
-    <p:sldId id="338" r:id="rId38"/>
-    <p:sldId id="363" r:id="rId39"/>
-    <p:sldId id="366" r:id="rId40"/>
-    <p:sldId id="367" r:id="rId41"/>
-    <p:sldId id="364" r:id="rId42"/>
-    <p:sldId id="368" r:id="rId43"/>
-    <p:sldId id="369" r:id="rId44"/>
-    <p:sldId id="365" r:id="rId45"/>
-    <p:sldId id="340" r:id="rId46"/>
-    <p:sldId id="304" r:id="rId47"/>
+    <p:sldId id="257" r:id="rId6"/>
+    <p:sldId id="327" r:id="rId7"/>
+    <p:sldId id="315" r:id="rId8"/>
+    <p:sldId id="320" r:id="rId9"/>
+    <p:sldId id="323" r:id="rId10"/>
+    <p:sldId id="370" r:id="rId11"/>
+    <p:sldId id="321" r:id="rId12"/>
+    <p:sldId id="328" r:id="rId13"/>
+    <p:sldId id="314" r:id="rId14"/>
+    <p:sldId id="371" r:id="rId15"/>
+    <p:sldId id="329" r:id="rId16"/>
+    <p:sldId id="355" r:id="rId17"/>
+    <p:sldId id="330" r:id="rId18"/>
+    <p:sldId id="324" r:id="rId19"/>
+    <p:sldId id="325" r:id="rId20"/>
+    <p:sldId id="342" r:id="rId21"/>
+    <p:sldId id="333" r:id="rId22"/>
+    <p:sldId id="343" r:id="rId23"/>
+    <p:sldId id="345" r:id="rId24"/>
+    <p:sldId id="346" r:id="rId25"/>
+    <p:sldId id="347" r:id="rId26"/>
+    <p:sldId id="348" r:id="rId27"/>
+    <p:sldId id="349" r:id="rId28"/>
+    <p:sldId id="350" r:id="rId29"/>
+    <p:sldId id="344" r:id="rId30"/>
+    <p:sldId id="356" r:id="rId31"/>
+    <p:sldId id="357" r:id="rId32"/>
+    <p:sldId id="358" r:id="rId33"/>
+    <p:sldId id="372" r:id="rId34"/>
+    <p:sldId id="335" r:id="rId35"/>
+    <p:sldId id="359" r:id="rId36"/>
+    <p:sldId id="360" r:id="rId37"/>
+    <p:sldId id="361" r:id="rId38"/>
+    <p:sldId id="362" r:id="rId39"/>
+    <p:sldId id="338" r:id="rId40"/>
+    <p:sldId id="363" r:id="rId41"/>
+    <p:sldId id="366" r:id="rId42"/>
+    <p:sldId id="367" r:id="rId43"/>
+    <p:sldId id="364" r:id="rId44"/>
+    <p:sldId id="368" r:id="rId45"/>
+    <p:sldId id="369" r:id="rId46"/>
+    <p:sldId id="365" r:id="rId47"/>
+    <p:sldId id="340" r:id="rId48"/>
+    <p:sldId id="304" r:id="rId49"/>
   </p:sldIdLst>
   <p:sldSz cx="12192000" cy="6858000"/>
   <p:notesSz cx="6858000" cy="9144000"/>
@@ -158,6 +160,7 @@
         <p14:section name="Intro" id="{B0EF9C0B-72EE-49FE-A83B-7EA57245ACA8}">
           <p14:sldIdLst>
             <p14:sldId id="256"/>
+            <p14:sldId id="257"/>
             <p14:sldId id="327"/>
             <p14:sldId id="315"/>
           </p14:sldIdLst>
@@ -201,6 +204,7 @@
             <p14:sldId id="356"/>
             <p14:sldId id="357"/>
             <p14:sldId id="358"/>
+            <p14:sldId id="372"/>
           </p14:sldIdLst>
         </p14:section>
         <p14:section name="Encryption" id="{6298065A-AE33-47A0-9701-A412CD50723D}">
@@ -19300,7 +19304,7 @@
           <a:p>
             <a:fld id="{F9B9DDAF-344C-4B97-B1A7-71F4009E1E87}" type="datetimeFigureOut">
               <a:rPr lang="en-GB" smtClean="0"/>
-              <a:t>24/05/2019</a:t>
+              <a:t>11/10/2019</a:t>
             </a:fld>
             <a:endParaRPr lang="en-GB"/>
           </a:p>
@@ -19465,7 +19469,7 @@
           <a:p>
             <a:fld id="{BC1A9063-1403-46A4-BEC5-FDCA07335B51}" type="datetimeFigureOut">
               <a:rPr lang="en-GB" smtClean="0"/>
-              <a:t>24/05/2019</a:t>
+              <a:t>11/10/2019</a:t>
             </a:fld>
             <a:endParaRPr lang="en-GB"/>
           </a:p>
@@ -19861,7 +19865,10 @@
           <a:bodyPr/>
           <a:lstStyle/>
           <a:p>
-            <a:endParaRPr lang="en-GB" dirty="0"/>
+            <a:r>
+              <a:rPr lang="en-GB" dirty="0"/>
+              <a:t>“Azure handle it” is hard to test locally and gives you less flexibility – but it is very easy. Especially helpful with oAuth2.</a:t>
+            </a:r>
           </a:p>
         </p:txBody>
       </p:sp>
@@ -19882,7 +19889,7 @@
           <a:p>
             <a:fld id="{28BFDFC6-FC95-451E-8C0D-63ACBF281786}" type="slidenum">
               <a:rPr lang="en-GB" smtClean="0"/>
-              <a:t>25</a:t>
+              <a:t>17</a:t>
             </a:fld>
             <a:endParaRPr lang="en-GB"/>
           </a:p>
@@ -19891,7 +19898,7 @@
     </p:spTree>
     <p:extLst>
       <p:ext uri="{BB962C8B-B14F-4D97-AF65-F5344CB8AC3E}">
-        <p14:creationId xmlns:p14="http://schemas.microsoft.com/office/powerpoint/2010/main" val="2712079748"/>
+        <p14:creationId xmlns:p14="http://schemas.microsoft.com/office/powerpoint/2010/main" val="4126318579"/>
       </p:ext>
     </p:extLst>
   </p:cSld>
@@ -19966,7 +19973,7 @@
           <a:p>
             <a:fld id="{28BFDFC6-FC95-451E-8C0D-63ACBF281786}" type="slidenum">
               <a:rPr lang="en-GB" smtClean="0"/>
-              <a:t>29</a:t>
+              <a:t>18</a:t>
             </a:fld>
             <a:endParaRPr lang="en-GB"/>
           </a:p>
@@ -19975,7 +19982,7 @@
     </p:spTree>
     <p:extLst>
       <p:ext uri="{BB962C8B-B14F-4D97-AF65-F5344CB8AC3E}">
-        <p14:creationId xmlns:p14="http://schemas.microsoft.com/office/powerpoint/2010/main" val="809887005"/>
+        <p14:creationId xmlns:p14="http://schemas.microsoft.com/office/powerpoint/2010/main" val="3335208727"/>
       </p:ext>
     </p:extLst>
   </p:cSld>
@@ -20029,7 +20036,48 @@
           <a:bodyPr/>
           <a:lstStyle/>
           <a:p>
-            <a:endParaRPr lang="en-GB" dirty="0"/>
+            <a:r>
+              <a:rPr lang="en-GB" dirty="0"/>
+              <a:t>The </a:t>
+            </a:r>
+            <a:r>
+              <a:rPr lang="en-GB" dirty="0" err="1"/>
+              <a:t>AppAuthentication</a:t>
+            </a:r>
+            <a:r>
+              <a:rPr lang="en-GB" dirty="0"/>
+              <a:t> </a:t>
+            </a:r>
+            <a:r>
+              <a:rPr lang="en-GB" dirty="0" err="1"/>
+              <a:t>nuget</a:t>
+            </a:r>
+            <a:r>
+              <a:rPr lang="en-GB" dirty="0"/>
+              <a:t> package will automatically use your identity when developing locally, as long as you are domain joined to an Azure AD.</a:t>
+            </a:r>
+          </a:p>
+          <a:p>
+            <a:r>
+              <a:rPr lang="en-GB" dirty="0"/>
+              <a:t>The </a:t>
+            </a:r>
+            <a:r>
+              <a:rPr lang="en-GB" dirty="0" err="1"/>
+              <a:t>ASP.Net</a:t>
+            </a:r>
+            <a:r>
+              <a:rPr lang="en-GB" dirty="0"/>
+              <a:t> Core config integration will automatically add all the secrets to your </a:t>
+            </a:r>
+            <a:r>
+              <a:rPr lang="en-GB" dirty="0" err="1"/>
+              <a:t>IConfiguration</a:t>
+            </a:r>
+            <a:r>
+              <a:rPr lang="en-GB" dirty="0"/>
+              <a:t>.</a:t>
+            </a:r>
           </a:p>
         </p:txBody>
       </p:sp>
@@ -20050,7 +20098,7 @@
           <a:p>
             <a:fld id="{28BFDFC6-FC95-451E-8C0D-63ACBF281786}" type="slidenum">
               <a:rPr lang="en-GB" smtClean="0"/>
-              <a:t>34</a:t>
+              <a:t>23</a:t>
             </a:fld>
             <a:endParaRPr lang="en-GB"/>
           </a:p>
@@ -20059,7 +20107,7 @@
     </p:spTree>
     <p:extLst>
       <p:ext uri="{BB962C8B-B14F-4D97-AF65-F5344CB8AC3E}">
-        <p14:creationId xmlns:p14="http://schemas.microsoft.com/office/powerpoint/2010/main" val="3131441011"/>
+        <p14:creationId xmlns:p14="http://schemas.microsoft.com/office/powerpoint/2010/main" val="4110178745"/>
       </p:ext>
     </p:extLst>
   </p:cSld>
@@ -20113,28 +20161,7 @@
           <a:bodyPr/>
           <a:lstStyle/>
           <a:p>
-            <a:r>
-              <a:rPr lang="en-GB" dirty="0"/>
-              <a:t>We have covered a  huge amount today. </a:t>
-            </a:r>
-          </a:p>
-          <a:p>
-            <a:r>
-              <a:rPr lang="en-GB" dirty="0"/>
-              <a:t>I think you can see that there are a lot of security tools in Azure you *can* use. I don’t think you should use them all.</a:t>
-            </a:r>
-          </a:p>
-          <a:p>
-            <a:r>
-              <a:rPr lang="en-GB" dirty="0"/>
-              <a:t>If Compliance is very important to you – consider choosing SQL as it has the most security and compliance features.</a:t>
-            </a:r>
-          </a:p>
-          <a:p>
-            <a:r>
-              <a:rPr lang="en-GB" dirty="0"/>
-              <a:t>Finally, do prioritise the monitoring and alerting side.</a:t>
-            </a:r>
+            <a:endParaRPr lang="en-GB" dirty="0"/>
           </a:p>
         </p:txBody>
       </p:sp>
@@ -20155,7 +20182,375 @@
           <a:p>
             <a:fld id="{28BFDFC6-FC95-451E-8C0D-63ACBF281786}" type="slidenum">
               <a:rPr lang="en-GB" smtClean="0"/>
-              <a:t>42</a:t>
+              <a:t>26</a:t>
+            </a:fld>
+            <a:endParaRPr lang="en-GB"/>
+          </a:p>
+        </p:txBody>
+      </p:sp>
+    </p:spTree>
+    <p:extLst>
+      <p:ext uri="{BB962C8B-B14F-4D97-AF65-F5344CB8AC3E}">
+        <p14:creationId xmlns:p14="http://schemas.microsoft.com/office/powerpoint/2010/main" val="2712079748"/>
+      </p:ext>
+    </p:extLst>
+  </p:cSld>
+  <p:clrMapOvr>
+    <a:masterClrMapping/>
+  </p:clrMapOvr>
+</p:notes>
+</file>
+
+<file path=ppt/notesSlides/notesSlide14.xml><?xml version="1.0" encoding="utf-8"?>
+<p:notes xmlns:a="http://schemas.openxmlformats.org/drawingml/2006/main" xmlns:r="http://schemas.openxmlformats.org/officeDocument/2006/relationships" xmlns:p="http://schemas.openxmlformats.org/presentationml/2006/main">
+  <p:cSld>
+    <p:spTree>
+      <p:nvGrpSpPr>
+        <p:cNvPr id="1" name=""/>
+        <p:cNvGrpSpPr/>
+        <p:nvPr/>
+      </p:nvGrpSpPr>
+      <p:grpSpPr>
+        <a:xfrm>
+          <a:off x="0" y="0"/>
+          <a:ext cx="0" cy="0"/>
+          <a:chOff x="0" y="0"/>
+          <a:chExt cx="0" cy="0"/>
+        </a:xfrm>
+      </p:grpSpPr>
+      <p:sp>
+        <p:nvSpPr>
+          <p:cNvPr id="2" name="Slide Image Placeholder 1"/>
+          <p:cNvSpPr>
+            <a:spLocks noGrp="1" noRot="1" noChangeAspect="1"/>
+          </p:cNvSpPr>
+          <p:nvPr>
+            <p:ph type="sldImg"/>
+          </p:nvPr>
+        </p:nvSpPr>
+        <p:spPr/>
+      </p:sp>
+      <p:sp>
+        <p:nvSpPr>
+          <p:cNvPr id="3" name="Notes Placeholder 2"/>
+          <p:cNvSpPr>
+            <a:spLocks noGrp="1"/>
+          </p:cNvSpPr>
+          <p:nvPr>
+            <p:ph type="body" idx="1"/>
+          </p:nvPr>
+        </p:nvSpPr>
+        <p:spPr/>
+        <p:txBody>
+          <a:bodyPr/>
+          <a:lstStyle/>
+          <a:p>
+            <a:endParaRPr lang="en-GB" dirty="0"/>
+          </a:p>
+        </p:txBody>
+      </p:sp>
+      <p:sp>
+        <p:nvSpPr>
+          <p:cNvPr id="4" name="Slide Number Placeholder 3"/>
+          <p:cNvSpPr>
+            <a:spLocks noGrp="1"/>
+          </p:cNvSpPr>
+          <p:nvPr>
+            <p:ph type="sldNum" sz="quarter" idx="5"/>
+          </p:nvPr>
+        </p:nvSpPr>
+        <p:spPr/>
+        <p:txBody>
+          <a:bodyPr/>
+          <a:lstStyle/>
+          <a:p>
+            <a:fld id="{28BFDFC6-FC95-451E-8C0D-63ACBF281786}" type="slidenum">
+              <a:rPr lang="en-GB" smtClean="0"/>
+              <a:t>31</a:t>
+            </a:fld>
+            <a:endParaRPr lang="en-GB"/>
+          </a:p>
+        </p:txBody>
+      </p:sp>
+    </p:spTree>
+    <p:extLst>
+      <p:ext uri="{BB962C8B-B14F-4D97-AF65-F5344CB8AC3E}">
+        <p14:creationId xmlns:p14="http://schemas.microsoft.com/office/powerpoint/2010/main" val="809887005"/>
+      </p:ext>
+    </p:extLst>
+  </p:cSld>
+  <p:clrMapOvr>
+    <a:masterClrMapping/>
+  </p:clrMapOvr>
+</p:notes>
+</file>
+
+<file path=ppt/notesSlides/notesSlide15.xml><?xml version="1.0" encoding="utf-8"?>
+<p:notes xmlns:a="http://schemas.openxmlformats.org/drawingml/2006/main" xmlns:r="http://schemas.openxmlformats.org/officeDocument/2006/relationships" xmlns:p="http://schemas.openxmlformats.org/presentationml/2006/main">
+  <p:cSld>
+    <p:spTree>
+      <p:nvGrpSpPr>
+        <p:cNvPr id="1" name=""/>
+        <p:cNvGrpSpPr/>
+        <p:nvPr/>
+      </p:nvGrpSpPr>
+      <p:grpSpPr>
+        <a:xfrm>
+          <a:off x="0" y="0"/>
+          <a:ext cx="0" cy="0"/>
+          <a:chOff x="0" y="0"/>
+          <a:chExt cx="0" cy="0"/>
+        </a:xfrm>
+      </p:grpSpPr>
+      <p:sp>
+        <p:nvSpPr>
+          <p:cNvPr id="2" name="Slide Image Placeholder 1"/>
+          <p:cNvSpPr>
+            <a:spLocks noGrp="1" noRot="1" noChangeAspect="1"/>
+          </p:cNvSpPr>
+          <p:nvPr>
+            <p:ph type="sldImg"/>
+          </p:nvPr>
+        </p:nvSpPr>
+        <p:spPr/>
+      </p:sp>
+      <p:sp>
+        <p:nvSpPr>
+          <p:cNvPr id="3" name="Notes Placeholder 2"/>
+          <p:cNvSpPr>
+            <a:spLocks noGrp="1"/>
+          </p:cNvSpPr>
+          <p:nvPr>
+            <p:ph type="body" idx="1"/>
+          </p:nvPr>
+        </p:nvSpPr>
+        <p:spPr/>
+        <p:txBody>
+          <a:bodyPr/>
+          <a:lstStyle/>
+          <a:p>
+            <a:r>
+              <a:rPr lang="en-GB" dirty="0"/>
+              <a:t>Support for </a:t>
+            </a:r>
+            <a:r>
+              <a:rPr lang="en-GB" dirty="0" err="1"/>
+              <a:t>.Net</a:t>
+            </a:r>
+            <a:r>
+              <a:rPr lang="en-GB" dirty="0"/>
+              <a:t> Core is probably not there yet; noises about including in EF Core 3.0 but not sure if its in yet.</a:t>
+            </a:r>
+          </a:p>
+        </p:txBody>
+      </p:sp>
+      <p:sp>
+        <p:nvSpPr>
+          <p:cNvPr id="4" name="Slide Number Placeholder 3"/>
+          <p:cNvSpPr>
+            <a:spLocks noGrp="1"/>
+          </p:cNvSpPr>
+          <p:nvPr>
+            <p:ph type="sldNum" sz="quarter" idx="5"/>
+          </p:nvPr>
+        </p:nvSpPr>
+        <p:spPr/>
+        <p:txBody>
+          <a:bodyPr/>
+          <a:lstStyle/>
+          <a:p>
+            <a:fld id="{28BFDFC6-FC95-451E-8C0D-63ACBF281786}" type="slidenum">
+              <a:rPr lang="en-GB" smtClean="0"/>
+              <a:t>35</a:t>
+            </a:fld>
+            <a:endParaRPr lang="en-GB"/>
+          </a:p>
+        </p:txBody>
+      </p:sp>
+    </p:spTree>
+    <p:extLst>
+      <p:ext uri="{BB962C8B-B14F-4D97-AF65-F5344CB8AC3E}">
+        <p14:creationId xmlns:p14="http://schemas.microsoft.com/office/powerpoint/2010/main" val="4158374773"/>
+      </p:ext>
+    </p:extLst>
+  </p:cSld>
+  <p:clrMapOvr>
+    <a:masterClrMapping/>
+  </p:clrMapOvr>
+</p:notes>
+</file>
+
+<file path=ppt/notesSlides/notesSlide16.xml><?xml version="1.0" encoding="utf-8"?>
+<p:notes xmlns:a="http://schemas.openxmlformats.org/drawingml/2006/main" xmlns:r="http://schemas.openxmlformats.org/officeDocument/2006/relationships" xmlns:p="http://schemas.openxmlformats.org/presentationml/2006/main">
+  <p:cSld>
+    <p:spTree>
+      <p:nvGrpSpPr>
+        <p:cNvPr id="1" name=""/>
+        <p:cNvGrpSpPr/>
+        <p:nvPr/>
+      </p:nvGrpSpPr>
+      <p:grpSpPr>
+        <a:xfrm>
+          <a:off x="0" y="0"/>
+          <a:ext cx="0" cy="0"/>
+          <a:chOff x="0" y="0"/>
+          <a:chExt cx="0" cy="0"/>
+        </a:xfrm>
+      </p:grpSpPr>
+      <p:sp>
+        <p:nvSpPr>
+          <p:cNvPr id="2" name="Slide Image Placeholder 1"/>
+          <p:cNvSpPr>
+            <a:spLocks noGrp="1" noRot="1" noChangeAspect="1"/>
+          </p:cNvSpPr>
+          <p:nvPr>
+            <p:ph type="sldImg"/>
+          </p:nvPr>
+        </p:nvSpPr>
+        <p:spPr/>
+      </p:sp>
+      <p:sp>
+        <p:nvSpPr>
+          <p:cNvPr id="3" name="Notes Placeholder 2"/>
+          <p:cNvSpPr>
+            <a:spLocks noGrp="1"/>
+          </p:cNvSpPr>
+          <p:nvPr>
+            <p:ph type="body" idx="1"/>
+          </p:nvPr>
+        </p:nvSpPr>
+        <p:spPr/>
+        <p:txBody>
+          <a:bodyPr/>
+          <a:lstStyle/>
+          <a:p>
+            <a:endParaRPr lang="en-GB" dirty="0"/>
+          </a:p>
+        </p:txBody>
+      </p:sp>
+      <p:sp>
+        <p:nvSpPr>
+          <p:cNvPr id="4" name="Slide Number Placeholder 3"/>
+          <p:cNvSpPr>
+            <a:spLocks noGrp="1"/>
+          </p:cNvSpPr>
+          <p:nvPr>
+            <p:ph type="sldNum" sz="quarter" idx="5"/>
+          </p:nvPr>
+        </p:nvSpPr>
+        <p:spPr/>
+        <p:txBody>
+          <a:bodyPr/>
+          <a:lstStyle/>
+          <a:p>
+            <a:fld id="{28BFDFC6-FC95-451E-8C0D-63ACBF281786}" type="slidenum">
+              <a:rPr lang="en-GB" smtClean="0"/>
+              <a:t>36</a:t>
+            </a:fld>
+            <a:endParaRPr lang="en-GB"/>
+          </a:p>
+        </p:txBody>
+      </p:sp>
+    </p:spTree>
+    <p:extLst>
+      <p:ext uri="{BB962C8B-B14F-4D97-AF65-F5344CB8AC3E}">
+        <p14:creationId xmlns:p14="http://schemas.microsoft.com/office/powerpoint/2010/main" val="3131441011"/>
+      </p:ext>
+    </p:extLst>
+  </p:cSld>
+  <p:clrMapOvr>
+    <a:masterClrMapping/>
+  </p:clrMapOvr>
+</p:notes>
+</file>
+
+<file path=ppt/notesSlides/notesSlide17.xml><?xml version="1.0" encoding="utf-8"?>
+<p:notes xmlns:a="http://schemas.openxmlformats.org/drawingml/2006/main" xmlns:r="http://schemas.openxmlformats.org/officeDocument/2006/relationships" xmlns:p="http://schemas.openxmlformats.org/presentationml/2006/main">
+  <p:cSld>
+    <p:spTree>
+      <p:nvGrpSpPr>
+        <p:cNvPr id="1" name=""/>
+        <p:cNvGrpSpPr/>
+        <p:nvPr/>
+      </p:nvGrpSpPr>
+      <p:grpSpPr>
+        <a:xfrm>
+          <a:off x="0" y="0"/>
+          <a:ext cx="0" cy="0"/>
+          <a:chOff x="0" y="0"/>
+          <a:chExt cx="0" cy="0"/>
+        </a:xfrm>
+      </p:grpSpPr>
+      <p:sp>
+        <p:nvSpPr>
+          <p:cNvPr id="2" name="Slide Image Placeholder 1"/>
+          <p:cNvSpPr>
+            <a:spLocks noGrp="1" noRot="1" noChangeAspect="1"/>
+          </p:cNvSpPr>
+          <p:nvPr>
+            <p:ph type="sldImg"/>
+          </p:nvPr>
+        </p:nvSpPr>
+        <p:spPr/>
+      </p:sp>
+      <p:sp>
+        <p:nvSpPr>
+          <p:cNvPr id="3" name="Notes Placeholder 2"/>
+          <p:cNvSpPr>
+            <a:spLocks noGrp="1"/>
+          </p:cNvSpPr>
+          <p:nvPr>
+            <p:ph type="body" idx="1"/>
+          </p:nvPr>
+        </p:nvSpPr>
+        <p:spPr/>
+        <p:txBody>
+          <a:bodyPr/>
+          <a:lstStyle/>
+          <a:p>
+            <a:r>
+              <a:rPr lang="en-GB" dirty="0"/>
+              <a:t>We have covered a  huge amount today. </a:t>
+            </a:r>
+          </a:p>
+          <a:p>
+            <a:r>
+              <a:rPr lang="en-GB" dirty="0"/>
+              <a:t>I think you can see that there are a lot of security tools in Azure you *can* use. I don’t think you should use them all.</a:t>
+            </a:r>
+          </a:p>
+          <a:p>
+            <a:r>
+              <a:rPr lang="en-GB" dirty="0"/>
+              <a:t>If Compliance is very important to you – consider choosing SQL as it has the most security and compliance features.</a:t>
+            </a:r>
+          </a:p>
+          <a:p>
+            <a:r>
+              <a:rPr lang="en-GB" dirty="0"/>
+              <a:t>Finally, do prioritise the monitoring and alerting side.</a:t>
+            </a:r>
+          </a:p>
+        </p:txBody>
+      </p:sp>
+      <p:sp>
+        <p:nvSpPr>
+          <p:cNvPr id="4" name="Slide Number Placeholder 3"/>
+          <p:cNvSpPr>
+            <a:spLocks noGrp="1"/>
+          </p:cNvSpPr>
+          <p:nvPr>
+            <p:ph type="sldNum" sz="quarter" idx="5"/>
+          </p:nvPr>
+        </p:nvSpPr>
+        <p:spPr/>
+        <p:txBody>
+          <a:bodyPr/>
+          <a:lstStyle/>
+          <a:p>
+            <a:fld id="{28BFDFC6-FC95-451E-8C0D-63ACBF281786}" type="slidenum">
+              <a:rPr lang="en-GB" smtClean="0"/>
+              <a:t>44</a:t>
             </a:fld>
             <a:endParaRPr lang="en-GB"/>
           </a:p>
@@ -20219,36 +20614,115 @@
           <a:lstStyle/>
           <a:p>
             <a:r>
+              <a:rPr lang="en-GB" dirty="0">
+                <a:highlight>
+                  <a:srgbClr val="FFFF00"/>
+                </a:highlight>
+              </a:rPr>
+              <a:t>Thank them</a:t>
+            </a:r>
+            <a:endParaRPr lang="en-GB" baseline="0" dirty="0">
+              <a:highlight>
+                <a:srgbClr val="FFFF00"/>
+              </a:highlight>
+            </a:endParaRPr>
+          </a:p>
+          <a:p>
+            <a:r>
+              <a:rPr lang="en-GB" baseline="0" dirty="0">
+                <a:highlight>
+                  <a:srgbClr val="FFFF00"/>
+                </a:highlight>
+              </a:rPr>
+              <a:t>Microsoft – venue, catering</a:t>
+            </a:r>
+          </a:p>
+          <a:p>
+            <a:r>
+              <a:rPr lang="en-GB" baseline="0" dirty="0">
+                <a:highlight>
+                  <a:srgbClr val="FFFF00"/>
+                </a:highlight>
+              </a:rPr>
+              <a:t>Black Marble – organisation/volunteers</a:t>
+            </a:r>
+          </a:p>
+          <a:p>
+            <a:r>
+              <a:rPr lang="en-GB" baseline="0" dirty="0" err="1">
+                <a:highlight>
+                  <a:srgbClr val="FFFF00"/>
+                </a:highlight>
+              </a:rPr>
+              <a:t>iO</a:t>
+            </a:r>
+            <a:r>
+              <a:rPr lang="en-GB" baseline="0" dirty="0">
+                <a:highlight>
+                  <a:srgbClr val="FFFF00"/>
+                </a:highlight>
+              </a:rPr>
+              <a:t> Associates – Platinum Sponsors</a:t>
+            </a:r>
+          </a:p>
+          <a:p>
+            <a:r>
+              <a:rPr lang="en-GB" baseline="0" dirty="0">
+                <a:highlight>
+                  <a:srgbClr val="FFFF00"/>
+                </a:highlight>
+              </a:rPr>
+              <a:t>DevExpress – speaker/volunteer shirts</a:t>
+            </a:r>
+          </a:p>
+          <a:p>
+            <a:r>
+              <a:rPr lang="en-GB" baseline="0" dirty="0"/>
+              <a:t>Grey Matter – Gold sponsors</a:t>
+            </a:r>
+          </a:p>
+          <a:p>
+            <a:r>
+              <a:rPr lang="en-GB" baseline="0" dirty="0"/>
+              <a:t>NDC, Landmark information, Sonoco Trident – Silver Sponsors</a:t>
+            </a:r>
+          </a:p>
+          <a:p>
+            <a:pPr marL="0" marR="0" lvl="0" indent="0" algn="l" defTabSz="914400" rtl="0" eaLnBrk="1" fontAlgn="auto" latinLnBrk="0" hangingPunct="1">
+              <a:lnSpc>
+                <a:spcPct val="100000"/>
+              </a:lnSpc>
+              <a:spcBef>
+                <a:spcPts val="0"/>
+              </a:spcBef>
+              <a:spcAft>
+                <a:spcPts val="0"/>
+              </a:spcAft>
+              <a:buClrTx/>
+              <a:buSzTx/>
+              <a:buFontTx/>
+              <a:buNone/>
+              <a:tabLst/>
+              <a:defRPr/>
+            </a:pPr>
+            <a:r>
+              <a:rPr lang="en-GB" baseline="0" dirty="0">
+                <a:highlight>
+                  <a:srgbClr val="FFFF00"/>
+                </a:highlight>
+              </a:rPr>
+              <a:t>Global Data Sentinel – Agendas! </a:t>
+            </a:r>
+            <a:endParaRPr lang="en-GB" baseline="0" dirty="0"/>
+          </a:p>
+          <a:p>
+            <a:r>
+              <a:rPr lang="en-GB" dirty="0" err="1"/>
+              <a:t>RevDeBug</a:t>
+            </a:r>
+            <a:r>
               <a:rPr lang="en-GB" dirty="0"/>
-              <a:t>About</a:t>
-            </a:r>
-            <a:r>
-              <a:rPr lang="en-GB" baseline="0" dirty="0"/>
-              <a:t> me</a:t>
-            </a:r>
-          </a:p>
-          <a:p>
-            <a:endParaRPr lang="en-GB" baseline="0" dirty="0"/>
-          </a:p>
-          <a:p>
-            <a:r>
-              <a:rPr lang="en-GB" baseline="0" dirty="0"/>
-              <a:t>My name is Frans Lytzen, I am CTO and co-founder of NewOrbit, a software company based near Oxford UK and right here in Rzeszow. </a:t>
-            </a:r>
-          </a:p>
-          <a:p>
-            <a:endParaRPr lang="en-GB" baseline="0" dirty="0"/>
-          </a:p>
-          <a:p>
-            <a:r>
-              <a:rPr lang="en-GB" baseline="0" dirty="0"/>
-              <a:t>Allow me to give you a bit of context. </a:t>
-            </a:r>
-          </a:p>
-          <a:p>
-            <a:r>
-              <a:rPr lang="en-GB" baseline="0" dirty="0"/>
-              <a:t>We have been developing systems on Azure since 2011 and we are a Microsoft Gold Partner. A lot of the systems we develop have very tight security requirements and we have been working closely with Microsoft as they have been massively increasing the tools and options you have for security in Azure. </a:t>
+              <a:t>, Manning, Redgate – Bronze Sponsors</a:t>
             </a:r>
           </a:p>
         </p:txBody>
@@ -20260,7 +20734,7 @@
             <a:spLocks noGrp="1"/>
           </p:cNvSpPr>
           <p:nvPr>
-            <p:ph type="sldNum" sz="quarter" idx="5"/>
+            <p:ph type="sldNum" sz="quarter" idx="10"/>
           </p:nvPr>
         </p:nvSpPr>
         <p:spPr/>
@@ -20268,7 +20742,7 @@
           <a:bodyPr/>
           <a:lstStyle/>
           <a:p>
-            <a:fld id="{28BFDFC6-FC95-451E-8C0D-63ACBF281786}" type="slidenum">
+            <a:fld id="{3F1BB960-8AB5-4E1B-B65E-15E098ED59C1}" type="slidenum">
               <a:rPr lang="en-GB" smtClean="0"/>
               <a:t>2</a:t>
             </a:fld>
@@ -20279,7 +20753,7 @@
     </p:spTree>
     <p:extLst>
       <p:ext uri="{BB962C8B-B14F-4D97-AF65-F5344CB8AC3E}">
-        <p14:creationId xmlns:p14="http://schemas.microsoft.com/office/powerpoint/2010/main" val="3157911723"/>
+        <p14:creationId xmlns:p14="http://schemas.microsoft.com/office/powerpoint/2010/main" val="4008403409"/>
       </p:ext>
     </p:extLst>
   </p:cSld>
@@ -20335,7 +20809,35 @@
           <a:p>
             <a:r>
               <a:rPr lang="en-GB" dirty="0"/>
-              <a:t>One customer of mine found that an operator was being “helpful” by emailing himself extracts of data from a highly sensitive system so they could work on some analysis at home. </a:t>
+              <a:t>About</a:t>
+            </a:r>
+            <a:r>
+              <a:rPr lang="en-GB" baseline="0" dirty="0"/>
+              <a:t> me</a:t>
+            </a:r>
+          </a:p>
+          <a:p>
+            <a:endParaRPr lang="en-GB" baseline="0" dirty="0"/>
+          </a:p>
+          <a:p>
+            <a:r>
+              <a:rPr lang="en-GB" baseline="0" dirty="0"/>
+              <a:t>My name is Frans Lytzen, I am CTO and co-founder of NewOrbit, a software company based near Oxford. </a:t>
+            </a:r>
+          </a:p>
+          <a:p>
+            <a:endParaRPr lang="en-GB" baseline="0" dirty="0"/>
+          </a:p>
+          <a:p>
+            <a:r>
+              <a:rPr lang="en-GB" baseline="0" dirty="0"/>
+              <a:t>Allow me to give you a bit of context. </a:t>
+            </a:r>
+          </a:p>
+          <a:p>
+            <a:r>
+              <a:rPr lang="en-GB" baseline="0" dirty="0"/>
+              <a:t>We have been developing systems on Azure since 2011 and we are a Microsoft Gold Partner. A lot of the systems we develop have very tight security requirements and we have been working closely with Microsoft as they have been massively increasing the tools and options you have for security in Azure. </a:t>
             </a:r>
           </a:p>
         </p:txBody>
@@ -20357,7 +20859,7 @@
           <a:p>
             <a:fld id="{28BFDFC6-FC95-451E-8C0D-63ACBF281786}" type="slidenum">
               <a:rPr lang="en-GB" smtClean="0"/>
-              <a:t>5</a:t>
+              <a:t>3</a:t>
             </a:fld>
             <a:endParaRPr lang="en-GB"/>
           </a:p>
@@ -20366,7 +20868,7 @@
     </p:spTree>
     <p:extLst>
       <p:ext uri="{BB962C8B-B14F-4D97-AF65-F5344CB8AC3E}">
-        <p14:creationId xmlns:p14="http://schemas.microsoft.com/office/powerpoint/2010/main" val="1442363196"/>
+        <p14:creationId xmlns:p14="http://schemas.microsoft.com/office/powerpoint/2010/main" val="3157911723"/>
       </p:ext>
     </p:extLst>
   </p:cSld>
@@ -20422,14 +20924,8 @@
           <a:p>
             <a:r>
               <a:rPr lang="en-GB" dirty="0"/>
-              <a:t>Most developer who think about security think about how to stop an attacker hacking your application. That is only the first step.</a:t>
-            </a:r>
-          </a:p>
-          <a:p>
-            <a:endParaRPr lang="en-GB" dirty="0"/>
-          </a:p>
-          <a:p>
-            <a:endParaRPr lang="en-GB" dirty="0"/>
+              <a:t>One customer of mine found that an operator was being “helpful” by emailing himself extracts of data from a highly sensitive system so they could work on some analysis at home. </a:t>
+            </a:r>
           </a:p>
         </p:txBody>
       </p:sp>
@@ -20450,7 +20946,7 @@
           <a:p>
             <a:fld id="{28BFDFC6-FC95-451E-8C0D-63ACBF281786}" type="slidenum">
               <a:rPr lang="en-GB" smtClean="0"/>
-              <a:t>7</a:t>
+              <a:t>6</a:t>
             </a:fld>
             <a:endParaRPr lang="en-GB"/>
           </a:p>
@@ -20459,7 +20955,7 @@
     </p:spTree>
     <p:extLst>
       <p:ext uri="{BB962C8B-B14F-4D97-AF65-F5344CB8AC3E}">
-        <p14:creationId xmlns:p14="http://schemas.microsoft.com/office/powerpoint/2010/main" val="245176844"/>
+        <p14:creationId xmlns:p14="http://schemas.microsoft.com/office/powerpoint/2010/main" val="1442363196"/>
       </p:ext>
     </p:extLst>
   </p:cSld>
@@ -20513,6 +21009,15 @@
           <a:bodyPr/>
           <a:lstStyle/>
           <a:p>
+            <a:r>
+              <a:rPr lang="en-GB" dirty="0"/>
+              <a:t>Most developer who think about security think about how to stop an attacker hacking your application. That is only the first step.</a:t>
+            </a:r>
+          </a:p>
+          <a:p>
+            <a:endParaRPr lang="en-GB" dirty="0"/>
+          </a:p>
+          <a:p>
             <a:endParaRPr lang="en-GB" dirty="0"/>
           </a:p>
         </p:txBody>
@@ -20543,7 +21048,7 @@
     </p:spTree>
     <p:extLst>
       <p:ext uri="{BB962C8B-B14F-4D97-AF65-F5344CB8AC3E}">
-        <p14:creationId xmlns:p14="http://schemas.microsoft.com/office/powerpoint/2010/main" val="1856507660"/>
+        <p14:creationId xmlns:p14="http://schemas.microsoft.com/office/powerpoint/2010/main" val="245176844"/>
       </p:ext>
     </p:extLst>
   </p:cSld>
@@ -20597,10 +21102,7 @@
           <a:bodyPr/>
           <a:lstStyle/>
           <a:p>
-            <a:r>
-              <a:rPr lang="en-GB" dirty="0"/>
-              <a:t>The point is that Azure already gives you a firewall</a:t>
-            </a:r>
+            <a:endParaRPr lang="en-GB" dirty="0"/>
           </a:p>
         </p:txBody>
       </p:sp>
@@ -20621,7 +21123,7 @@
           <a:p>
             <a:fld id="{28BFDFC6-FC95-451E-8C0D-63ACBF281786}" type="slidenum">
               <a:rPr lang="en-GB" smtClean="0"/>
-              <a:t>11</a:t>
+              <a:t>9</a:t>
             </a:fld>
             <a:endParaRPr lang="en-GB"/>
           </a:p>
@@ -20630,7 +21132,7 @@
     </p:spTree>
     <p:extLst>
       <p:ext uri="{BB962C8B-B14F-4D97-AF65-F5344CB8AC3E}">
-        <p14:creationId xmlns:p14="http://schemas.microsoft.com/office/powerpoint/2010/main" val="3489728169"/>
+        <p14:creationId xmlns:p14="http://schemas.microsoft.com/office/powerpoint/2010/main" val="1856507660"/>
       </p:ext>
     </p:extLst>
   </p:cSld>
@@ -20686,7 +21188,7 @@
           <a:p>
             <a:r>
               <a:rPr lang="en-GB" dirty="0"/>
-              <a:t>“Azure handle it” is hard to test locally and gives you less flexibility – but it is very easy. Especially helpful with oAuth2.</a:t>
+              <a:t>There is no substitute for this – no fancy tech is going to protect you if your code sucks. So start here.</a:t>
             </a:r>
           </a:p>
         </p:txBody>
@@ -20708,7 +21210,7 @@
           <a:p>
             <a:fld id="{28BFDFC6-FC95-451E-8C0D-63ACBF281786}" type="slidenum">
               <a:rPr lang="en-GB" smtClean="0"/>
-              <a:t>16</a:t>
+              <a:t>11</a:t>
             </a:fld>
             <a:endParaRPr lang="en-GB"/>
           </a:p>
@@ -20717,7 +21219,7 @@
     </p:spTree>
     <p:extLst>
       <p:ext uri="{BB962C8B-B14F-4D97-AF65-F5344CB8AC3E}">
-        <p14:creationId xmlns:p14="http://schemas.microsoft.com/office/powerpoint/2010/main" val="4126318579"/>
+        <p14:creationId xmlns:p14="http://schemas.microsoft.com/office/powerpoint/2010/main" val="1676040632"/>
       </p:ext>
     </p:extLst>
   </p:cSld>
@@ -20771,7 +21273,10 @@
           <a:bodyPr/>
           <a:lstStyle/>
           <a:p>
-            <a:endParaRPr lang="en-GB" dirty="0"/>
+            <a:r>
+              <a:rPr lang="en-GB" dirty="0"/>
+              <a:t>The point is that Azure already gives you a firewall</a:t>
+            </a:r>
           </a:p>
         </p:txBody>
       </p:sp>
@@ -20792,7 +21297,7 @@
           <a:p>
             <a:fld id="{28BFDFC6-FC95-451E-8C0D-63ACBF281786}" type="slidenum">
               <a:rPr lang="en-GB" smtClean="0"/>
-              <a:t>17</a:t>
+              <a:t>12</a:t>
             </a:fld>
             <a:endParaRPr lang="en-GB"/>
           </a:p>
@@ -20801,7 +21306,7 @@
     </p:spTree>
     <p:extLst>
       <p:ext uri="{BB962C8B-B14F-4D97-AF65-F5344CB8AC3E}">
-        <p14:creationId xmlns:p14="http://schemas.microsoft.com/office/powerpoint/2010/main" val="3335208727"/>
+        <p14:creationId xmlns:p14="http://schemas.microsoft.com/office/powerpoint/2010/main" val="3489728169"/>
       </p:ext>
     </p:extLst>
   </p:cSld>
@@ -20857,45 +21362,7 @@
           <a:p>
             <a:r>
               <a:rPr lang="en-GB" dirty="0"/>
-              <a:t>The </a:t>
-            </a:r>
-            <a:r>
-              <a:rPr lang="en-GB" dirty="0" err="1"/>
-              <a:t>AppAuthentication</a:t>
-            </a:r>
-            <a:r>
-              <a:rPr lang="en-GB" dirty="0"/>
-              <a:t> </a:t>
-            </a:r>
-            <a:r>
-              <a:rPr lang="en-GB" dirty="0" err="1"/>
-              <a:t>nuget</a:t>
-            </a:r>
-            <a:r>
-              <a:rPr lang="en-GB" dirty="0"/>
-              <a:t> package will automatically use your identity when developing locally, as long as you are domain joined to an Azure AD.</a:t>
-            </a:r>
-          </a:p>
-          <a:p>
-            <a:r>
-              <a:rPr lang="en-GB" dirty="0"/>
-              <a:t>The </a:t>
-            </a:r>
-            <a:r>
-              <a:rPr lang="en-GB" dirty="0" err="1"/>
-              <a:t>ASP.Net</a:t>
-            </a:r>
-            <a:r>
-              <a:rPr lang="en-GB" dirty="0"/>
-              <a:t> Core config integration will automatically add all the secrets to your </a:t>
-            </a:r>
-            <a:r>
-              <a:rPr lang="en-GB" dirty="0" err="1"/>
-              <a:t>IConfiguration</a:t>
-            </a:r>
-            <a:r>
-              <a:rPr lang="en-GB" dirty="0"/>
-              <a:t>.</a:t>
+              <a:t>I don’t recommend Azure’s WAF, just from personal experience but there are other providers out there.</a:t>
             </a:r>
           </a:p>
         </p:txBody>
@@ -20917,7 +21384,7 @@
           <a:p>
             <a:fld id="{28BFDFC6-FC95-451E-8C0D-63ACBF281786}" type="slidenum">
               <a:rPr lang="en-GB" smtClean="0"/>
-              <a:t>22</a:t>
+              <a:t>13</a:t>
             </a:fld>
             <a:endParaRPr lang="en-GB"/>
           </a:p>
@@ -20926,7 +21393,7 @@
     </p:spTree>
     <p:extLst>
       <p:ext uri="{BB962C8B-B14F-4D97-AF65-F5344CB8AC3E}">
-        <p14:creationId xmlns:p14="http://schemas.microsoft.com/office/powerpoint/2010/main" val="4110178745"/>
+        <p14:creationId xmlns:p14="http://schemas.microsoft.com/office/powerpoint/2010/main" val="127709550"/>
       </p:ext>
     </p:extLst>
   </p:cSld>
@@ -20976,7 +21443,7 @@
           <a:p>
             <a:fld id="{720E4243-A1DB-4E4B-8CA3-24823D24DFA5}" type="datetime1">
               <a:rPr lang="en-GB" smtClean="0"/>
-              <a:t>24/05/2019</a:t>
+              <a:t>11/10/2019</a:t>
             </a:fld>
             <a:endParaRPr lang="en-GB" dirty="0"/>
           </a:p>
@@ -21673,7 +22140,7 @@
           <a:p>
             <a:fld id="{EDC53DD4-BDE4-4336-A4D8-73DDF094D59E}" type="datetime1">
               <a:rPr lang="en-GB" smtClean="0"/>
-              <a:t>24/05/2019</a:t>
+              <a:t>11/10/2019</a:t>
             </a:fld>
             <a:endParaRPr lang="en-GB"/>
           </a:p>
@@ -21818,7 +22285,7 @@
           <a:p>
             <a:fld id="{77911DC9-F3D7-4FA4-B952-4B07B5B20610}" type="datetime1">
               <a:rPr lang="en-GB" smtClean="0"/>
-              <a:t>24/05/2019</a:t>
+              <a:t>11/10/2019</a:t>
             </a:fld>
             <a:endParaRPr lang="en-GB"/>
           </a:p>
@@ -21934,7 +22401,7 @@
           <a:p>
             <a:fld id="{5E04619A-1179-4DE1-A4AD-61E0B389948A}" type="datetime1">
               <a:rPr lang="en-GB" smtClean="0"/>
-              <a:t>24/05/2019</a:t>
+              <a:t>11/10/2019</a:t>
             </a:fld>
             <a:endParaRPr lang="en-GB"/>
           </a:p>
@@ -22250,7 +22717,7 @@
           <a:p>
             <a:fld id="{CBC617EA-4200-462A-B976-622ADB4C30CB}" type="datetime1">
               <a:rPr lang="en-GB" smtClean="0"/>
-              <a:t>24/05/2019</a:t>
+              <a:t>11/10/2019</a:t>
             </a:fld>
             <a:endParaRPr lang="en-GB"/>
           </a:p>
@@ -22546,7 +23013,7 @@
           <a:p>
             <a:fld id="{EDE51ACF-F1F4-436C-B22F-D700C93E9D0C}" type="datetime1">
               <a:rPr lang="en-GB" smtClean="0"/>
-              <a:t>24/05/2019</a:t>
+              <a:t>11/10/2019</a:t>
             </a:fld>
             <a:endParaRPr lang="en-GB"/>
           </a:p>
@@ -22749,7 +23216,7 @@
           <a:p>
             <a:fld id="{1A6F60BD-F08A-483A-BE2F-CDAB8FDD72ED}" type="datetime1">
               <a:rPr lang="en-GB" smtClean="0"/>
-              <a:t>24/05/2019</a:t>
+              <a:t>11/10/2019</a:t>
             </a:fld>
             <a:endParaRPr lang="en-GB"/>
           </a:p>
@@ -22962,7 +23429,7 @@
           <a:p>
             <a:fld id="{3C855AC3-FC5F-4620-A149-C218BB65936D}" type="datetime1">
               <a:rPr lang="en-GB" smtClean="0"/>
-              <a:t>24/05/2019</a:t>
+              <a:t>11/10/2019</a:t>
             </a:fld>
             <a:endParaRPr lang="en-GB"/>
           </a:p>
@@ -23035,7 +23502,7 @@
   <p:clrMapOvr>
     <a:masterClrMapping/>
   </p:clrMapOvr>
-  <p:extLst mod="1">
+  <p:extLst>
     <p:ext uri="{DCECCB84-F9BA-43D5-87BE-67443E8EF086}">
       <p15:sldGuideLst xmlns:p15="http://schemas.microsoft.com/office/powerpoint/2012/main"/>
     </p:ext>
@@ -23192,7 +23659,7 @@
           <a:p>
             <a:fld id="{9F039F87-66F3-45EC-B5F5-83701E92213B}" type="datetime1">
               <a:rPr lang="en-GB" smtClean="0"/>
-              <a:t>24/05/2019</a:t>
+              <a:t>11/10/2019</a:t>
             </a:fld>
             <a:endParaRPr lang="en-GB"/>
           </a:p>
@@ -23265,7 +23732,7 @@
   <p:clrMapOvr>
     <a:masterClrMapping/>
   </p:clrMapOvr>
-  <p:extLst mod="1">
+  <p:extLst>
     <p:ext uri="{DCECCB84-F9BA-43D5-87BE-67443E8EF086}">
       <p15:sldGuideLst xmlns:p15="http://schemas.microsoft.com/office/powerpoint/2012/main"/>
     </p:ext>
@@ -23404,7 +23871,7 @@
           <a:p>
             <a:fld id="{BA21E936-BBDD-4619-BD7B-136E45EA1881}" type="datetime1">
               <a:rPr lang="en-GB" smtClean="0"/>
-              <a:t>24/05/2019</a:t>
+              <a:t>11/10/2019</a:t>
             </a:fld>
             <a:endParaRPr lang="en-GB"/>
           </a:p>
@@ -23520,7 +23987,7 @@
           <a:p>
             <a:fld id="{FE0A6900-AA33-4557-823C-2851D3797E28}" type="datetime1">
               <a:rPr lang="en-GB" smtClean="0"/>
-              <a:t>24/05/2019</a:t>
+              <a:t>11/10/2019</a:t>
             </a:fld>
             <a:endParaRPr lang="en-GB" dirty="0"/>
           </a:p>
@@ -23930,7 +24397,7 @@
           <a:p>
             <a:fld id="{01405A4C-F668-445B-AEE8-C9B3AD2B3139}" type="datetime1">
               <a:rPr lang="en-GB" smtClean="0"/>
-              <a:t>24/05/2019</a:t>
+              <a:t>11/10/2019</a:t>
             </a:fld>
             <a:endParaRPr lang="en-GB" dirty="0"/>
           </a:p>
@@ -24375,7 +24842,7 @@
           <a:p>
             <a:fld id="{4F2D900F-F7C6-4797-BAD8-C8A7E6681D93}" type="datetime1">
               <a:rPr lang="en-GB" smtClean="0"/>
-              <a:t>24/05/2019</a:t>
+              <a:t>11/10/2019</a:t>
             </a:fld>
             <a:endParaRPr lang="en-GB" dirty="0"/>
           </a:p>
@@ -24491,7 +24958,7 @@
           <a:p>
             <a:fld id="{FFF86087-A710-4014-8370-78B31C326E17}" type="datetime1">
               <a:rPr lang="en-GB" smtClean="0"/>
-              <a:t>24/05/2019</a:t>
+              <a:t>11/10/2019</a:t>
             </a:fld>
             <a:endParaRPr lang="en-GB" dirty="0"/>
           </a:p>
@@ -24909,7 +25376,7 @@
           <a:p>
             <a:fld id="{B307EE86-C55A-4E5D-B95C-BE8511D966D6}" type="datetime1">
               <a:rPr lang="en-GB" smtClean="0"/>
-              <a:t>24/05/2019</a:t>
+              <a:t>11/10/2019</a:t>
             </a:fld>
             <a:endParaRPr lang="en-GB"/>
           </a:p>
@@ -24982,7 +25449,7 @@
   <p:clrMapOvr>
     <a:overrideClrMapping bg1="dk1" tx1="lt1" bg2="dk2" tx2="lt2" accent1="accent1" accent2="accent2" accent3="accent3" accent4="accent4" accent5="accent5" accent6="accent6" hlink="hlink" folHlink="folHlink"/>
   </p:clrMapOvr>
-  <p:extLst mod="1">
+  <p:extLst>
     <p:ext uri="{DCECCB84-F9BA-43D5-87BE-67443E8EF086}">
       <p15:sldGuideLst xmlns:p15="http://schemas.microsoft.com/office/powerpoint/2012/main"/>
     </p:ext>
@@ -25185,7 +25652,7 @@
           <a:p>
             <a:fld id="{DB10EFFF-E8CA-463E-BD32-8A303AFFDDCD}" type="datetime1">
               <a:rPr lang="en-GB" smtClean="0"/>
-              <a:t>24/05/2019</a:t>
+              <a:t>11/10/2019</a:t>
             </a:fld>
             <a:endParaRPr lang="en-GB"/>
           </a:p>
@@ -25456,7 +25923,7 @@
           <a:p>
             <a:fld id="{44E8DFB4-92B2-4F8B-A559-4524D5FE7A72}" type="datetime1">
               <a:rPr lang="en-GB" smtClean="0"/>
-              <a:t>24/05/2019</a:t>
+              <a:t>11/10/2019</a:t>
             </a:fld>
             <a:endParaRPr lang="en-GB" dirty="0"/>
           </a:p>
@@ -25900,7 +26367,7 @@
       </a:lvl9pPr>
     </p:otherStyle>
   </p:txStyles>
-  <p:extLst mod="1">
+  <p:extLst>
     <p:ext uri="{27BBF7A9-308A-43DC-89C8-2F10F3537804}">
       <p15:sldGuideLst xmlns:p15="http://schemas.microsoft.com/office/powerpoint/2012/main"/>
     </p:ext>
@@ -26293,6 +26760,164 @@
       </p:grpSpPr>
       <p:sp>
         <p:nvSpPr>
+          <p:cNvPr id="2" name="Title 1">
+            <a:extLst>
+              <a:ext uri="{FF2B5EF4-FFF2-40B4-BE49-F238E27FC236}">
+                <a16:creationId xmlns:a16="http://schemas.microsoft.com/office/drawing/2014/main" id="{2EA31B90-61BA-45B4-AC3B-F2F9501D9BAB}"/>
+              </a:ext>
+            </a:extLst>
+          </p:cNvPr>
+          <p:cNvSpPr>
+            <a:spLocks noGrp="1"/>
+          </p:cNvSpPr>
+          <p:nvPr>
+            <p:ph type="title"/>
+          </p:nvPr>
+        </p:nvSpPr>
+        <p:spPr/>
+        <p:txBody>
+          <a:bodyPr/>
+          <a:lstStyle/>
+          <a:p>
+            <a:r>
+              <a:rPr lang="en-GB" dirty="0"/>
+              <a:t>Getting in</a:t>
+            </a:r>
+          </a:p>
+        </p:txBody>
+      </p:sp>
+      <p:sp>
+        <p:nvSpPr>
+          <p:cNvPr id="3" name="Text Placeholder 2">
+            <a:extLst>
+              <a:ext uri="{FF2B5EF4-FFF2-40B4-BE49-F238E27FC236}">
+                <a16:creationId xmlns:a16="http://schemas.microsoft.com/office/drawing/2014/main" id="{E026F194-8F93-4F2F-A9BE-2502BE353BCA}"/>
+              </a:ext>
+            </a:extLst>
+          </p:cNvPr>
+          <p:cNvSpPr>
+            <a:spLocks noGrp="1"/>
+          </p:cNvSpPr>
+          <p:nvPr>
+            <p:ph type="body" idx="1"/>
+          </p:nvPr>
+        </p:nvSpPr>
+        <p:spPr/>
+        <p:txBody>
+          <a:bodyPr/>
+          <a:lstStyle/>
+          <a:p>
+            <a:endParaRPr lang="en-GB" dirty="0"/>
+          </a:p>
+        </p:txBody>
+      </p:sp>
+      <p:sp>
+        <p:nvSpPr>
+          <p:cNvPr id="4" name="Footer Placeholder 3">
+            <a:extLst>
+              <a:ext uri="{FF2B5EF4-FFF2-40B4-BE49-F238E27FC236}">
+                <a16:creationId xmlns:a16="http://schemas.microsoft.com/office/drawing/2014/main" id="{B6799E72-D0D7-4D30-8BC2-5CBE2BE38CCE}"/>
+              </a:ext>
+            </a:extLst>
+          </p:cNvPr>
+          <p:cNvSpPr>
+            <a:spLocks noGrp="1"/>
+          </p:cNvSpPr>
+          <p:nvPr>
+            <p:ph type="ftr" sz="quarter" idx="11"/>
+          </p:nvPr>
+        </p:nvSpPr>
+        <p:spPr/>
+        <p:txBody>
+          <a:bodyPr/>
+          <a:lstStyle/>
+          <a:p>
+            <a:r>
+              <a:rPr lang="en-GB" dirty="0"/>
+              <a:t>@flytzen  -  https://neworbit.co.uk</a:t>
+            </a:r>
+          </a:p>
+        </p:txBody>
+      </p:sp>
+      <p:pic>
+        <p:nvPicPr>
+          <p:cNvPr id="3074" name="Picture 2" descr="https://documents.lucidchart.com/documents/f4062454-7eb7-4e7a-abca-2d244417011b/pages/gnwjOXSQtmkw?a=1628&amp;x=329&amp;y=-43&amp;w=1017&amp;h=957&amp;store=1&amp;accept=image%2F*&amp;auth=LCA%20e186d94d87ad86984022171ba90c020d53a2db31-ts%3D1558601664">
+            <a:extLst>
+              <a:ext uri="{FF2B5EF4-FFF2-40B4-BE49-F238E27FC236}">
+                <a16:creationId xmlns:a16="http://schemas.microsoft.com/office/drawing/2014/main" id="{B3883F61-9FC5-4B18-8C06-8EAB07DD5376}"/>
+              </a:ext>
+            </a:extLst>
+          </p:cNvPr>
+          <p:cNvPicPr>
+            <a:picLocks noChangeAspect="1" noChangeArrowheads="1"/>
+          </p:cNvPicPr>
+          <p:nvPr/>
+        </p:nvPicPr>
+        <p:blipFill>
+          <a:blip r:embed="rId2">
+            <a:extLst>
+              <a:ext uri="{28A0092B-C50C-407E-A947-70E740481C1C}">
+                <a14:useLocalDpi xmlns:a14="http://schemas.microsoft.com/office/drawing/2010/main" val="0"/>
+              </a:ext>
+            </a:extLst>
+          </a:blip>
+          <a:srcRect/>
+          <a:stretch>
+            <a:fillRect/>
+          </a:stretch>
+        </p:blipFill>
+        <p:spPr bwMode="auto">
+          <a:xfrm>
+            <a:off x="4924425" y="9525"/>
+            <a:ext cx="7267575" cy="6838950"/>
+          </a:xfrm>
+          <a:prstGeom prst="rect">
+            <a:avLst/>
+          </a:prstGeom>
+          <a:noFill/>
+          <a:extLst>
+            <a:ext uri="{909E8E84-426E-40DD-AFC4-6F175D3DCCD1}">
+              <a14:hiddenFill xmlns:a14="http://schemas.microsoft.com/office/drawing/2010/main">
+                <a:solidFill>
+                  <a:srgbClr val="FFFFFF"/>
+                </a:solidFill>
+              </a14:hiddenFill>
+            </a:ext>
+          </a:extLst>
+        </p:spPr>
+      </p:pic>
+    </p:spTree>
+    <p:extLst>
+      <p:ext uri="{BB962C8B-B14F-4D97-AF65-F5344CB8AC3E}">
+        <p14:creationId xmlns:p14="http://schemas.microsoft.com/office/powerpoint/2010/main" val="3710443537"/>
+      </p:ext>
+    </p:extLst>
+  </p:cSld>
+  <p:clrMapOvr>
+    <a:masterClrMapping/>
+  </p:clrMapOvr>
+</p:sld>
+</file>
+
+<file path=ppt/slides/slide11.xml><?xml version="1.0" encoding="utf-8"?>
+<p:sld xmlns:a="http://schemas.openxmlformats.org/drawingml/2006/main" xmlns:r="http://schemas.openxmlformats.org/officeDocument/2006/relationships" xmlns:p="http://schemas.openxmlformats.org/presentationml/2006/main">
+  <p:cSld>
+    <p:spTree>
+      <p:nvGrpSpPr>
+        <p:cNvPr id="1" name=""/>
+        <p:cNvGrpSpPr/>
+        <p:nvPr/>
+      </p:nvGrpSpPr>
+      <p:grpSpPr>
+        <a:xfrm>
+          <a:off x="0" y="0"/>
+          <a:ext cx="0" cy="0"/>
+          <a:chOff x="0" y="0"/>
+          <a:chExt cx="0" cy="0"/>
+        </a:xfrm>
+      </p:grpSpPr>
+      <p:sp>
+        <p:nvSpPr>
           <p:cNvPr id="5" name="Title 4">
             <a:extLst>
               <a:ext uri="{FF2B5EF4-FFF2-40B4-BE49-F238E27FC236}">
@@ -26389,7 +27014,7 @@
 </p:sld>
 </file>
 
-<file path=ppt/slides/slide11.xml><?xml version="1.0" encoding="utf-8"?>
+<file path=ppt/slides/slide12.xml><?xml version="1.0" encoding="utf-8"?>
 <p:sld xmlns:a="http://schemas.openxmlformats.org/drawingml/2006/main" xmlns:r="http://schemas.openxmlformats.org/officeDocument/2006/relationships" xmlns:p="http://schemas.openxmlformats.org/presentationml/2006/main" show="0">
   <p:cSld>
     <p:spTree>
@@ -26641,7 +27266,7 @@
 </p:sld>
 </file>
 
-<file path=ppt/slides/slide12.xml><?xml version="1.0" encoding="utf-8"?>
+<file path=ppt/slides/slide13.xml><?xml version="1.0" encoding="utf-8"?>
 <p:sld xmlns:a="http://schemas.openxmlformats.org/drawingml/2006/main" xmlns:r="http://schemas.openxmlformats.org/officeDocument/2006/relationships" xmlns:p="http://schemas.openxmlformats.org/presentationml/2006/main">
   <p:cSld>
     <p:spTree>
@@ -26730,7 +27355,7 @@
           <p:nvPr/>
         </p:nvPicPr>
         <p:blipFill>
-          <a:blip r:embed="rId2">
+          <a:blip r:embed="rId3">
             <a:extLst>
               <a:ext uri="{28A0092B-C50C-407E-A947-70E740481C1C}">
                 <a14:useLocalDpi xmlns:a14="http://schemas.microsoft.com/office/drawing/2010/main" val="0"/>
@@ -26908,7 +27533,7 @@
 </p:sld>
 </file>
 
-<file path=ppt/slides/slide13.xml><?xml version="1.0" encoding="utf-8"?>
+<file path=ppt/slides/slide14.xml><?xml version="1.0" encoding="utf-8"?>
 <p:sld xmlns:a="http://schemas.openxmlformats.org/drawingml/2006/main" xmlns:r="http://schemas.openxmlformats.org/officeDocument/2006/relationships" xmlns:p="http://schemas.openxmlformats.org/presentationml/2006/main">
   <p:cSld>
     <p:spTree>
@@ -26997,7 +27622,7 @@
         <p:spPr>
           <a:xfrm>
             <a:off x="4298944" y="729800"/>
-            <a:ext cx="6222444" cy="5647700"/>
+            <a:ext cx="6222444" cy="6093976"/>
           </a:xfrm>
           <a:prstGeom prst="rect">
             <a:avLst/>
@@ -27101,6 +27726,19 @@
             <a:r>
               <a:rPr lang="en-GB" sz="2400" dirty="0"/>
               <a:t>App Service Certificates allows you to buy SSL certificates from Microsoft, directly in the portal.</a:t>
+            </a:r>
+          </a:p>
+          <a:p>
+            <a:pPr marL="285750" indent="-285750">
+              <a:spcAft>
+                <a:spcPts val="600"/>
+              </a:spcAft>
+              <a:buFont typeface="Arial" panose="020B0604020202020204" pitchFamily="34" charset="0"/>
+              <a:buChar char="•"/>
+            </a:pPr>
+            <a:r>
+              <a:rPr lang="en-GB" sz="2400" dirty="0"/>
+              <a:t>Azure CDN includes free SSL certificates.</a:t>
             </a:r>
           </a:p>
           <a:p>
@@ -27424,6 +28062,55 @@
                       </p:childTnLst>
                     </p:cTn>
                   </p:par>
+                  <p:par>
+                    <p:cTn id="23" fill="hold">
+                      <p:stCondLst>
+                        <p:cond delay="indefinite"/>
+                      </p:stCondLst>
+                      <p:childTnLst>
+                        <p:par>
+                          <p:cTn id="24" fill="hold">
+                            <p:stCondLst>
+                              <p:cond delay="0"/>
+                            </p:stCondLst>
+                            <p:childTnLst>
+                              <p:par>
+                                <p:cTn id="25" presetID="1" presetClass="entr" presetSubtype="0" fill="hold" grpId="0" nodeType="clickEffect">
+                                  <p:stCondLst>
+                                    <p:cond delay="0"/>
+                                  </p:stCondLst>
+                                  <p:childTnLst>
+                                    <p:set>
+                                      <p:cBhvr>
+                                        <p:cTn id="26" dur="1" fill="hold">
+                                          <p:stCondLst>
+                                            <p:cond delay="0"/>
+                                          </p:stCondLst>
+                                        </p:cTn>
+                                        <p:tgtEl>
+                                          <p:spTgt spid="5">
+                                            <p:txEl>
+                                              <p:pRg st="6" end="6"/>
+                                            </p:txEl>
+                                          </p:spTgt>
+                                        </p:tgtEl>
+                                        <p:attrNameLst>
+                                          <p:attrName>style.visibility</p:attrName>
+                                        </p:attrNameLst>
+                                      </p:cBhvr>
+                                      <p:to>
+                                        <p:strVal val="visible"/>
+                                      </p:to>
+                                    </p:set>
+                                  </p:childTnLst>
+                                </p:cTn>
+                              </p:par>
+                            </p:childTnLst>
+                          </p:cTn>
+                        </p:par>
+                      </p:childTnLst>
+                    </p:cTn>
+                  </p:par>
                 </p:childTnLst>
               </p:cTn>
               <p:prevCondLst>
@@ -27452,7 +28139,7 @@
 </p:sld>
 </file>
 
-<file path=ppt/slides/slide14.xml><?xml version="1.0" encoding="utf-8"?>
+<file path=ppt/slides/slide15.xml><?xml version="1.0" encoding="utf-8"?>
 <p:sld xmlns:a="http://schemas.openxmlformats.org/drawingml/2006/main" xmlns:r="http://schemas.openxmlformats.org/officeDocument/2006/relationships" xmlns:p="http://schemas.openxmlformats.org/presentationml/2006/main">
   <p:cSld>
     <p:bg>
@@ -27812,7 +28499,7 @@
 </p:sld>
 </file>
 
-<file path=ppt/slides/slide15.xml><?xml version="1.0" encoding="utf-8"?>
+<file path=ppt/slides/slide16.xml><?xml version="1.0" encoding="utf-8"?>
 <p:sld xmlns:a="http://schemas.openxmlformats.org/drawingml/2006/main" xmlns:r="http://schemas.openxmlformats.org/officeDocument/2006/relationships" xmlns:p="http://schemas.openxmlformats.org/presentationml/2006/main">
   <p:cSld>
     <p:spTree>
@@ -27958,7 +28645,7 @@
 </p:sld>
 </file>
 
-<file path=ppt/slides/slide16.xml><?xml version="1.0" encoding="utf-8"?>
+<file path=ppt/slides/slide17.xml><?xml version="1.0" encoding="utf-8"?>
 <p:sld xmlns:a="http://schemas.openxmlformats.org/drawingml/2006/main" xmlns:r="http://schemas.openxmlformats.org/officeDocument/2006/relationships" xmlns:p="http://schemas.openxmlformats.org/presentationml/2006/main">
   <p:cSld>
     <p:spTree>
@@ -28361,7 +29048,7 @@
 </p:sld>
 </file>
 
-<file path=ppt/slides/slide17.xml><?xml version="1.0" encoding="utf-8"?>
+<file path=ppt/slides/slide18.xml><?xml version="1.0" encoding="utf-8"?>
 <p:sld xmlns:a="http://schemas.openxmlformats.org/drawingml/2006/main" xmlns:r="http://schemas.openxmlformats.org/officeDocument/2006/relationships" xmlns:p="http://schemas.openxmlformats.org/presentationml/2006/main">
   <p:cSld>
     <p:bg>
@@ -28654,7 +29341,7 @@
 </p:sld>
 </file>
 
-<file path=ppt/slides/slide18.xml><?xml version="1.0" encoding="utf-8"?>
+<file path=ppt/slides/slide19.xml><?xml version="1.0" encoding="utf-8"?>
 <p:sld xmlns:a="http://schemas.openxmlformats.org/drawingml/2006/main" xmlns:r="http://schemas.openxmlformats.org/officeDocument/2006/relationships" xmlns:p="http://schemas.openxmlformats.org/presentationml/2006/main">
   <p:cSld>
     <p:spTree>
@@ -28810,7 +29497,719 @@
 </p:sld>
 </file>
 
-<file path=ppt/slides/slide19.xml><?xml version="1.0" encoding="utf-8"?>
+<file path=ppt/slides/slide2.xml><?xml version="1.0" encoding="utf-8"?>
+<p:sld xmlns:a="http://schemas.openxmlformats.org/drawingml/2006/main" xmlns:r="http://schemas.openxmlformats.org/officeDocument/2006/relationships" xmlns:p="http://schemas.openxmlformats.org/presentationml/2006/main">
+  <p:cSld>
+    <p:spTree>
+      <p:nvGrpSpPr>
+        <p:cNvPr id="1" name=""/>
+        <p:cNvGrpSpPr/>
+        <p:nvPr/>
+      </p:nvGrpSpPr>
+      <p:grpSpPr>
+        <a:xfrm>
+          <a:off x="0" y="0"/>
+          <a:ext cx="0" cy="0"/>
+          <a:chOff x="0" y="0"/>
+          <a:chExt cx="0" cy="0"/>
+        </a:xfrm>
+      </p:grpSpPr>
+      <p:pic>
+        <p:nvPicPr>
+          <p:cNvPr id="19" name="Picture 18"/>
+          <p:cNvPicPr/>
+          <p:nvPr/>
+        </p:nvPicPr>
+        <p:blipFill>
+          <a:blip r:embed="rId3"/>
+          <a:stretch>
+            <a:fillRect/>
+          </a:stretch>
+        </p:blipFill>
+        <p:spPr>
+          <a:xfrm>
+            <a:off x="3708504" y="1487218"/>
+            <a:ext cx="4777582" cy="1524583"/>
+          </a:xfrm>
+          <a:prstGeom prst="rect">
+            <a:avLst/>
+          </a:prstGeom>
+        </p:spPr>
+      </p:pic>
+      <p:sp>
+        <p:nvSpPr>
+          <p:cNvPr id="4" name="Rectangle 3"/>
+          <p:cNvSpPr/>
+          <p:nvPr/>
+        </p:nvSpPr>
+        <p:spPr>
+          <a:xfrm>
+            <a:off x="0" y="0"/>
+            <a:ext cx="12192000" cy="149469"/>
+          </a:xfrm>
+          <a:prstGeom prst="rect">
+            <a:avLst/>
+          </a:prstGeom>
+          <a:solidFill>
+            <a:srgbClr val="CC1517"/>
+          </a:solidFill>
+          <a:ln>
+            <a:noFill/>
+          </a:ln>
+        </p:spPr>
+        <p:style>
+          <a:lnRef idx="2">
+            <a:schemeClr val="accent1">
+              <a:shade val="50000"/>
+            </a:schemeClr>
+          </a:lnRef>
+          <a:fillRef idx="1">
+            <a:schemeClr val="accent1"/>
+          </a:fillRef>
+          <a:effectRef idx="0">
+            <a:schemeClr val="accent1"/>
+          </a:effectRef>
+          <a:fontRef idx="minor">
+            <a:schemeClr val="lt1"/>
+          </a:fontRef>
+        </p:style>
+        <p:txBody>
+          <a:bodyPr rtlCol="0" anchor="ctr"/>
+          <a:lstStyle/>
+          <a:p>
+            <a:pPr algn="ctr"/>
+            <a:endParaRPr lang="en-GB"/>
+          </a:p>
+        </p:txBody>
+      </p:sp>
+      <p:sp>
+        <p:nvSpPr>
+          <p:cNvPr id="5" name="Rectangle 4"/>
+          <p:cNvSpPr/>
+          <p:nvPr/>
+        </p:nvSpPr>
+        <p:spPr>
+          <a:xfrm>
+            <a:off x="0" y="6708531"/>
+            <a:ext cx="12192000" cy="149469"/>
+          </a:xfrm>
+          <a:prstGeom prst="rect">
+            <a:avLst/>
+          </a:prstGeom>
+          <a:solidFill>
+            <a:srgbClr val="CC1517"/>
+          </a:solidFill>
+          <a:ln>
+            <a:noFill/>
+          </a:ln>
+        </p:spPr>
+        <p:style>
+          <a:lnRef idx="2">
+            <a:schemeClr val="accent1">
+              <a:shade val="50000"/>
+            </a:schemeClr>
+          </a:lnRef>
+          <a:fillRef idx="1">
+            <a:schemeClr val="accent1"/>
+          </a:fillRef>
+          <a:effectRef idx="0">
+            <a:schemeClr val="accent1"/>
+          </a:effectRef>
+          <a:fontRef idx="minor">
+            <a:schemeClr val="lt1"/>
+          </a:fontRef>
+        </p:style>
+        <p:txBody>
+          <a:bodyPr rtlCol="0" anchor="ctr"/>
+          <a:lstStyle/>
+          <a:p>
+            <a:pPr algn="ctr"/>
+            <a:endParaRPr lang="en-GB"/>
+          </a:p>
+        </p:txBody>
+      </p:sp>
+      <p:pic>
+        <p:nvPicPr>
+          <p:cNvPr id="21" name="Picture 20"/>
+          <p:cNvPicPr>
+            <a:picLocks noChangeAspect="1"/>
+          </p:cNvPicPr>
+          <p:nvPr/>
+        </p:nvPicPr>
+        <p:blipFill>
+          <a:blip r:embed="rId4" cstate="hqprint">
+            <a:extLst>
+              <a:ext uri="{28A0092B-C50C-407E-A947-70E740481C1C}">
+                <a14:useLocalDpi xmlns:a14="http://schemas.microsoft.com/office/drawing/2010/main" val="0"/>
+              </a:ext>
+            </a:extLst>
+          </a:blip>
+          <a:stretch>
+            <a:fillRect/>
+          </a:stretch>
+        </p:blipFill>
+        <p:spPr>
+          <a:xfrm>
+            <a:off x="1379539" y="3013144"/>
+            <a:ext cx="4164137" cy="915211"/>
+          </a:xfrm>
+          <a:prstGeom prst="rect">
+            <a:avLst/>
+          </a:prstGeom>
+        </p:spPr>
+      </p:pic>
+      <p:sp>
+        <p:nvSpPr>
+          <p:cNvPr id="7" name="Title 6">
+            <a:extLst>
+              <a:ext uri="{FF2B5EF4-FFF2-40B4-BE49-F238E27FC236}">
+                <a16:creationId xmlns:a16="http://schemas.microsoft.com/office/drawing/2014/main" id="{9D30D040-EEC2-4A75-B6C3-F6424D9CE202}"/>
+              </a:ext>
+            </a:extLst>
+          </p:cNvPr>
+          <p:cNvSpPr>
+            <a:spLocks noGrp="1"/>
+          </p:cNvSpPr>
+          <p:nvPr>
+            <p:ph type="title"/>
+          </p:nvPr>
+        </p:nvSpPr>
+        <p:spPr/>
+        <p:txBody>
+          <a:bodyPr/>
+          <a:lstStyle/>
+          <a:p>
+            <a:endParaRPr lang="en-GB"/>
+          </a:p>
+        </p:txBody>
+      </p:sp>
+      <p:sp>
+        <p:nvSpPr>
+          <p:cNvPr id="20" name="Rectangle 19">
+            <a:extLst>
+              <a:ext uri="{FF2B5EF4-FFF2-40B4-BE49-F238E27FC236}">
+                <a16:creationId xmlns:a16="http://schemas.microsoft.com/office/drawing/2014/main" id="{204FFB56-C0EF-4B00-8A70-B6C497DF5D92}"/>
+              </a:ext>
+            </a:extLst>
+          </p:cNvPr>
+          <p:cNvSpPr/>
+          <p:nvPr/>
+        </p:nvSpPr>
+        <p:spPr>
+          <a:xfrm>
+            <a:off x="0" y="0"/>
+            <a:ext cx="12192000" cy="1690688"/>
+          </a:xfrm>
+          <a:prstGeom prst="rect">
+            <a:avLst/>
+          </a:prstGeom>
+          <a:solidFill>
+            <a:srgbClr val="CC1517"/>
+          </a:solidFill>
+          <a:ln>
+            <a:noFill/>
+          </a:ln>
+        </p:spPr>
+        <p:style>
+          <a:lnRef idx="2">
+            <a:schemeClr val="accent1">
+              <a:shade val="50000"/>
+            </a:schemeClr>
+          </a:lnRef>
+          <a:fillRef idx="1">
+            <a:schemeClr val="accent1"/>
+          </a:fillRef>
+          <a:effectRef idx="0">
+            <a:schemeClr val="accent1"/>
+          </a:effectRef>
+          <a:fontRef idx="minor">
+            <a:schemeClr val="lt1"/>
+          </a:fontRef>
+        </p:style>
+        <p:txBody>
+          <a:bodyPr rtlCol="0" anchor="ctr"/>
+          <a:lstStyle/>
+          <a:p>
+            <a:pPr algn="ctr"/>
+            <a:endParaRPr lang="en-GB"/>
+          </a:p>
+        </p:txBody>
+      </p:sp>
+      <p:pic>
+        <p:nvPicPr>
+          <p:cNvPr id="24" name="Picture 23">
+            <a:extLst>
+              <a:ext uri="{FF2B5EF4-FFF2-40B4-BE49-F238E27FC236}">
+                <a16:creationId xmlns:a16="http://schemas.microsoft.com/office/drawing/2014/main" id="{114A1EAA-DDB3-4D06-8567-CBF3EBA52D08}"/>
+              </a:ext>
+            </a:extLst>
+          </p:cNvPr>
+          <p:cNvPicPr>
+            <a:picLocks noChangeAspect="1"/>
+          </p:cNvPicPr>
+          <p:nvPr/>
+        </p:nvPicPr>
+        <p:blipFill>
+          <a:blip r:embed="rId5">
+            <a:extLst>
+              <a:ext uri="{28A0092B-C50C-407E-A947-70E740481C1C}">
+                <a14:useLocalDpi xmlns:a14="http://schemas.microsoft.com/office/drawing/2010/main" val="0"/>
+              </a:ext>
+            </a:extLst>
+          </a:blip>
+          <a:stretch>
+            <a:fillRect/>
+          </a:stretch>
+        </p:blipFill>
+        <p:spPr>
+          <a:xfrm>
+            <a:off x="9617768" y="365125"/>
+            <a:ext cx="2155132" cy="975882"/>
+          </a:xfrm>
+          <a:prstGeom prst="rect">
+            <a:avLst/>
+          </a:prstGeom>
+        </p:spPr>
+      </p:pic>
+      <p:sp>
+        <p:nvSpPr>
+          <p:cNvPr id="26" name="Title 4">
+            <a:extLst>
+              <a:ext uri="{FF2B5EF4-FFF2-40B4-BE49-F238E27FC236}">
+                <a16:creationId xmlns:a16="http://schemas.microsoft.com/office/drawing/2014/main" id="{1D5D0754-9E99-430B-B8A4-1705511B792E}"/>
+              </a:ext>
+            </a:extLst>
+          </p:cNvPr>
+          <p:cNvSpPr txBox="1">
+            <a:spLocks/>
+          </p:cNvSpPr>
+          <p:nvPr/>
+        </p:nvSpPr>
+        <p:spPr>
+          <a:xfrm>
+            <a:off x="838200" y="198071"/>
+            <a:ext cx="10515600" cy="1325563"/>
+          </a:xfrm>
+          <a:prstGeom prst="rect">
+            <a:avLst/>
+          </a:prstGeom>
+        </p:spPr>
+        <p:txBody>
+          <a:bodyPr vert="horz" lIns="91440" tIns="45720" rIns="91440" bIns="45720" rtlCol="0" anchor="ctr">
+            <a:normAutofit/>
+          </a:bodyPr>
+          <a:lstStyle>
+            <a:lvl1pPr algn="l" defTabSz="914400" rtl="0" eaLnBrk="1" latinLnBrk="0" hangingPunct="1">
+              <a:lnSpc>
+                <a:spcPct val="90000"/>
+              </a:lnSpc>
+              <a:spcBef>
+                <a:spcPct val="0"/>
+              </a:spcBef>
+              <a:buNone/>
+              <a:defRPr sz="4400" kern="1200">
+                <a:solidFill>
+                  <a:schemeClr val="tx1"/>
+                </a:solidFill>
+                <a:latin typeface="+mj-lt"/>
+                <a:ea typeface="+mj-ea"/>
+                <a:cs typeface="+mj-cs"/>
+              </a:defRPr>
+            </a:lvl1pPr>
+          </a:lstStyle>
+          <a:p>
+            <a:r>
+              <a:rPr lang="en-GB" sz="5400" b="1" dirty="0">
+                <a:solidFill>
+                  <a:schemeClr val="bg1"/>
+                </a:solidFill>
+                <a:latin typeface="+mn-lt"/>
+              </a:rPr>
+              <a:t>Sponsors</a:t>
+            </a:r>
+          </a:p>
+        </p:txBody>
+      </p:sp>
+      <p:pic>
+        <p:nvPicPr>
+          <p:cNvPr id="15" name="Picture 14">
+            <a:extLst>
+              <a:ext uri="{FF2B5EF4-FFF2-40B4-BE49-F238E27FC236}">
+                <a16:creationId xmlns:a16="http://schemas.microsoft.com/office/drawing/2014/main" id="{C116ADD3-C5F7-431B-A66D-64AE03C7FAA5}"/>
+              </a:ext>
+            </a:extLst>
+          </p:cNvPr>
+          <p:cNvPicPr>
+            <a:picLocks noChangeAspect="1"/>
+          </p:cNvPicPr>
+          <p:nvPr/>
+        </p:nvPicPr>
+        <p:blipFill>
+          <a:blip r:embed="rId6">
+            <a:extLst>
+              <a:ext uri="{28A0092B-C50C-407E-A947-70E740481C1C}">
+                <a14:useLocalDpi xmlns:a14="http://schemas.microsoft.com/office/drawing/2010/main" val="0"/>
+              </a:ext>
+            </a:extLst>
+          </a:blip>
+          <a:stretch>
+            <a:fillRect/>
+          </a:stretch>
+        </p:blipFill>
+        <p:spPr>
+          <a:xfrm>
+            <a:off x="441613" y="4461211"/>
+            <a:ext cx="2847743" cy="999825"/>
+          </a:xfrm>
+          <a:prstGeom prst="rect">
+            <a:avLst/>
+          </a:prstGeom>
+        </p:spPr>
+      </p:pic>
+      <p:pic>
+        <p:nvPicPr>
+          <p:cNvPr id="18" name="Picture 17" descr="A picture containing clipart&#10;&#10;Description generated with very high confidence">
+            <a:extLst>
+              <a:ext uri="{FF2B5EF4-FFF2-40B4-BE49-F238E27FC236}">
+                <a16:creationId xmlns:a16="http://schemas.microsoft.com/office/drawing/2014/main" id="{D3245E22-B5C8-46CF-BF30-A2CE6EED7984}"/>
+              </a:ext>
+            </a:extLst>
+          </p:cNvPr>
+          <p:cNvPicPr>
+            <a:picLocks noChangeAspect="1"/>
+          </p:cNvPicPr>
+          <p:nvPr/>
+        </p:nvPicPr>
+        <p:blipFill>
+          <a:blip r:embed="rId7">
+            <a:extLst>
+              <a:ext uri="{28A0092B-C50C-407E-A947-70E740481C1C}">
+                <a14:useLocalDpi xmlns:a14="http://schemas.microsoft.com/office/drawing/2010/main" val="0"/>
+              </a:ext>
+            </a:extLst>
+          </a:blip>
+          <a:stretch>
+            <a:fillRect/>
+          </a:stretch>
+        </p:blipFill>
+        <p:spPr>
+          <a:xfrm>
+            <a:off x="6214814" y="3277151"/>
+            <a:ext cx="3598411" cy="584742"/>
+          </a:xfrm>
+          <a:prstGeom prst="rect">
+            <a:avLst/>
+          </a:prstGeom>
+        </p:spPr>
+      </p:pic>
+      <p:pic>
+        <p:nvPicPr>
+          <p:cNvPr id="37" name="Picture 36" descr="A close up of a logo&#10;&#10;Description generated with very high confidence">
+            <a:extLst>
+              <a:ext uri="{FF2B5EF4-FFF2-40B4-BE49-F238E27FC236}">
+                <a16:creationId xmlns:a16="http://schemas.microsoft.com/office/drawing/2014/main" id="{97ABE8C5-FA0A-4D7B-93E5-6B591F7A994D}"/>
+              </a:ext>
+            </a:extLst>
+          </p:cNvPr>
+          <p:cNvPicPr>
+            <a:picLocks noChangeAspect="1"/>
+          </p:cNvPicPr>
+          <p:nvPr/>
+        </p:nvPicPr>
+        <p:blipFill>
+          <a:blip r:embed="rId8">
+            <a:extLst>
+              <a:ext uri="{28A0092B-C50C-407E-A947-70E740481C1C}">
+                <a14:useLocalDpi xmlns:a14="http://schemas.microsoft.com/office/drawing/2010/main" val="0"/>
+              </a:ext>
+            </a:extLst>
+          </a:blip>
+          <a:stretch>
+            <a:fillRect/>
+          </a:stretch>
+        </p:blipFill>
+        <p:spPr>
+          <a:xfrm>
+            <a:off x="4793644" y="5829949"/>
+            <a:ext cx="2614130" cy="627391"/>
+          </a:xfrm>
+          <a:prstGeom prst="rect">
+            <a:avLst/>
+          </a:prstGeom>
+        </p:spPr>
+      </p:pic>
+      <p:pic>
+        <p:nvPicPr>
+          <p:cNvPr id="40" name="Picture 39">
+            <a:extLst>
+              <a:ext uri="{FF2B5EF4-FFF2-40B4-BE49-F238E27FC236}">
+                <a16:creationId xmlns:a16="http://schemas.microsoft.com/office/drawing/2014/main" id="{81601074-DE60-4CB9-8028-C6CF3F0372BB}"/>
+              </a:ext>
+            </a:extLst>
+          </p:cNvPr>
+          <p:cNvPicPr>
+            <a:picLocks noChangeAspect="1"/>
+          </p:cNvPicPr>
+          <p:nvPr/>
+        </p:nvPicPr>
+        <p:blipFill>
+          <a:blip r:embed="rId9">
+            <a:extLst>
+              <a:ext uri="{28A0092B-C50C-407E-A947-70E740481C1C}">
+                <a14:useLocalDpi xmlns:a14="http://schemas.microsoft.com/office/drawing/2010/main" val="0"/>
+              </a:ext>
+            </a:extLst>
+          </a:blip>
+          <a:stretch>
+            <a:fillRect/>
+          </a:stretch>
+        </p:blipFill>
+        <p:spPr>
+          <a:xfrm>
+            <a:off x="9129703" y="1772404"/>
+            <a:ext cx="1786453" cy="1138039"/>
+          </a:xfrm>
+          <a:prstGeom prst="rect">
+            <a:avLst/>
+          </a:prstGeom>
+        </p:spPr>
+      </p:pic>
+      <p:pic>
+        <p:nvPicPr>
+          <p:cNvPr id="3" name="Picture 2" descr="A picture containing table&#10;&#10;Description automatically generated">
+            <a:extLst>
+              <a:ext uri="{FF2B5EF4-FFF2-40B4-BE49-F238E27FC236}">
+                <a16:creationId xmlns:a16="http://schemas.microsoft.com/office/drawing/2014/main" id="{4E7D6F91-CF83-4749-94E9-C143A32CAF6E}"/>
+              </a:ext>
+            </a:extLst>
+          </p:cNvPr>
+          <p:cNvPicPr>
+            <a:picLocks noChangeAspect="1"/>
+          </p:cNvPicPr>
+          <p:nvPr/>
+        </p:nvPicPr>
+        <p:blipFill>
+          <a:blip r:embed="rId10">
+            <a:extLst>
+              <a:ext uri="{28A0092B-C50C-407E-A947-70E740481C1C}">
+                <a14:useLocalDpi xmlns:a14="http://schemas.microsoft.com/office/drawing/2010/main" val="0"/>
+              </a:ext>
+            </a:extLst>
+          </a:blip>
+          <a:stretch>
+            <a:fillRect/>
+          </a:stretch>
+        </p:blipFill>
+        <p:spPr>
+          <a:xfrm>
+            <a:off x="8954650" y="4357820"/>
+            <a:ext cx="3019787" cy="1003709"/>
+          </a:xfrm>
+          <a:prstGeom prst="rect">
+            <a:avLst/>
+          </a:prstGeom>
+        </p:spPr>
+      </p:pic>
+      <p:pic>
+        <p:nvPicPr>
+          <p:cNvPr id="8" name="Picture 7" descr="A picture containing dark, large, light&#10;&#10;Description automatically generated">
+            <a:extLst>
+              <a:ext uri="{FF2B5EF4-FFF2-40B4-BE49-F238E27FC236}">
+                <a16:creationId xmlns:a16="http://schemas.microsoft.com/office/drawing/2014/main" id="{645C49C9-7E83-4D8C-84D1-5E182AA8ABC9}"/>
+              </a:ext>
+            </a:extLst>
+          </p:cNvPr>
+          <p:cNvPicPr>
+            <a:picLocks noChangeAspect="1"/>
+          </p:cNvPicPr>
+          <p:nvPr/>
+        </p:nvPicPr>
+        <p:blipFill>
+          <a:blip r:embed="rId11">
+            <a:extLst>
+              <a:ext uri="{28A0092B-C50C-407E-A947-70E740481C1C}">
+                <a14:useLocalDpi xmlns:a14="http://schemas.microsoft.com/office/drawing/2010/main" val="0"/>
+              </a:ext>
+            </a:extLst>
+          </a:blip>
+          <a:stretch>
+            <a:fillRect/>
+          </a:stretch>
+        </p:blipFill>
+        <p:spPr>
+          <a:xfrm>
+            <a:off x="8237360" y="5821939"/>
+            <a:ext cx="3113622" cy="533762"/>
+          </a:xfrm>
+          <a:prstGeom prst="rect">
+            <a:avLst/>
+          </a:prstGeom>
+        </p:spPr>
+      </p:pic>
+      <p:pic>
+        <p:nvPicPr>
+          <p:cNvPr id="10" name="Picture 9" descr="A picture containing stop, drawing&#10;&#10;Description automatically generated">
+            <a:extLst>
+              <a:ext uri="{FF2B5EF4-FFF2-40B4-BE49-F238E27FC236}">
+                <a16:creationId xmlns:a16="http://schemas.microsoft.com/office/drawing/2014/main" id="{F6932375-3E37-46F4-80FE-5AD351E5368B}"/>
+              </a:ext>
+            </a:extLst>
+          </p:cNvPr>
+          <p:cNvPicPr>
+            <a:picLocks noChangeAspect="1"/>
+          </p:cNvPicPr>
+          <p:nvPr/>
+        </p:nvPicPr>
+        <p:blipFill>
+          <a:blip r:embed="rId12">
+            <a:extLst>
+              <a:ext uri="{28A0092B-C50C-407E-A947-70E740481C1C}">
+                <a14:useLocalDpi xmlns:a14="http://schemas.microsoft.com/office/drawing/2010/main" val="0"/>
+              </a:ext>
+            </a:extLst>
+          </a:blip>
+          <a:stretch>
+            <a:fillRect/>
+          </a:stretch>
+        </p:blipFill>
+        <p:spPr>
+          <a:xfrm>
+            <a:off x="5604477" y="4332942"/>
+            <a:ext cx="3523354" cy="1050006"/>
+          </a:xfrm>
+          <a:prstGeom prst="rect">
+            <a:avLst/>
+          </a:prstGeom>
+        </p:spPr>
+      </p:pic>
+      <p:pic>
+        <p:nvPicPr>
+          <p:cNvPr id="14" name="Picture 13" descr="A picture containing drawing, clock&#10;&#10;Description automatically generated">
+            <a:extLst>
+              <a:ext uri="{FF2B5EF4-FFF2-40B4-BE49-F238E27FC236}">
+                <a16:creationId xmlns:a16="http://schemas.microsoft.com/office/drawing/2014/main" id="{E160B2E4-B7EE-4D71-AD1D-D5F5C8663505}"/>
+              </a:ext>
+            </a:extLst>
+          </p:cNvPr>
+          <p:cNvPicPr>
+            <a:picLocks noChangeAspect="1"/>
+          </p:cNvPicPr>
+          <p:nvPr/>
+        </p:nvPicPr>
+        <p:blipFill>
+          <a:blip r:embed="rId13">
+            <a:extLst>
+              <a:ext uri="{28A0092B-C50C-407E-A947-70E740481C1C}">
+                <a14:useLocalDpi xmlns:a14="http://schemas.microsoft.com/office/drawing/2010/main" val="0"/>
+              </a:ext>
+            </a:extLst>
+          </a:blip>
+          <a:stretch>
+            <a:fillRect/>
+          </a:stretch>
+        </p:blipFill>
+        <p:spPr>
+          <a:xfrm>
+            <a:off x="1382746" y="5922334"/>
+            <a:ext cx="2572149" cy="491046"/>
+          </a:xfrm>
+          <a:prstGeom prst="rect">
+            <a:avLst/>
+          </a:prstGeom>
+        </p:spPr>
+      </p:pic>
+      <p:pic>
+        <p:nvPicPr>
+          <p:cNvPr id="17" name="Picture 16" descr="A close up of a sign&#10;&#10;Description automatically generated">
+            <a:extLst>
+              <a:ext uri="{FF2B5EF4-FFF2-40B4-BE49-F238E27FC236}">
+                <a16:creationId xmlns:a16="http://schemas.microsoft.com/office/drawing/2014/main" id="{A48A287C-0BE2-4F27-9770-09DF76015A56}"/>
+              </a:ext>
+            </a:extLst>
+          </p:cNvPr>
+          <p:cNvPicPr>
+            <a:picLocks noChangeAspect="1"/>
+          </p:cNvPicPr>
+          <p:nvPr/>
+        </p:nvPicPr>
+        <p:blipFill>
+          <a:blip r:embed="rId14">
+            <a:extLst>
+              <a:ext uri="{28A0092B-C50C-407E-A947-70E740481C1C}">
+                <a14:useLocalDpi xmlns:a14="http://schemas.microsoft.com/office/drawing/2010/main" val="0"/>
+              </a:ext>
+            </a:extLst>
+          </a:blip>
+          <a:stretch>
+            <a:fillRect/>
+          </a:stretch>
+        </p:blipFill>
+        <p:spPr>
+          <a:xfrm>
+            <a:off x="3515451" y="4208025"/>
+            <a:ext cx="1635752" cy="1305666"/>
+          </a:xfrm>
+          <a:prstGeom prst="rect">
+            <a:avLst/>
+          </a:prstGeom>
+        </p:spPr>
+      </p:pic>
+      <p:pic>
+        <p:nvPicPr>
+          <p:cNvPr id="2" name="Picture 5" descr="A picture containing drawing&#10;&#10;Description generated with very high confidence">
+            <a:extLst>
+              <a:ext uri="{FF2B5EF4-FFF2-40B4-BE49-F238E27FC236}">
+                <a16:creationId xmlns:a16="http://schemas.microsoft.com/office/drawing/2014/main" id="{2F9508A2-1F6B-402E-B2D6-18E82D20D73E}"/>
+              </a:ext>
+            </a:extLst>
+          </p:cNvPr>
+          <p:cNvPicPr>
+            <a:picLocks noChangeAspect="1"/>
+          </p:cNvPicPr>
+          <p:nvPr/>
+        </p:nvPicPr>
+        <p:blipFill>
+          <a:blip r:embed="rId15"/>
+          <a:stretch>
+            <a:fillRect/>
+          </a:stretch>
+        </p:blipFill>
+        <p:spPr>
+          <a:xfrm>
+            <a:off x="619991" y="1717306"/>
+            <a:ext cx="2743200" cy="1293254"/>
+          </a:xfrm>
+          <a:prstGeom prst="rect">
+            <a:avLst/>
+          </a:prstGeom>
+        </p:spPr>
+      </p:pic>
+    </p:spTree>
+    <p:extLst>
+      <p:ext uri="{BB962C8B-B14F-4D97-AF65-F5344CB8AC3E}">
+        <p14:creationId xmlns:p14="http://schemas.microsoft.com/office/powerpoint/2010/main" val="2566127079"/>
+      </p:ext>
+    </p:extLst>
+  </p:cSld>
+  <p:clrMapOvr>
+    <a:masterClrMapping/>
+  </p:clrMapOvr>
+  <mc:AlternateContent xmlns:mc="http://schemas.openxmlformats.org/markup-compatibility/2006" xmlns:p14="http://schemas.microsoft.com/office/powerpoint/2010/main">
+    <mc:Choice Requires="p14">
+      <p:transition spd="med" p14:dur="700">
+        <p:fade/>
+      </p:transition>
+    </mc:Choice>
+    <mc:Fallback xmlns="">
+      <p:transition spd="med">
+        <p:fade/>
+      </p:transition>
+    </mc:Fallback>
+  </mc:AlternateContent>
+</p:sld>
+</file>
+
+<file path=ppt/slides/slide20.xml><?xml version="1.0" encoding="utf-8"?>
 <p:sld xmlns:a="http://schemas.openxmlformats.org/drawingml/2006/main" xmlns:r="http://schemas.openxmlformats.org/officeDocument/2006/relationships" xmlns:p="http://schemas.openxmlformats.org/presentationml/2006/main">
   <p:cSld>
     <p:spTree>
@@ -28891,15 +30290,7 @@
           <a:p>
             <a:r>
               <a:rPr lang="en-GB" dirty="0"/>
-              <a:t>Except, you have to “create an app” – which can be counter </a:t>
-            </a:r>
-            <a:r>
-              <a:rPr lang="en-GB" dirty="0" err="1"/>
-              <a:t>intuituve</a:t>
-            </a:r>
-            <a:r>
-              <a:rPr lang="en-GB" dirty="0"/>
-              <a:t>. Just embrace the weirdness.</a:t>
+              <a:t>Except, you have to “create an app” – which can be counter intuitive. Just embrace the weirdness.</a:t>
             </a:r>
           </a:p>
           <a:p>
@@ -28990,141 +30381,7 @@
 </p:sld>
 </file>
 
-<file path=ppt/slides/slide2.xml><?xml version="1.0" encoding="utf-8"?>
-<p:sld xmlns:a="http://schemas.openxmlformats.org/drawingml/2006/main" xmlns:r="http://schemas.openxmlformats.org/officeDocument/2006/relationships" xmlns:p="http://schemas.openxmlformats.org/presentationml/2006/main">
-  <p:cSld>
-    <p:spTree>
-      <p:nvGrpSpPr>
-        <p:cNvPr id="1" name=""/>
-        <p:cNvGrpSpPr/>
-        <p:nvPr/>
-      </p:nvGrpSpPr>
-      <p:grpSpPr>
-        <a:xfrm>
-          <a:off x="0" y="0"/>
-          <a:ext cx="0" cy="0"/>
-          <a:chOff x="0" y="0"/>
-          <a:chExt cx="0" cy="0"/>
-        </a:xfrm>
-      </p:grpSpPr>
-      <p:sp>
-        <p:nvSpPr>
-          <p:cNvPr id="2" name="Title 1">
-            <a:extLst>
-              <a:ext uri="{FF2B5EF4-FFF2-40B4-BE49-F238E27FC236}">
-                <a16:creationId xmlns:a16="http://schemas.microsoft.com/office/drawing/2014/main" id="{609EECF3-92CA-40F3-870A-E250569C62D2}"/>
-              </a:ext>
-            </a:extLst>
-          </p:cNvPr>
-          <p:cNvSpPr>
-            <a:spLocks noGrp="1"/>
-          </p:cNvSpPr>
-          <p:nvPr>
-            <p:ph type="ctrTitle"/>
-          </p:nvPr>
-        </p:nvSpPr>
-        <p:spPr/>
-        <p:txBody>
-          <a:bodyPr/>
-          <a:lstStyle/>
-          <a:p>
-            <a:r>
-              <a:rPr lang="en-GB" dirty="0"/>
-              <a:t>Introduction</a:t>
-            </a:r>
-          </a:p>
-        </p:txBody>
-      </p:sp>
-      <p:sp>
-        <p:nvSpPr>
-          <p:cNvPr id="3" name="Subtitle 2">
-            <a:extLst>
-              <a:ext uri="{FF2B5EF4-FFF2-40B4-BE49-F238E27FC236}">
-                <a16:creationId xmlns:a16="http://schemas.microsoft.com/office/drawing/2014/main" id="{6FDE2018-193F-4EC0-94AC-8BB4741B9FC1}"/>
-              </a:ext>
-            </a:extLst>
-          </p:cNvPr>
-          <p:cNvSpPr>
-            <a:spLocks noGrp="1"/>
-          </p:cNvSpPr>
-          <p:nvPr>
-            <p:ph type="subTitle" idx="1"/>
-          </p:nvPr>
-        </p:nvSpPr>
-        <p:spPr/>
-        <p:txBody>
-          <a:bodyPr>
-            <a:normAutofit lnSpcReduction="10000"/>
-          </a:bodyPr>
-          <a:lstStyle/>
-          <a:p>
-            <a:r>
-              <a:rPr lang="en-GB" dirty="0"/>
-              <a:t>Frans Lytzen, CTO NewOrbit</a:t>
-            </a:r>
-          </a:p>
-          <a:p>
-            <a:r>
-              <a:rPr lang="en-GB" dirty="0"/>
-              <a:t>https://www.Lytzen.name</a:t>
-            </a:r>
-          </a:p>
-          <a:p>
-            <a:r>
-              <a:rPr lang="en-GB" dirty="0"/>
-              <a:t>https://neworbit.pl </a:t>
-            </a:r>
-          </a:p>
-          <a:p>
-            <a:r>
-              <a:rPr lang="en-GB" dirty="0"/>
-              <a:t>@flytzen</a:t>
-            </a:r>
-          </a:p>
-        </p:txBody>
-      </p:sp>
-      <p:sp>
-        <p:nvSpPr>
-          <p:cNvPr id="4" name="Footer Placeholder 3">
-            <a:extLst>
-              <a:ext uri="{FF2B5EF4-FFF2-40B4-BE49-F238E27FC236}">
-                <a16:creationId xmlns:a16="http://schemas.microsoft.com/office/drawing/2014/main" id="{96ACFB46-258D-4D62-9B9D-8B6D73317C5E}"/>
-              </a:ext>
-            </a:extLst>
-          </p:cNvPr>
-          <p:cNvSpPr>
-            <a:spLocks noGrp="1"/>
-          </p:cNvSpPr>
-          <p:nvPr>
-            <p:ph type="ftr" sz="quarter" idx="11"/>
-          </p:nvPr>
-        </p:nvSpPr>
-        <p:spPr/>
-        <p:txBody>
-          <a:bodyPr/>
-          <a:lstStyle/>
-          <a:p>
-            <a:r>
-              <a:rPr lang="en-GB" dirty="0"/>
-              <a:t>@flytzen  -  https://neworbit.co.uk</a:t>
-            </a:r>
-          </a:p>
-        </p:txBody>
-      </p:sp>
-    </p:spTree>
-    <p:extLst>
-      <p:ext uri="{BB962C8B-B14F-4D97-AF65-F5344CB8AC3E}">
-        <p14:creationId xmlns:p14="http://schemas.microsoft.com/office/powerpoint/2010/main" val="4148374684"/>
-      </p:ext>
-    </p:extLst>
-  </p:cSld>
-  <p:clrMapOvr>
-    <a:masterClrMapping/>
-  </p:clrMapOvr>
-</p:sld>
-</file>
-
-<file path=ppt/slides/slide20.xml><?xml version="1.0" encoding="utf-8"?>
+<file path=ppt/slides/slide21.xml><?xml version="1.0" encoding="utf-8"?>
 <p:sld xmlns:a="http://schemas.openxmlformats.org/drawingml/2006/main" xmlns:r="http://schemas.openxmlformats.org/officeDocument/2006/relationships" xmlns:p="http://schemas.openxmlformats.org/presentationml/2006/main">
   <p:cSld>
     <p:spTree>
@@ -29420,7 +30677,7 @@
 </p:sld>
 </file>
 
-<file path=ppt/slides/slide21.xml><?xml version="1.0" encoding="utf-8"?>
+<file path=ppt/slides/slide22.xml><?xml version="1.0" encoding="utf-8"?>
 <p:sld xmlns:a="http://schemas.openxmlformats.org/drawingml/2006/main" xmlns:r="http://schemas.openxmlformats.org/officeDocument/2006/relationships" xmlns:p="http://schemas.openxmlformats.org/presentationml/2006/main">
   <p:cSld>
     <p:spTree>
@@ -29582,7 +30839,7 @@
 </p:sld>
 </file>
 
-<file path=ppt/slides/slide22.xml><?xml version="1.0" encoding="utf-8"?>
+<file path=ppt/slides/slide23.xml><?xml version="1.0" encoding="utf-8"?>
 <p:sld xmlns:a="http://schemas.openxmlformats.org/drawingml/2006/main" xmlns:r="http://schemas.openxmlformats.org/officeDocument/2006/relationships" xmlns:p="http://schemas.openxmlformats.org/presentationml/2006/main">
   <p:cSld>
     <p:spTree>
@@ -31369,7 +32626,7 @@
 </p:sld>
 </file>
 
-<file path=ppt/slides/slide23.xml><?xml version="1.0" encoding="utf-8"?>
+<file path=ppt/slides/slide24.xml><?xml version="1.0" encoding="utf-8"?>
 <p:sld xmlns:a="http://schemas.openxmlformats.org/drawingml/2006/main" xmlns:r="http://schemas.openxmlformats.org/officeDocument/2006/relationships" xmlns:p="http://schemas.openxmlformats.org/presentationml/2006/main">
   <p:cSld>
     <p:spTree>
@@ -31846,7 +33103,7 @@
 </p:sld>
 </file>
 
-<file path=ppt/slides/slide24.xml><?xml version="1.0" encoding="utf-8"?>
+<file path=ppt/slides/slide25.xml><?xml version="1.0" encoding="utf-8"?>
 <p:sld xmlns:a="http://schemas.openxmlformats.org/drawingml/2006/main" xmlns:r="http://schemas.openxmlformats.org/officeDocument/2006/relationships" xmlns:p="http://schemas.openxmlformats.org/presentationml/2006/main">
   <p:cSld>
     <p:spTree>
@@ -32545,7 +33802,7 @@
 </p:sld>
 </file>
 
-<file path=ppt/slides/slide25.xml><?xml version="1.0" encoding="utf-8"?>
+<file path=ppt/slides/slide26.xml><?xml version="1.0" encoding="utf-8"?>
 <p:sld xmlns:a="http://schemas.openxmlformats.org/drawingml/2006/main" xmlns:r="http://schemas.openxmlformats.org/officeDocument/2006/relationships" xmlns:p="http://schemas.openxmlformats.org/presentationml/2006/main">
   <p:cSld>
     <p:bg>
@@ -32816,7 +34073,7 @@
 </p:sld>
 </file>
 
-<file path=ppt/slides/slide26.xml><?xml version="1.0" encoding="utf-8"?>
+<file path=ppt/slides/slide27.xml><?xml version="1.0" encoding="utf-8"?>
 <p:sld xmlns:a="http://schemas.openxmlformats.org/drawingml/2006/main" xmlns:r="http://schemas.openxmlformats.org/officeDocument/2006/relationships" xmlns:p="http://schemas.openxmlformats.org/presentationml/2006/main">
   <p:cSld>
     <p:spTree>
@@ -33058,6 +34315,47 @@
           </a:p>
         </p:txBody>
       </p:sp>
+      <p:sp>
+        <p:nvSpPr>
+          <p:cNvPr id="5" name="TextBox 4">
+            <a:extLst>
+              <a:ext uri="{FF2B5EF4-FFF2-40B4-BE49-F238E27FC236}">
+                <a16:creationId xmlns:a16="http://schemas.microsoft.com/office/drawing/2014/main" id="{F5222955-F356-4CCF-8682-F82C1F9306E0}"/>
+              </a:ext>
+            </a:extLst>
+          </p:cNvPr>
+          <p:cNvSpPr txBox="1"/>
+          <p:nvPr/>
+        </p:nvSpPr>
+        <p:spPr>
+          <a:xfrm>
+            <a:off x="1366157" y="2677885"/>
+            <a:ext cx="5344886" cy="369332"/>
+          </a:xfrm>
+          <a:prstGeom prst="rect">
+            <a:avLst/>
+          </a:prstGeom>
+          <a:solidFill>
+            <a:srgbClr val="FF0000"/>
+          </a:solidFill>
+        </p:spPr>
+        <p:txBody>
+          <a:bodyPr wrap="square" rtlCol="0">
+            <a:spAutoFit/>
+          </a:bodyPr>
+          <a:lstStyle/>
+          <a:p>
+            <a:r>
+              <a:rPr lang="en-GB" dirty="0">
+                <a:solidFill>
+                  <a:schemeClr val="bg1"/>
+                </a:solidFill>
+              </a:rPr>
+              <a:t>Only works with preview, which has other limitations.</a:t>
+            </a:r>
+          </a:p>
+        </p:txBody>
+      </p:sp>
     </p:spTree>
     <p:extLst>
       <p:ext uri="{BB962C8B-B14F-4D97-AF65-F5344CB8AC3E}">
@@ -33089,14 +34387,67 @@
                             </p:stCondLst>
                             <p:childTnLst>
                               <p:par>
-                                <p:cTn id="5" presetID="1" presetClass="entr" presetSubtype="0" fill="hold" grpId="0" nodeType="clickEffect">
+                                <p:cTn id="5" presetID="10" presetClass="exit" presetSubtype="0" fill="hold" grpId="0" nodeType="clickEffect">
+                                  <p:stCondLst>
+                                    <p:cond delay="0"/>
+                                  </p:stCondLst>
+                                  <p:childTnLst>
+                                    <p:animEffect transition="out" filter="fade">
+                                      <p:cBhvr>
+                                        <p:cTn id="6" dur="500"/>
+                                        <p:tgtEl>
+                                          <p:spTgt spid="5"/>
+                                        </p:tgtEl>
+                                      </p:cBhvr>
+                                    </p:animEffect>
+                                    <p:set>
+                                      <p:cBhvr>
+                                        <p:cTn id="7" dur="1" fill="hold">
+                                          <p:stCondLst>
+                                            <p:cond delay="499"/>
+                                          </p:stCondLst>
+                                        </p:cTn>
+                                        <p:tgtEl>
+                                          <p:spTgt spid="5"/>
+                                        </p:tgtEl>
+                                        <p:attrNameLst>
+                                          <p:attrName>style.visibility</p:attrName>
+                                        </p:attrNameLst>
+                                      </p:cBhvr>
+                                      <p:to>
+                                        <p:strVal val="hidden"/>
+                                      </p:to>
+                                    </p:set>
+                                  </p:childTnLst>
+                                </p:cTn>
+                              </p:par>
+                            </p:childTnLst>
+                          </p:cTn>
+                        </p:par>
+                      </p:childTnLst>
+                    </p:cTn>
+                  </p:par>
+                  <p:par>
+                    <p:cTn id="8" fill="hold">
+                      <p:stCondLst>
+                        <p:cond delay="indefinite"/>
+                      </p:stCondLst>
+                      <p:childTnLst>
+                        <p:par>
+                          <p:cTn id="9" fill="hold">
+                            <p:stCondLst>
+                              <p:cond delay="0"/>
+                            </p:stCondLst>
+                            <p:childTnLst>
+                              <p:par>
+                                <p:cTn id="10" presetID="1" presetClass="entr" presetSubtype="0" fill="hold" grpId="0" nodeType="clickEffect">
                                   <p:stCondLst>
                                     <p:cond delay="0"/>
                                   </p:stCondLst>
                                   <p:childTnLst>
                                     <p:set>
                                       <p:cBhvr>
-                                        <p:cTn id="6" dur="1" fill="hold">
+                                        <p:cTn id="11" dur="1" fill="hold">
                                           <p:stCondLst>
                                             <p:cond delay="0"/>
                                           </p:stCondLst>
@@ -33126,26 +34477,26 @@
                     </p:cTn>
                   </p:par>
                   <p:par>
-                    <p:cTn id="7" fill="hold">
+                    <p:cTn id="12" fill="hold">
                       <p:stCondLst>
                         <p:cond delay="indefinite"/>
                       </p:stCondLst>
                       <p:childTnLst>
                         <p:par>
-                          <p:cTn id="8" fill="hold">
+                          <p:cTn id="13" fill="hold">
                             <p:stCondLst>
                               <p:cond delay="0"/>
                             </p:stCondLst>
                             <p:childTnLst>
                               <p:par>
-                                <p:cTn id="9" presetID="1" presetClass="entr" presetSubtype="0" fill="hold" grpId="0" nodeType="clickEffect">
+                                <p:cTn id="14" presetID="1" presetClass="entr" presetSubtype="0" fill="hold" grpId="0" nodeType="clickEffect">
                                   <p:stCondLst>
                                     <p:cond delay="0"/>
                                   </p:stCondLst>
                                   <p:childTnLst>
                                     <p:set>
                                       <p:cBhvr>
-                                        <p:cTn id="10" dur="1" fill="hold">
+                                        <p:cTn id="15" dur="1" fill="hold">
                                           <p:stCondLst>
                                             <p:cond delay="0"/>
                                           </p:stCondLst>
@@ -33175,26 +34526,26 @@
                     </p:cTn>
                   </p:par>
                   <p:par>
-                    <p:cTn id="11" fill="hold">
+                    <p:cTn id="16" fill="hold">
                       <p:stCondLst>
                         <p:cond delay="indefinite"/>
                       </p:stCondLst>
                       <p:childTnLst>
                         <p:par>
-                          <p:cTn id="12" fill="hold">
+                          <p:cTn id="17" fill="hold">
                             <p:stCondLst>
                               <p:cond delay="0"/>
                             </p:stCondLst>
                             <p:childTnLst>
                               <p:par>
-                                <p:cTn id="13" presetID="1" presetClass="entr" presetSubtype="0" fill="hold" grpId="0" nodeType="clickEffect">
+                                <p:cTn id="18" presetID="1" presetClass="entr" presetSubtype="0" fill="hold" grpId="0" nodeType="clickEffect">
                                   <p:stCondLst>
                                     <p:cond delay="0"/>
                                   </p:stCondLst>
                                   <p:childTnLst>
                                     <p:set>
                                       <p:cBhvr>
-                                        <p:cTn id="14" dur="1" fill="hold">
+                                        <p:cTn id="19" dur="1" fill="hold">
                                           <p:stCondLst>
                                             <p:cond delay="0"/>
                                           </p:stCondLst>
@@ -33224,26 +34575,26 @@
                     </p:cTn>
                   </p:par>
                   <p:par>
-                    <p:cTn id="15" fill="hold">
+                    <p:cTn id="20" fill="hold">
                       <p:stCondLst>
                         <p:cond delay="indefinite"/>
                       </p:stCondLst>
                       <p:childTnLst>
                         <p:par>
-                          <p:cTn id="16" fill="hold">
+                          <p:cTn id="21" fill="hold">
                             <p:stCondLst>
                               <p:cond delay="0"/>
                             </p:stCondLst>
                             <p:childTnLst>
                               <p:par>
-                                <p:cTn id="17" presetID="1" presetClass="entr" presetSubtype="0" fill="hold" grpId="0" nodeType="clickEffect">
+                                <p:cTn id="22" presetID="1" presetClass="entr" presetSubtype="0" fill="hold" grpId="0" nodeType="clickEffect">
                                   <p:stCondLst>
                                     <p:cond delay="0"/>
                                   </p:stCondLst>
                                   <p:childTnLst>
                                     <p:set>
                                       <p:cBhvr>
-                                        <p:cTn id="18" dur="1" fill="hold">
+                                        <p:cTn id="23" dur="1" fill="hold">
                                           <p:stCondLst>
                                             <p:cond delay="0"/>
                                           </p:stCondLst>
@@ -33273,26 +34624,26 @@
                     </p:cTn>
                   </p:par>
                   <p:par>
-                    <p:cTn id="19" fill="hold">
+                    <p:cTn id="24" fill="hold">
                       <p:stCondLst>
                         <p:cond delay="indefinite"/>
                       </p:stCondLst>
                       <p:childTnLst>
                         <p:par>
-                          <p:cTn id="20" fill="hold">
+                          <p:cTn id="25" fill="hold">
                             <p:stCondLst>
                               <p:cond delay="0"/>
                             </p:stCondLst>
                             <p:childTnLst>
                               <p:par>
-                                <p:cTn id="21" presetID="1" presetClass="entr" presetSubtype="0" fill="hold" grpId="0" nodeType="clickEffect">
+                                <p:cTn id="26" presetID="1" presetClass="entr" presetSubtype="0" fill="hold" grpId="0" nodeType="clickEffect">
                                   <p:stCondLst>
                                     <p:cond delay="0"/>
                                   </p:stCondLst>
                                   <p:childTnLst>
                                     <p:set>
                                       <p:cBhvr>
-                                        <p:cTn id="22" dur="1" fill="hold">
+                                        <p:cTn id="27" dur="1" fill="hold">
                                           <p:stCondLst>
                                             <p:cond delay="0"/>
                                           </p:stCondLst>
@@ -33322,26 +34673,26 @@
                     </p:cTn>
                   </p:par>
                   <p:par>
-                    <p:cTn id="23" fill="hold">
+                    <p:cTn id="28" fill="hold">
                       <p:stCondLst>
                         <p:cond delay="indefinite"/>
                       </p:stCondLst>
                       <p:childTnLst>
                         <p:par>
-                          <p:cTn id="24" fill="hold">
+                          <p:cTn id="29" fill="hold">
                             <p:stCondLst>
                               <p:cond delay="0"/>
                             </p:stCondLst>
                             <p:childTnLst>
                               <p:par>
-                                <p:cTn id="25" presetID="1" presetClass="entr" presetSubtype="0" fill="hold" grpId="0" nodeType="clickEffect">
+                                <p:cTn id="30" presetID="1" presetClass="entr" presetSubtype="0" fill="hold" grpId="0" nodeType="clickEffect">
                                   <p:stCondLst>
                                     <p:cond delay="0"/>
                                   </p:stCondLst>
                                   <p:childTnLst>
                                     <p:set>
                                       <p:cBhvr>
-                                        <p:cTn id="26" dur="1" fill="hold">
+                                        <p:cTn id="31" dur="1" fill="hold">
                                           <p:stCondLst>
                                             <p:cond delay="0"/>
                                           </p:stCondLst>
@@ -33393,12 +34744,13 @@
     </p:tnLst>
     <p:bldLst>
       <p:bldP spid="4" grpId="0" build="p"/>
+      <p:bldP spid="5" grpId="0" animBg="1"/>
     </p:bldLst>
   </p:timing>
 </p:sld>
 </file>
 
-<file path=ppt/slides/slide27.xml><?xml version="1.0" encoding="utf-8"?>
+<file path=ppt/slides/slide28.xml><?xml version="1.0" encoding="utf-8"?>
 <p:sld xmlns:a="http://schemas.openxmlformats.org/drawingml/2006/main" xmlns:r="http://schemas.openxmlformats.org/officeDocument/2006/relationships" xmlns:p="http://schemas.openxmlformats.org/presentationml/2006/main">
   <p:cSld>
     <p:spTree>
@@ -33515,7 +34867,7 @@
 </p:sld>
 </file>
 
-<file path=ppt/slides/slide28.xml><?xml version="1.0" encoding="utf-8"?>
+<file path=ppt/slides/slide29.xml><?xml version="1.0" encoding="utf-8"?>
 <p:sld xmlns:a="http://schemas.openxmlformats.org/drawingml/2006/main" xmlns:r="http://schemas.openxmlformats.org/officeDocument/2006/relationships" xmlns:p="http://schemas.openxmlformats.org/presentationml/2006/main">
   <p:cSld>
     <p:spTree>
@@ -33637,7 +34989,409 @@
 </p:sld>
 </file>
 
-<file path=ppt/slides/slide29.xml><?xml version="1.0" encoding="utf-8"?>
+<file path=ppt/slides/slide3.xml><?xml version="1.0" encoding="utf-8"?>
+<p:sld xmlns:a="http://schemas.openxmlformats.org/drawingml/2006/main" xmlns:r="http://schemas.openxmlformats.org/officeDocument/2006/relationships" xmlns:p="http://schemas.openxmlformats.org/presentationml/2006/main">
+  <p:cSld>
+    <p:spTree>
+      <p:nvGrpSpPr>
+        <p:cNvPr id="1" name=""/>
+        <p:cNvGrpSpPr/>
+        <p:nvPr/>
+      </p:nvGrpSpPr>
+      <p:grpSpPr>
+        <a:xfrm>
+          <a:off x="0" y="0"/>
+          <a:ext cx="0" cy="0"/>
+          <a:chOff x="0" y="0"/>
+          <a:chExt cx="0" cy="0"/>
+        </a:xfrm>
+      </p:grpSpPr>
+      <p:sp>
+        <p:nvSpPr>
+          <p:cNvPr id="2" name="Title 1">
+            <a:extLst>
+              <a:ext uri="{FF2B5EF4-FFF2-40B4-BE49-F238E27FC236}">
+                <a16:creationId xmlns:a16="http://schemas.microsoft.com/office/drawing/2014/main" id="{609EECF3-92CA-40F3-870A-E250569C62D2}"/>
+              </a:ext>
+            </a:extLst>
+          </p:cNvPr>
+          <p:cNvSpPr>
+            <a:spLocks noGrp="1"/>
+          </p:cNvSpPr>
+          <p:nvPr>
+            <p:ph type="ctrTitle"/>
+          </p:nvPr>
+        </p:nvSpPr>
+        <p:spPr/>
+        <p:txBody>
+          <a:bodyPr/>
+          <a:lstStyle/>
+          <a:p>
+            <a:r>
+              <a:rPr lang="en-GB" dirty="0"/>
+              <a:t>Introduction</a:t>
+            </a:r>
+          </a:p>
+        </p:txBody>
+      </p:sp>
+      <p:sp>
+        <p:nvSpPr>
+          <p:cNvPr id="3" name="Subtitle 2">
+            <a:extLst>
+              <a:ext uri="{FF2B5EF4-FFF2-40B4-BE49-F238E27FC236}">
+                <a16:creationId xmlns:a16="http://schemas.microsoft.com/office/drawing/2014/main" id="{6FDE2018-193F-4EC0-94AC-8BB4741B9FC1}"/>
+              </a:ext>
+            </a:extLst>
+          </p:cNvPr>
+          <p:cNvSpPr>
+            <a:spLocks noGrp="1"/>
+          </p:cNvSpPr>
+          <p:nvPr>
+            <p:ph type="subTitle" idx="1"/>
+          </p:nvPr>
+        </p:nvSpPr>
+        <p:spPr/>
+        <p:txBody>
+          <a:bodyPr>
+            <a:normAutofit/>
+          </a:bodyPr>
+          <a:lstStyle/>
+          <a:p>
+            <a:r>
+              <a:rPr lang="en-GB" dirty="0"/>
+              <a:t>Frans Lytzen, CTO NewOrbit</a:t>
+            </a:r>
+          </a:p>
+          <a:p>
+            <a:r>
+              <a:rPr lang="en-GB" dirty="0"/>
+              <a:t>https://www.lytzen.name</a:t>
+            </a:r>
+          </a:p>
+          <a:p>
+            <a:r>
+              <a:rPr lang="en-GB" dirty="0"/>
+              <a:t>@flytzen</a:t>
+            </a:r>
+          </a:p>
+        </p:txBody>
+      </p:sp>
+      <p:sp>
+        <p:nvSpPr>
+          <p:cNvPr id="4" name="Footer Placeholder 3">
+            <a:extLst>
+              <a:ext uri="{FF2B5EF4-FFF2-40B4-BE49-F238E27FC236}">
+                <a16:creationId xmlns:a16="http://schemas.microsoft.com/office/drawing/2014/main" id="{96ACFB46-258D-4D62-9B9D-8B6D73317C5E}"/>
+              </a:ext>
+            </a:extLst>
+          </p:cNvPr>
+          <p:cNvSpPr>
+            <a:spLocks noGrp="1"/>
+          </p:cNvSpPr>
+          <p:nvPr>
+            <p:ph type="ftr" sz="quarter" idx="11"/>
+          </p:nvPr>
+        </p:nvSpPr>
+        <p:spPr/>
+        <p:txBody>
+          <a:bodyPr/>
+          <a:lstStyle/>
+          <a:p>
+            <a:r>
+              <a:rPr lang="en-GB" dirty="0"/>
+              <a:t>@flytzen  -  https://neworbit.co.uk</a:t>
+            </a:r>
+          </a:p>
+        </p:txBody>
+      </p:sp>
+    </p:spTree>
+    <p:extLst>
+      <p:ext uri="{BB962C8B-B14F-4D97-AF65-F5344CB8AC3E}">
+        <p14:creationId xmlns:p14="http://schemas.microsoft.com/office/powerpoint/2010/main" val="4148374684"/>
+      </p:ext>
+    </p:extLst>
+  </p:cSld>
+  <p:clrMapOvr>
+    <a:masterClrMapping/>
+  </p:clrMapOvr>
+</p:sld>
+</file>
+
+<file path=ppt/slides/slide30.xml><?xml version="1.0" encoding="utf-8"?>
+<p:sld xmlns:a="http://schemas.openxmlformats.org/drawingml/2006/main" xmlns:r="http://schemas.openxmlformats.org/officeDocument/2006/relationships" xmlns:p="http://schemas.openxmlformats.org/presentationml/2006/main">
+  <p:cSld>
+    <p:spTree>
+      <p:nvGrpSpPr>
+        <p:cNvPr id="1" name=""/>
+        <p:cNvGrpSpPr/>
+        <p:nvPr/>
+      </p:nvGrpSpPr>
+      <p:grpSpPr>
+        <a:xfrm>
+          <a:off x="0" y="0"/>
+          <a:ext cx="0" cy="0"/>
+          <a:chOff x="0" y="0"/>
+          <a:chExt cx="0" cy="0"/>
+        </a:xfrm>
+      </p:grpSpPr>
+      <p:sp>
+        <p:nvSpPr>
+          <p:cNvPr id="2" name="Footer Placeholder 1">
+            <a:extLst>
+              <a:ext uri="{FF2B5EF4-FFF2-40B4-BE49-F238E27FC236}">
+                <a16:creationId xmlns:a16="http://schemas.microsoft.com/office/drawing/2014/main" id="{C28D85BF-DC47-40F3-92B6-5A7D38FCDBD2}"/>
+              </a:ext>
+            </a:extLst>
+          </p:cNvPr>
+          <p:cNvSpPr>
+            <a:spLocks noGrp="1"/>
+          </p:cNvSpPr>
+          <p:nvPr>
+            <p:ph type="ftr" sz="quarter" idx="11"/>
+          </p:nvPr>
+        </p:nvSpPr>
+        <p:spPr/>
+        <p:txBody>
+          <a:bodyPr/>
+          <a:lstStyle/>
+          <a:p>
+            <a:r>
+              <a:rPr lang="en-GB"/>
+              <a:t>@flytzen  -  https://neworbit.co.uk</a:t>
+            </a:r>
+            <a:endParaRPr lang="en-GB" dirty="0"/>
+          </a:p>
+        </p:txBody>
+      </p:sp>
+      <p:sp>
+        <p:nvSpPr>
+          <p:cNvPr id="3" name="Title 2">
+            <a:extLst>
+              <a:ext uri="{FF2B5EF4-FFF2-40B4-BE49-F238E27FC236}">
+                <a16:creationId xmlns:a16="http://schemas.microsoft.com/office/drawing/2014/main" id="{BFCFC814-3C16-4038-9CE5-0B7EF435FD87}"/>
+              </a:ext>
+            </a:extLst>
+          </p:cNvPr>
+          <p:cNvSpPr>
+            <a:spLocks noGrp="1"/>
+          </p:cNvSpPr>
+          <p:nvPr>
+            <p:ph type="title"/>
+          </p:nvPr>
+        </p:nvSpPr>
+        <p:spPr/>
+        <p:txBody>
+          <a:bodyPr/>
+          <a:lstStyle/>
+          <a:p>
+            <a:r>
+              <a:rPr lang="en-GB" dirty="0"/>
+              <a:t>IP Restrictions instead</a:t>
+            </a:r>
+          </a:p>
+        </p:txBody>
+      </p:sp>
+      <p:sp>
+        <p:nvSpPr>
+          <p:cNvPr id="4" name="TextBox 3">
+            <a:extLst>
+              <a:ext uri="{FF2B5EF4-FFF2-40B4-BE49-F238E27FC236}">
+                <a16:creationId xmlns:a16="http://schemas.microsoft.com/office/drawing/2014/main" id="{C9DE234C-CB8B-4F54-841E-67525F3B2639}"/>
+              </a:ext>
+            </a:extLst>
+          </p:cNvPr>
+          <p:cNvSpPr txBox="1"/>
+          <p:nvPr/>
+        </p:nvSpPr>
+        <p:spPr>
+          <a:xfrm>
+            <a:off x="7264866" y="2021747"/>
+            <a:ext cx="3285258" cy="369332"/>
+          </a:xfrm>
+          <a:prstGeom prst="rect">
+            <a:avLst/>
+          </a:prstGeom>
+          <a:solidFill>
+            <a:srgbClr val="FF0000"/>
+          </a:solidFill>
+        </p:spPr>
+        <p:txBody>
+          <a:bodyPr wrap="none" rtlCol="0">
+            <a:spAutoFit/>
+          </a:bodyPr>
+          <a:lstStyle/>
+          <a:p>
+            <a:r>
+              <a:rPr lang="en-GB" dirty="0"/>
+              <a:t>Picture of outbound </a:t>
+            </a:r>
+            <a:r>
+              <a:rPr lang="en-GB" dirty="0" err="1"/>
+              <a:t>ip</a:t>
+            </a:r>
+            <a:r>
+              <a:rPr lang="en-GB" dirty="0"/>
+              <a:t> addresses</a:t>
+            </a:r>
+          </a:p>
+        </p:txBody>
+      </p:sp>
+      <p:sp>
+        <p:nvSpPr>
+          <p:cNvPr id="5" name="TextBox 4">
+            <a:extLst>
+              <a:ext uri="{FF2B5EF4-FFF2-40B4-BE49-F238E27FC236}">
+                <a16:creationId xmlns:a16="http://schemas.microsoft.com/office/drawing/2014/main" id="{D395DE5E-C006-4D88-963B-0C8E77EEFD09}"/>
+              </a:ext>
+            </a:extLst>
+          </p:cNvPr>
+          <p:cNvSpPr txBox="1"/>
+          <p:nvPr/>
+        </p:nvSpPr>
+        <p:spPr>
+          <a:xfrm>
+            <a:off x="7323589" y="3254929"/>
+            <a:ext cx="3917659" cy="369332"/>
+          </a:xfrm>
+          <a:prstGeom prst="rect">
+            <a:avLst/>
+          </a:prstGeom>
+          <a:solidFill>
+            <a:srgbClr val="FF0000"/>
+          </a:solidFill>
+        </p:spPr>
+        <p:txBody>
+          <a:bodyPr wrap="square" rtlCol="0">
+            <a:spAutoFit/>
+          </a:bodyPr>
+          <a:lstStyle/>
+          <a:p>
+            <a:r>
+              <a:rPr lang="en-GB" dirty="0"/>
+              <a:t>Picture of SQL Firewall rules</a:t>
+            </a:r>
+          </a:p>
+        </p:txBody>
+      </p:sp>
+      <p:sp>
+        <p:nvSpPr>
+          <p:cNvPr id="6" name="TextBox 5">
+            <a:extLst>
+              <a:ext uri="{FF2B5EF4-FFF2-40B4-BE49-F238E27FC236}">
+                <a16:creationId xmlns:a16="http://schemas.microsoft.com/office/drawing/2014/main" id="{4DB37922-F431-43C8-AE83-22BC172DC77F}"/>
+              </a:ext>
+            </a:extLst>
+          </p:cNvPr>
+          <p:cNvSpPr txBox="1"/>
+          <p:nvPr/>
+        </p:nvSpPr>
+        <p:spPr>
+          <a:xfrm>
+            <a:off x="553674" y="2206305"/>
+            <a:ext cx="4848836" cy="4524315"/>
+          </a:xfrm>
+          <a:prstGeom prst="rect">
+            <a:avLst/>
+          </a:prstGeom>
+          <a:noFill/>
+        </p:spPr>
+        <p:txBody>
+          <a:bodyPr wrap="square" rtlCol="0">
+            <a:spAutoFit/>
+          </a:bodyPr>
+          <a:lstStyle/>
+          <a:p>
+            <a:pPr marL="285750" indent="-285750">
+              <a:buFont typeface="Arial" panose="020B0604020202020204" pitchFamily="34" charset="0"/>
+              <a:buChar char="•"/>
+            </a:pPr>
+            <a:r>
+              <a:rPr lang="en-GB" sz="2400" dirty="0"/>
+              <a:t>Virtual Networks in preview have limits</a:t>
+            </a:r>
+          </a:p>
+          <a:p>
+            <a:pPr marL="285750" indent="-285750">
+              <a:buFont typeface="Arial" panose="020B0604020202020204" pitchFamily="34" charset="0"/>
+              <a:buChar char="•"/>
+            </a:pPr>
+            <a:r>
+              <a:rPr lang="en-GB" sz="2400" dirty="0"/>
+              <a:t>You </a:t>
+            </a:r>
+            <a:r>
+              <a:rPr lang="en-GB" sz="2400" i="1" dirty="0"/>
+              <a:t>can</a:t>
+            </a:r>
+            <a:r>
+              <a:rPr lang="en-GB" sz="2400" dirty="0"/>
+              <a:t> use IP address restrictions instead</a:t>
+            </a:r>
+          </a:p>
+          <a:p>
+            <a:pPr marL="742950" lvl="1" indent="-285750">
+              <a:buFont typeface="Arial" panose="020B0604020202020204" pitchFamily="34" charset="0"/>
+              <a:buChar char="•"/>
+            </a:pPr>
+            <a:r>
+              <a:rPr lang="en-GB" sz="2400" dirty="0"/>
+              <a:t>Use the outbound IP addresses from your web app.</a:t>
+            </a:r>
+          </a:p>
+          <a:p>
+            <a:pPr marL="742950" lvl="1" indent="-285750">
+              <a:buFont typeface="Arial" panose="020B0604020202020204" pitchFamily="34" charset="0"/>
+              <a:buChar char="•"/>
+            </a:pPr>
+            <a:r>
+              <a:rPr lang="en-GB" sz="2400" dirty="0"/>
+              <a:t>They </a:t>
+            </a:r>
+            <a:r>
+              <a:rPr lang="en-GB" sz="2400" i="1" dirty="0"/>
+              <a:t>can</a:t>
+            </a:r>
+            <a:r>
+              <a:rPr lang="en-GB" sz="2400" dirty="0"/>
+              <a:t> change.</a:t>
+            </a:r>
+          </a:p>
+          <a:p>
+            <a:pPr marL="742950" lvl="1" indent="-285750">
+              <a:buFont typeface="Arial" panose="020B0604020202020204" pitchFamily="34" charset="0"/>
+              <a:buChar char="•"/>
+            </a:pPr>
+            <a:r>
+              <a:rPr lang="en-GB" sz="2400" dirty="0"/>
+              <a:t>They are shared with lots of other sites.</a:t>
+            </a:r>
+          </a:p>
+          <a:p>
+            <a:pPr marL="285750" indent="-285750">
+              <a:buFont typeface="Arial" panose="020B0604020202020204" pitchFamily="34" charset="0"/>
+              <a:buChar char="•"/>
+            </a:pPr>
+            <a:r>
+              <a:rPr lang="en-GB" sz="2400" dirty="0"/>
+              <a:t>Databases and micro services can have inbound IP address range restrictions</a:t>
+            </a:r>
+          </a:p>
+        </p:txBody>
+      </p:sp>
+    </p:spTree>
+    <p:extLst>
+      <p:ext uri="{BB962C8B-B14F-4D97-AF65-F5344CB8AC3E}">
+        <p14:creationId xmlns:p14="http://schemas.microsoft.com/office/powerpoint/2010/main" val="315037994"/>
+      </p:ext>
+    </p:extLst>
+  </p:cSld>
+  <p:clrMapOvr>
+    <a:masterClrMapping/>
+  </p:clrMapOvr>
+</p:sld>
+</file>
+
+<file path=ppt/slides/slide31.xml><?xml version="1.0" encoding="utf-8"?>
 <p:sld xmlns:a="http://schemas.openxmlformats.org/drawingml/2006/main" xmlns:r="http://schemas.openxmlformats.org/officeDocument/2006/relationships" xmlns:p="http://schemas.openxmlformats.org/presentationml/2006/main">
   <p:cSld>
     <p:bg>
@@ -33904,460 +35658,7 @@
 </p:sld>
 </file>
 
-<file path=ppt/slides/slide3.xml><?xml version="1.0" encoding="utf-8"?>
-<p:sld xmlns:a="http://schemas.openxmlformats.org/drawingml/2006/main" xmlns:r="http://schemas.openxmlformats.org/officeDocument/2006/relationships" xmlns:p="http://schemas.openxmlformats.org/presentationml/2006/main">
-  <p:cSld>
-    <p:spTree>
-      <p:nvGrpSpPr>
-        <p:cNvPr id="1" name=""/>
-        <p:cNvGrpSpPr/>
-        <p:nvPr/>
-      </p:nvGrpSpPr>
-      <p:grpSpPr>
-        <a:xfrm>
-          <a:off x="0" y="0"/>
-          <a:ext cx="0" cy="0"/>
-          <a:chOff x="0" y="0"/>
-          <a:chExt cx="0" cy="0"/>
-        </a:xfrm>
-      </p:grpSpPr>
-      <p:sp>
-        <p:nvSpPr>
-          <p:cNvPr id="5" name="Title 4">
-            <a:extLst>
-              <a:ext uri="{FF2B5EF4-FFF2-40B4-BE49-F238E27FC236}">
-                <a16:creationId xmlns:a16="http://schemas.microsoft.com/office/drawing/2014/main" id="{41FFE344-8C3A-4FA1-81BD-A9BA86071299}"/>
-              </a:ext>
-            </a:extLst>
-          </p:cNvPr>
-          <p:cNvSpPr>
-            <a:spLocks noGrp="1"/>
-          </p:cNvSpPr>
-          <p:nvPr>
-            <p:ph type="title"/>
-          </p:nvPr>
-        </p:nvSpPr>
-        <p:spPr/>
-        <p:txBody>
-          <a:bodyPr/>
-          <a:lstStyle/>
-          <a:p>
-            <a:r>
-              <a:rPr lang="en-GB" dirty="0"/>
-              <a:t>Scope</a:t>
-            </a:r>
-          </a:p>
-        </p:txBody>
-      </p:sp>
-      <p:sp>
-        <p:nvSpPr>
-          <p:cNvPr id="2" name="Content Placeholder 1">
-            <a:extLst>
-              <a:ext uri="{FF2B5EF4-FFF2-40B4-BE49-F238E27FC236}">
-                <a16:creationId xmlns:a16="http://schemas.microsoft.com/office/drawing/2014/main" id="{CDC75F38-FFD1-43EC-8BA4-A5C774B21833}"/>
-              </a:ext>
-            </a:extLst>
-          </p:cNvPr>
-          <p:cNvSpPr>
-            <a:spLocks noGrp="1"/>
-          </p:cNvSpPr>
-          <p:nvPr>
-            <p:ph idx="1"/>
-          </p:nvPr>
-        </p:nvSpPr>
-        <p:spPr/>
-        <p:txBody>
-          <a:bodyPr/>
-          <a:lstStyle/>
-          <a:p>
-            <a:r>
-              <a:rPr lang="en-GB" dirty="0"/>
-              <a:t>Hosting a web app in Azure App Services</a:t>
-            </a:r>
-          </a:p>
-          <a:p>
-            <a:pPr lvl="1"/>
-            <a:r>
-              <a:rPr lang="en-GB" dirty="0"/>
-              <a:t>Functions are basically they same so what I say here goes for them too</a:t>
-            </a:r>
-          </a:p>
-          <a:p>
-            <a:r>
-              <a:rPr lang="en-GB" dirty="0"/>
-              <a:t>There are a </a:t>
-            </a:r>
-            <a:r>
-              <a:rPr lang="en-GB" i="1" dirty="0"/>
-              <a:t>lot</a:t>
-            </a:r>
-            <a:r>
-              <a:rPr lang="en-GB" dirty="0"/>
-              <a:t> of concepts and tools – I will try to give you an overview so you can choose what is right for you</a:t>
-            </a:r>
-          </a:p>
-          <a:p>
-            <a:pPr lvl="1"/>
-            <a:r>
-              <a:rPr lang="en-GB" dirty="0"/>
-              <a:t>Many individual slides in this talk could fill the whole session.</a:t>
-            </a:r>
-          </a:p>
-          <a:p>
-            <a:r>
-              <a:rPr lang="en-GB" dirty="0"/>
-              <a:t>I won’t – can’t – cover everything</a:t>
-            </a:r>
-          </a:p>
-          <a:p>
-            <a:r>
-              <a:rPr lang="en-GB" dirty="0"/>
-              <a:t>It’s mainly infrastructure and configuration – but the few code examples are in </a:t>
-            </a:r>
-            <a:r>
-              <a:rPr lang="en-GB" dirty="0" err="1"/>
-              <a:t>.Net</a:t>
-            </a:r>
-            <a:r>
-              <a:rPr lang="en-GB" dirty="0"/>
-              <a:t> just because I use that most.</a:t>
-            </a:r>
-          </a:p>
-        </p:txBody>
-      </p:sp>
-      <p:sp>
-        <p:nvSpPr>
-          <p:cNvPr id="4" name="Footer Placeholder 3">
-            <a:extLst>
-              <a:ext uri="{FF2B5EF4-FFF2-40B4-BE49-F238E27FC236}">
-                <a16:creationId xmlns:a16="http://schemas.microsoft.com/office/drawing/2014/main" id="{ED45783C-DBDF-4400-B8DE-2F4D329A89A0}"/>
-              </a:ext>
-            </a:extLst>
-          </p:cNvPr>
-          <p:cNvSpPr>
-            <a:spLocks noGrp="1"/>
-          </p:cNvSpPr>
-          <p:nvPr>
-            <p:ph type="ftr" sz="quarter" idx="11"/>
-          </p:nvPr>
-        </p:nvSpPr>
-        <p:spPr/>
-        <p:txBody>
-          <a:bodyPr/>
-          <a:lstStyle/>
-          <a:p>
-            <a:r>
-              <a:rPr lang="en-GB" dirty="0"/>
-              <a:t>@flytzen  -  https://neworbit.co.uk</a:t>
-            </a:r>
-          </a:p>
-        </p:txBody>
-      </p:sp>
-    </p:spTree>
-    <p:extLst>
-      <p:ext uri="{BB962C8B-B14F-4D97-AF65-F5344CB8AC3E}">
-        <p14:creationId xmlns:p14="http://schemas.microsoft.com/office/powerpoint/2010/main" val="4247382310"/>
-      </p:ext>
-    </p:extLst>
-  </p:cSld>
-  <p:clrMapOvr>
-    <a:masterClrMapping/>
-  </p:clrMapOvr>
-  <p:timing>
-    <p:tnLst>
-      <p:par>
-        <p:cTn id="1" dur="indefinite" restart="never" nodeType="tmRoot">
-          <p:childTnLst>
-            <p:seq concurrent="1" nextAc="seek">
-              <p:cTn id="2" dur="indefinite" nodeType="mainSeq">
-                <p:childTnLst>
-                  <p:par>
-                    <p:cTn id="3" fill="hold">
-                      <p:stCondLst>
-                        <p:cond delay="indefinite"/>
-                      </p:stCondLst>
-                      <p:childTnLst>
-                        <p:par>
-                          <p:cTn id="4" fill="hold">
-                            <p:stCondLst>
-                              <p:cond delay="0"/>
-                            </p:stCondLst>
-                            <p:childTnLst>
-                              <p:par>
-                                <p:cTn id="5" presetID="1" presetClass="entr" presetSubtype="0" fill="hold" grpId="0" nodeType="clickEffect">
-                                  <p:stCondLst>
-                                    <p:cond delay="0"/>
-                                  </p:stCondLst>
-                                  <p:childTnLst>
-                                    <p:set>
-                                      <p:cBhvr>
-                                        <p:cTn id="6" dur="1" fill="hold">
-                                          <p:stCondLst>
-                                            <p:cond delay="0"/>
-                                          </p:stCondLst>
-                                        </p:cTn>
-                                        <p:tgtEl>
-                                          <p:spTgt spid="2">
-                                            <p:txEl>
-                                              <p:pRg st="0" end="0"/>
-                                            </p:txEl>
-                                          </p:spTgt>
-                                        </p:tgtEl>
-                                        <p:attrNameLst>
-                                          <p:attrName>style.visibility</p:attrName>
-                                        </p:attrNameLst>
-                                      </p:cBhvr>
-                                      <p:to>
-                                        <p:strVal val="visible"/>
-                                      </p:to>
-                                    </p:set>
-                                  </p:childTnLst>
-                                </p:cTn>
-                              </p:par>
-                              <p:par>
-                                <p:cTn id="7" presetID="1" presetClass="entr" presetSubtype="0" fill="hold" grpId="0" nodeType="withEffect">
-                                  <p:stCondLst>
-                                    <p:cond delay="0"/>
-                                  </p:stCondLst>
-                                  <p:childTnLst>
-                                    <p:set>
-                                      <p:cBhvr>
-                                        <p:cTn id="8" dur="1" fill="hold">
-                                          <p:stCondLst>
-                                            <p:cond delay="0"/>
-                                          </p:stCondLst>
-                                        </p:cTn>
-                                        <p:tgtEl>
-                                          <p:spTgt spid="2">
-                                            <p:txEl>
-                                              <p:pRg st="1" end="1"/>
-                                            </p:txEl>
-                                          </p:spTgt>
-                                        </p:tgtEl>
-                                        <p:attrNameLst>
-                                          <p:attrName>style.visibility</p:attrName>
-                                        </p:attrNameLst>
-                                      </p:cBhvr>
-                                      <p:to>
-                                        <p:strVal val="visible"/>
-                                      </p:to>
-                                    </p:set>
-                                  </p:childTnLst>
-                                </p:cTn>
-                              </p:par>
-                            </p:childTnLst>
-                          </p:cTn>
-                        </p:par>
-                      </p:childTnLst>
-                    </p:cTn>
-                  </p:par>
-                  <p:par>
-                    <p:cTn id="9" fill="hold">
-                      <p:stCondLst>
-                        <p:cond delay="indefinite"/>
-                      </p:stCondLst>
-                      <p:childTnLst>
-                        <p:par>
-                          <p:cTn id="10" fill="hold">
-                            <p:stCondLst>
-                              <p:cond delay="0"/>
-                            </p:stCondLst>
-                            <p:childTnLst>
-                              <p:par>
-                                <p:cTn id="11" presetID="1" presetClass="entr" presetSubtype="0" fill="hold" grpId="0" nodeType="clickEffect">
-                                  <p:stCondLst>
-                                    <p:cond delay="0"/>
-                                  </p:stCondLst>
-                                  <p:childTnLst>
-                                    <p:set>
-                                      <p:cBhvr>
-                                        <p:cTn id="12" dur="1" fill="hold">
-                                          <p:stCondLst>
-                                            <p:cond delay="0"/>
-                                          </p:stCondLst>
-                                        </p:cTn>
-                                        <p:tgtEl>
-                                          <p:spTgt spid="2">
-                                            <p:txEl>
-                                              <p:pRg st="2" end="2"/>
-                                            </p:txEl>
-                                          </p:spTgt>
-                                        </p:tgtEl>
-                                        <p:attrNameLst>
-                                          <p:attrName>style.visibility</p:attrName>
-                                        </p:attrNameLst>
-                                      </p:cBhvr>
-                                      <p:to>
-                                        <p:strVal val="visible"/>
-                                      </p:to>
-                                    </p:set>
-                                  </p:childTnLst>
-                                </p:cTn>
-                              </p:par>
-                              <p:par>
-                                <p:cTn id="13" presetID="1" presetClass="entr" presetSubtype="0" fill="hold" grpId="0" nodeType="withEffect">
-                                  <p:stCondLst>
-                                    <p:cond delay="0"/>
-                                  </p:stCondLst>
-                                  <p:childTnLst>
-                                    <p:set>
-                                      <p:cBhvr>
-                                        <p:cTn id="14" dur="1" fill="hold">
-                                          <p:stCondLst>
-                                            <p:cond delay="0"/>
-                                          </p:stCondLst>
-                                        </p:cTn>
-                                        <p:tgtEl>
-                                          <p:spTgt spid="2">
-                                            <p:txEl>
-                                              <p:pRg st="3" end="3"/>
-                                            </p:txEl>
-                                          </p:spTgt>
-                                        </p:tgtEl>
-                                        <p:attrNameLst>
-                                          <p:attrName>style.visibility</p:attrName>
-                                        </p:attrNameLst>
-                                      </p:cBhvr>
-                                      <p:to>
-                                        <p:strVal val="visible"/>
-                                      </p:to>
-                                    </p:set>
-                                  </p:childTnLst>
-                                </p:cTn>
-                              </p:par>
-                            </p:childTnLst>
-                          </p:cTn>
-                        </p:par>
-                      </p:childTnLst>
-                    </p:cTn>
-                  </p:par>
-                  <p:par>
-                    <p:cTn id="15" fill="hold">
-                      <p:stCondLst>
-                        <p:cond delay="indefinite"/>
-                      </p:stCondLst>
-                      <p:childTnLst>
-                        <p:par>
-                          <p:cTn id="16" fill="hold">
-                            <p:stCondLst>
-                              <p:cond delay="0"/>
-                            </p:stCondLst>
-                            <p:childTnLst>
-                              <p:par>
-                                <p:cTn id="17" presetID="1" presetClass="entr" presetSubtype="0" fill="hold" grpId="0" nodeType="clickEffect">
-                                  <p:stCondLst>
-                                    <p:cond delay="0"/>
-                                  </p:stCondLst>
-                                  <p:childTnLst>
-                                    <p:set>
-                                      <p:cBhvr>
-                                        <p:cTn id="18" dur="1" fill="hold">
-                                          <p:stCondLst>
-                                            <p:cond delay="0"/>
-                                          </p:stCondLst>
-                                        </p:cTn>
-                                        <p:tgtEl>
-                                          <p:spTgt spid="2">
-                                            <p:txEl>
-                                              <p:pRg st="4" end="4"/>
-                                            </p:txEl>
-                                          </p:spTgt>
-                                        </p:tgtEl>
-                                        <p:attrNameLst>
-                                          <p:attrName>style.visibility</p:attrName>
-                                        </p:attrNameLst>
-                                      </p:cBhvr>
-                                      <p:to>
-                                        <p:strVal val="visible"/>
-                                      </p:to>
-                                    </p:set>
-                                  </p:childTnLst>
-                                </p:cTn>
-                              </p:par>
-                            </p:childTnLst>
-                          </p:cTn>
-                        </p:par>
-                      </p:childTnLst>
-                    </p:cTn>
-                  </p:par>
-                  <p:par>
-                    <p:cTn id="19" fill="hold">
-                      <p:stCondLst>
-                        <p:cond delay="indefinite"/>
-                      </p:stCondLst>
-                      <p:childTnLst>
-                        <p:par>
-                          <p:cTn id="20" fill="hold">
-                            <p:stCondLst>
-                              <p:cond delay="0"/>
-                            </p:stCondLst>
-                            <p:childTnLst>
-                              <p:par>
-                                <p:cTn id="21" presetID="1" presetClass="entr" presetSubtype="0" fill="hold" grpId="0" nodeType="clickEffect">
-                                  <p:stCondLst>
-                                    <p:cond delay="0"/>
-                                  </p:stCondLst>
-                                  <p:childTnLst>
-                                    <p:set>
-                                      <p:cBhvr>
-                                        <p:cTn id="22" dur="1" fill="hold">
-                                          <p:stCondLst>
-                                            <p:cond delay="0"/>
-                                          </p:stCondLst>
-                                        </p:cTn>
-                                        <p:tgtEl>
-                                          <p:spTgt spid="2">
-                                            <p:txEl>
-                                              <p:pRg st="5" end="5"/>
-                                            </p:txEl>
-                                          </p:spTgt>
-                                        </p:tgtEl>
-                                        <p:attrNameLst>
-                                          <p:attrName>style.visibility</p:attrName>
-                                        </p:attrNameLst>
-                                      </p:cBhvr>
-                                      <p:to>
-                                        <p:strVal val="visible"/>
-                                      </p:to>
-                                    </p:set>
-                                  </p:childTnLst>
-                                </p:cTn>
-                              </p:par>
-                            </p:childTnLst>
-                          </p:cTn>
-                        </p:par>
-                      </p:childTnLst>
-                    </p:cTn>
-                  </p:par>
-                </p:childTnLst>
-              </p:cTn>
-              <p:prevCondLst>
-                <p:cond evt="onPrev" delay="0">
-                  <p:tgtEl>
-                    <p:sldTgt/>
-                  </p:tgtEl>
-                </p:cond>
-              </p:prevCondLst>
-              <p:nextCondLst>
-                <p:cond evt="onNext" delay="0">
-                  <p:tgtEl>
-                    <p:sldTgt/>
-                  </p:tgtEl>
-                </p:cond>
-              </p:nextCondLst>
-            </p:seq>
-          </p:childTnLst>
-        </p:cTn>
-      </p:par>
-    </p:tnLst>
-    <p:bldLst>
-      <p:bldP spid="2" grpId="0" build="p"/>
-    </p:bldLst>
-  </p:timing>
-</p:sld>
-</file>
-
-<file path=ppt/slides/slide30.xml><?xml version="1.0" encoding="utf-8"?>
+<file path=ppt/slides/slide32.xml><?xml version="1.0" encoding="utf-8"?>
 <p:sld xmlns:a="http://schemas.openxmlformats.org/drawingml/2006/main" xmlns:r="http://schemas.openxmlformats.org/officeDocument/2006/relationships" xmlns:p="http://schemas.openxmlformats.org/presentationml/2006/main">
   <p:cSld>
     <p:spTree>
@@ -34757,7 +36058,7 @@
 </p:sld>
 </file>
 
-<file path=ppt/slides/slide31.xml><?xml version="1.0" encoding="utf-8"?>
+<file path=ppt/slides/slide33.xml><?xml version="1.0" encoding="utf-8"?>
 <p:sld xmlns:a="http://schemas.openxmlformats.org/drawingml/2006/main" xmlns:r="http://schemas.openxmlformats.org/officeDocument/2006/relationships" xmlns:p="http://schemas.openxmlformats.org/presentationml/2006/main">
   <p:cSld>
     <p:spTree>
@@ -35094,7 +36395,7 @@
 </p:sld>
 </file>
 
-<file path=ppt/slides/slide32.xml><?xml version="1.0" encoding="utf-8"?>
+<file path=ppt/slides/slide34.xml><?xml version="1.0" encoding="utf-8"?>
 <p:sld xmlns:a="http://schemas.openxmlformats.org/drawingml/2006/main" xmlns:r="http://schemas.openxmlformats.org/officeDocument/2006/relationships" xmlns:p="http://schemas.openxmlformats.org/presentationml/2006/main">
   <p:cSld>
     <p:spTree>
@@ -35543,7 +36844,7 @@
 </p:sld>
 </file>
 
-<file path=ppt/slides/slide33.xml><?xml version="1.0" encoding="utf-8"?>
+<file path=ppt/slides/slide35.xml><?xml version="1.0" encoding="utf-8"?>
 <p:sld xmlns:a="http://schemas.openxmlformats.org/drawingml/2006/main" xmlns:r="http://schemas.openxmlformats.org/officeDocument/2006/relationships" xmlns:p="http://schemas.openxmlformats.org/presentationml/2006/main">
   <p:cSld>
     <p:spTree>
@@ -36722,7 +38023,7 @@
 </p:sld>
 </file>
 
-<file path=ppt/slides/slide34.xml><?xml version="1.0" encoding="utf-8"?>
+<file path=ppt/slides/slide36.xml><?xml version="1.0" encoding="utf-8"?>
 <p:sld xmlns:a="http://schemas.openxmlformats.org/drawingml/2006/main" xmlns:r="http://schemas.openxmlformats.org/officeDocument/2006/relationships" xmlns:p="http://schemas.openxmlformats.org/presentationml/2006/main">
   <p:cSld>
     <p:bg>
@@ -37023,7 +38324,7 @@
 </p:sld>
 </file>
 
-<file path=ppt/slides/slide35.xml><?xml version="1.0" encoding="utf-8"?>
+<file path=ppt/slides/slide37.xml><?xml version="1.0" encoding="utf-8"?>
 <p:sld xmlns:a="http://schemas.openxmlformats.org/drawingml/2006/main" xmlns:r="http://schemas.openxmlformats.org/officeDocument/2006/relationships" xmlns:p="http://schemas.openxmlformats.org/presentationml/2006/main">
   <p:cSld>
     <p:spTree>
@@ -37138,7 +38439,7 @@
 </p:sld>
 </file>
 
-<file path=ppt/slides/slide36.xml><?xml version="1.0" encoding="utf-8"?>
+<file path=ppt/slides/slide38.xml><?xml version="1.0" encoding="utf-8"?>
 <p:sld xmlns:a="http://schemas.openxmlformats.org/drawingml/2006/main" xmlns:r="http://schemas.openxmlformats.org/officeDocument/2006/relationships" xmlns:p="http://schemas.openxmlformats.org/presentationml/2006/main">
   <p:cSld>
     <p:bg>
@@ -37432,7 +38733,7 @@
 </p:sld>
 </file>
 
-<file path=ppt/slides/slide37.xml><?xml version="1.0" encoding="utf-8"?>
+<file path=ppt/slides/slide39.xml><?xml version="1.0" encoding="utf-8"?>
 <p:sld xmlns:a="http://schemas.openxmlformats.org/drawingml/2006/main" xmlns:r="http://schemas.openxmlformats.org/officeDocument/2006/relationships" xmlns:p="http://schemas.openxmlformats.org/presentationml/2006/main">
   <p:cSld>
     <p:bg>
@@ -37738,7 +39039,460 @@
 </p:sld>
 </file>
 
-<file path=ppt/slides/slide38.xml><?xml version="1.0" encoding="utf-8"?>
+<file path=ppt/slides/slide4.xml><?xml version="1.0" encoding="utf-8"?>
+<p:sld xmlns:a="http://schemas.openxmlformats.org/drawingml/2006/main" xmlns:r="http://schemas.openxmlformats.org/officeDocument/2006/relationships" xmlns:p="http://schemas.openxmlformats.org/presentationml/2006/main">
+  <p:cSld>
+    <p:spTree>
+      <p:nvGrpSpPr>
+        <p:cNvPr id="1" name=""/>
+        <p:cNvGrpSpPr/>
+        <p:nvPr/>
+      </p:nvGrpSpPr>
+      <p:grpSpPr>
+        <a:xfrm>
+          <a:off x="0" y="0"/>
+          <a:ext cx="0" cy="0"/>
+          <a:chOff x="0" y="0"/>
+          <a:chExt cx="0" cy="0"/>
+        </a:xfrm>
+      </p:grpSpPr>
+      <p:sp>
+        <p:nvSpPr>
+          <p:cNvPr id="5" name="Title 4">
+            <a:extLst>
+              <a:ext uri="{FF2B5EF4-FFF2-40B4-BE49-F238E27FC236}">
+                <a16:creationId xmlns:a16="http://schemas.microsoft.com/office/drawing/2014/main" id="{41FFE344-8C3A-4FA1-81BD-A9BA86071299}"/>
+              </a:ext>
+            </a:extLst>
+          </p:cNvPr>
+          <p:cNvSpPr>
+            <a:spLocks noGrp="1"/>
+          </p:cNvSpPr>
+          <p:nvPr>
+            <p:ph type="title"/>
+          </p:nvPr>
+        </p:nvSpPr>
+        <p:spPr/>
+        <p:txBody>
+          <a:bodyPr/>
+          <a:lstStyle/>
+          <a:p>
+            <a:r>
+              <a:rPr lang="en-GB" dirty="0"/>
+              <a:t>Scope</a:t>
+            </a:r>
+          </a:p>
+        </p:txBody>
+      </p:sp>
+      <p:sp>
+        <p:nvSpPr>
+          <p:cNvPr id="2" name="Content Placeholder 1">
+            <a:extLst>
+              <a:ext uri="{FF2B5EF4-FFF2-40B4-BE49-F238E27FC236}">
+                <a16:creationId xmlns:a16="http://schemas.microsoft.com/office/drawing/2014/main" id="{CDC75F38-FFD1-43EC-8BA4-A5C774B21833}"/>
+              </a:ext>
+            </a:extLst>
+          </p:cNvPr>
+          <p:cNvSpPr>
+            <a:spLocks noGrp="1"/>
+          </p:cNvSpPr>
+          <p:nvPr>
+            <p:ph idx="1"/>
+          </p:nvPr>
+        </p:nvSpPr>
+        <p:spPr/>
+        <p:txBody>
+          <a:bodyPr/>
+          <a:lstStyle/>
+          <a:p>
+            <a:r>
+              <a:rPr lang="en-GB" dirty="0"/>
+              <a:t>Hosting a web app in Azure App Services</a:t>
+            </a:r>
+          </a:p>
+          <a:p>
+            <a:pPr lvl="1"/>
+            <a:r>
+              <a:rPr lang="en-GB" dirty="0"/>
+              <a:t>Functions are basically they same so what I say here goes for them too</a:t>
+            </a:r>
+          </a:p>
+          <a:p>
+            <a:r>
+              <a:rPr lang="en-GB" dirty="0"/>
+              <a:t>There are a </a:t>
+            </a:r>
+            <a:r>
+              <a:rPr lang="en-GB" i="1" dirty="0"/>
+              <a:t>lot</a:t>
+            </a:r>
+            <a:r>
+              <a:rPr lang="en-GB" dirty="0"/>
+              <a:t> of concepts and tools – I will try to give you an overview so you can choose what is right for you</a:t>
+            </a:r>
+          </a:p>
+          <a:p>
+            <a:pPr lvl="1"/>
+            <a:r>
+              <a:rPr lang="en-GB" dirty="0"/>
+              <a:t>Many individual slides in this talk could fill the whole session.</a:t>
+            </a:r>
+          </a:p>
+          <a:p>
+            <a:r>
+              <a:rPr lang="en-GB" dirty="0"/>
+              <a:t>I won’t – can’t – cover everything</a:t>
+            </a:r>
+          </a:p>
+          <a:p>
+            <a:r>
+              <a:rPr lang="en-GB" dirty="0"/>
+              <a:t>It’s mainly infrastructure and configuration – but the few code examples are in </a:t>
+            </a:r>
+            <a:r>
+              <a:rPr lang="en-GB" dirty="0" err="1"/>
+              <a:t>.Net</a:t>
+            </a:r>
+            <a:r>
+              <a:rPr lang="en-GB" dirty="0"/>
+              <a:t> just because I use that most.</a:t>
+            </a:r>
+          </a:p>
+        </p:txBody>
+      </p:sp>
+      <p:sp>
+        <p:nvSpPr>
+          <p:cNvPr id="4" name="Footer Placeholder 3">
+            <a:extLst>
+              <a:ext uri="{FF2B5EF4-FFF2-40B4-BE49-F238E27FC236}">
+                <a16:creationId xmlns:a16="http://schemas.microsoft.com/office/drawing/2014/main" id="{ED45783C-DBDF-4400-B8DE-2F4D329A89A0}"/>
+              </a:ext>
+            </a:extLst>
+          </p:cNvPr>
+          <p:cNvSpPr>
+            <a:spLocks noGrp="1"/>
+          </p:cNvSpPr>
+          <p:nvPr>
+            <p:ph type="ftr" sz="quarter" idx="11"/>
+          </p:nvPr>
+        </p:nvSpPr>
+        <p:spPr/>
+        <p:txBody>
+          <a:bodyPr/>
+          <a:lstStyle/>
+          <a:p>
+            <a:r>
+              <a:rPr lang="en-GB" dirty="0"/>
+              <a:t>@flytzen  -  https://neworbit.co.uk</a:t>
+            </a:r>
+          </a:p>
+        </p:txBody>
+      </p:sp>
+    </p:spTree>
+    <p:extLst>
+      <p:ext uri="{BB962C8B-B14F-4D97-AF65-F5344CB8AC3E}">
+        <p14:creationId xmlns:p14="http://schemas.microsoft.com/office/powerpoint/2010/main" val="4247382310"/>
+      </p:ext>
+    </p:extLst>
+  </p:cSld>
+  <p:clrMapOvr>
+    <a:masterClrMapping/>
+  </p:clrMapOvr>
+  <p:timing>
+    <p:tnLst>
+      <p:par>
+        <p:cTn id="1" dur="indefinite" restart="never" nodeType="tmRoot">
+          <p:childTnLst>
+            <p:seq concurrent="1" nextAc="seek">
+              <p:cTn id="2" dur="indefinite" nodeType="mainSeq">
+                <p:childTnLst>
+                  <p:par>
+                    <p:cTn id="3" fill="hold">
+                      <p:stCondLst>
+                        <p:cond delay="indefinite"/>
+                      </p:stCondLst>
+                      <p:childTnLst>
+                        <p:par>
+                          <p:cTn id="4" fill="hold">
+                            <p:stCondLst>
+                              <p:cond delay="0"/>
+                            </p:stCondLst>
+                            <p:childTnLst>
+                              <p:par>
+                                <p:cTn id="5" presetID="1" presetClass="entr" presetSubtype="0" fill="hold" grpId="0" nodeType="clickEffect">
+                                  <p:stCondLst>
+                                    <p:cond delay="0"/>
+                                  </p:stCondLst>
+                                  <p:childTnLst>
+                                    <p:set>
+                                      <p:cBhvr>
+                                        <p:cTn id="6" dur="1" fill="hold">
+                                          <p:stCondLst>
+                                            <p:cond delay="0"/>
+                                          </p:stCondLst>
+                                        </p:cTn>
+                                        <p:tgtEl>
+                                          <p:spTgt spid="2">
+                                            <p:txEl>
+                                              <p:pRg st="0" end="0"/>
+                                            </p:txEl>
+                                          </p:spTgt>
+                                        </p:tgtEl>
+                                        <p:attrNameLst>
+                                          <p:attrName>style.visibility</p:attrName>
+                                        </p:attrNameLst>
+                                      </p:cBhvr>
+                                      <p:to>
+                                        <p:strVal val="visible"/>
+                                      </p:to>
+                                    </p:set>
+                                  </p:childTnLst>
+                                </p:cTn>
+                              </p:par>
+                              <p:par>
+                                <p:cTn id="7" presetID="1" presetClass="entr" presetSubtype="0" fill="hold" grpId="0" nodeType="withEffect">
+                                  <p:stCondLst>
+                                    <p:cond delay="0"/>
+                                  </p:stCondLst>
+                                  <p:childTnLst>
+                                    <p:set>
+                                      <p:cBhvr>
+                                        <p:cTn id="8" dur="1" fill="hold">
+                                          <p:stCondLst>
+                                            <p:cond delay="0"/>
+                                          </p:stCondLst>
+                                        </p:cTn>
+                                        <p:tgtEl>
+                                          <p:spTgt spid="2">
+                                            <p:txEl>
+                                              <p:pRg st="1" end="1"/>
+                                            </p:txEl>
+                                          </p:spTgt>
+                                        </p:tgtEl>
+                                        <p:attrNameLst>
+                                          <p:attrName>style.visibility</p:attrName>
+                                        </p:attrNameLst>
+                                      </p:cBhvr>
+                                      <p:to>
+                                        <p:strVal val="visible"/>
+                                      </p:to>
+                                    </p:set>
+                                  </p:childTnLst>
+                                </p:cTn>
+                              </p:par>
+                            </p:childTnLst>
+                          </p:cTn>
+                        </p:par>
+                      </p:childTnLst>
+                    </p:cTn>
+                  </p:par>
+                  <p:par>
+                    <p:cTn id="9" fill="hold">
+                      <p:stCondLst>
+                        <p:cond delay="indefinite"/>
+                      </p:stCondLst>
+                      <p:childTnLst>
+                        <p:par>
+                          <p:cTn id="10" fill="hold">
+                            <p:stCondLst>
+                              <p:cond delay="0"/>
+                            </p:stCondLst>
+                            <p:childTnLst>
+                              <p:par>
+                                <p:cTn id="11" presetID="1" presetClass="entr" presetSubtype="0" fill="hold" grpId="0" nodeType="clickEffect">
+                                  <p:stCondLst>
+                                    <p:cond delay="0"/>
+                                  </p:stCondLst>
+                                  <p:childTnLst>
+                                    <p:set>
+                                      <p:cBhvr>
+                                        <p:cTn id="12" dur="1" fill="hold">
+                                          <p:stCondLst>
+                                            <p:cond delay="0"/>
+                                          </p:stCondLst>
+                                        </p:cTn>
+                                        <p:tgtEl>
+                                          <p:spTgt spid="2">
+                                            <p:txEl>
+                                              <p:pRg st="2" end="2"/>
+                                            </p:txEl>
+                                          </p:spTgt>
+                                        </p:tgtEl>
+                                        <p:attrNameLst>
+                                          <p:attrName>style.visibility</p:attrName>
+                                        </p:attrNameLst>
+                                      </p:cBhvr>
+                                      <p:to>
+                                        <p:strVal val="visible"/>
+                                      </p:to>
+                                    </p:set>
+                                  </p:childTnLst>
+                                </p:cTn>
+                              </p:par>
+                              <p:par>
+                                <p:cTn id="13" presetID="1" presetClass="entr" presetSubtype="0" fill="hold" grpId="0" nodeType="withEffect">
+                                  <p:stCondLst>
+                                    <p:cond delay="0"/>
+                                  </p:stCondLst>
+                                  <p:childTnLst>
+                                    <p:set>
+                                      <p:cBhvr>
+                                        <p:cTn id="14" dur="1" fill="hold">
+                                          <p:stCondLst>
+                                            <p:cond delay="0"/>
+                                          </p:stCondLst>
+                                        </p:cTn>
+                                        <p:tgtEl>
+                                          <p:spTgt spid="2">
+                                            <p:txEl>
+                                              <p:pRg st="3" end="3"/>
+                                            </p:txEl>
+                                          </p:spTgt>
+                                        </p:tgtEl>
+                                        <p:attrNameLst>
+                                          <p:attrName>style.visibility</p:attrName>
+                                        </p:attrNameLst>
+                                      </p:cBhvr>
+                                      <p:to>
+                                        <p:strVal val="visible"/>
+                                      </p:to>
+                                    </p:set>
+                                  </p:childTnLst>
+                                </p:cTn>
+                              </p:par>
+                            </p:childTnLst>
+                          </p:cTn>
+                        </p:par>
+                      </p:childTnLst>
+                    </p:cTn>
+                  </p:par>
+                  <p:par>
+                    <p:cTn id="15" fill="hold">
+                      <p:stCondLst>
+                        <p:cond delay="indefinite"/>
+                      </p:stCondLst>
+                      <p:childTnLst>
+                        <p:par>
+                          <p:cTn id="16" fill="hold">
+                            <p:stCondLst>
+                              <p:cond delay="0"/>
+                            </p:stCondLst>
+                            <p:childTnLst>
+                              <p:par>
+                                <p:cTn id="17" presetID="1" presetClass="entr" presetSubtype="0" fill="hold" grpId="0" nodeType="clickEffect">
+                                  <p:stCondLst>
+                                    <p:cond delay="0"/>
+                                  </p:stCondLst>
+                                  <p:childTnLst>
+                                    <p:set>
+                                      <p:cBhvr>
+                                        <p:cTn id="18" dur="1" fill="hold">
+                                          <p:stCondLst>
+                                            <p:cond delay="0"/>
+                                          </p:stCondLst>
+                                        </p:cTn>
+                                        <p:tgtEl>
+                                          <p:spTgt spid="2">
+                                            <p:txEl>
+                                              <p:pRg st="4" end="4"/>
+                                            </p:txEl>
+                                          </p:spTgt>
+                                        </p:tgtEl>
+                                        <p:attrNameLst>
+                                          <p:attrName>style.visibility</p:attrName>
+                                        </p:attrNameLst>
+                                      </p:cBhvr>
+                                      <p:to>
+                                        <p:strVal val="visible"/>
+                                      </p:to>
+                                    </p:set>
+                                  </p:childTnLst>
+                                </p:cTn>
+                              </p:par>
+                            </p:childTnLst>
+                          </p:cTn>
+                        </p:par>
+                      </p:childTnLst>
+                    </p:cTn>
+                  </p:par>
+                  <p:par>
+                    <p:cTn id="19" fill="hold">
+                      <p:stCondLst>
+                        <p:cond delay="indefinite"/>
+                      </p:stCondLst>
+                      <p:childTnLst>
+                        <p:par>
+                          <p:cTn id="20" fill="hold">
+                            <p:stCondLst>
+                              <p:cond delay="0"/>
+                            </p:stCondLst>
+                            <p:childTnLst>
+                              <p:par>
+                                <p:cTn id="21" presetID="1" presetClass="entr" presetSubtype="0" fill="hold" grpId="0" nodeType="clickEffect">
+                                  <p:stCondLst>
+                                    <p:cond delay="0"/>
+                                  </p:stCondLst>
+                                  <p:childTnLst>
+                                    <p:set>
+                                      <p:cBhvr>
+                                        <p:cTn id="22" dur="1" fill="hold">
+                                          <p:stCondLst>
+                                            <p:cond delay="0"/>
+                                          </p:stCondLst>
+                                        </p:cTn>
+                                        <p:tgtEl>
+                                          <p:spTgt spid="2">
+                                            <p:txEl>
+                                              <p:pRg st="5" end="5"/>
+                                            </p:txEl>
+                                          </p:spTgt>
+                                        </p:tgtEl>
+                                        <p:attrNameLst>
+                                          <p:attrName>style.visibility</p:attrName>
+                                        </p:attrNameLst>
+                                      </p:cBhvr>
+                                      <p:to>
+                                        <p:strVal val="visible"/>
+                                      </p:to>
+                                    </p:set>
+                                  </p:childTnLst>
+                                </p:cTn>
+                              </p:par>
+                            </p:childTnLst>
+                          </p:cTn>
+                        </p:par>
+                      </p:childTnLst>
+                    </p:cTn>
+                  </p:par>
+                </p:childTnLst>
+              </p:cTn>
+              <p:prevCondLst>
+                <p:cond evt="onPrev" delay="0">
+                  <p:tgtEl>
+                    <p:sldTgt/>
+                  </p:tgtEl>
+                </p:cond>
+              </p:prevCondLst>
+              <p:nextCondLst>
+                <p:cond evt="onNext" delay="0">
+                  <p:tgtEl>
+                    <p:sldTgt/>
+                  </p:tgtEl>
+                </p:cond>
+              </p:nextCondLst>
+            </p:seq>
+          </p:childTnLst>
+        </p:cTn>
+      </p:par>
+    </p:tnLst>
+    <p:bldLst>
+      <p:bldP spid="2" grpId="0" build="p"/>
+    </p:bldLst>
+  </p:timing>
+</p:sld>
+</file>
+
+<file path=ppt/slides/slide40.xml><?xml version="1.0" encoding="utf-8"?>
 <p:sld xmlns:a="http://schemas.openxmlformats.org/drawingml/2006/main" xmlns:r="http://schemas.openxmlformats.org/officeDocument/2006/relationships" xmlns:p="http://schemas.openxmlformats.org/presentationml/2006/main">
   <p:cSld>
     <p:spTree>
@@ -38155,7 +39909,7 @@
 </p:sld>
 </file>
 
-<file path=ppt/slides/slide39.xml><?xml version="1.0" encoding="utf-8"?>
+<file path=ppt/slides/slide41.xml><?xml version="1.0" encoding="utf-8"?>
 <p:sld xmlns:a="http://schemas.openxmlformats.org/drawingml/2006/main" xmlns:r="http://schemas.openxmlformats.org/officeDocument/2006/relationships" xmlns:p="http://schemas.openxmlformats.org/presentationml/2006/main">
   <p:cSld>
     <p:bg>
@@ -38449,118 +40203,7 @@
 </p:sld>
 </file>
 
-<file path=ppt/slides/slide4.xml><?xml version="1.0" encoding="utf-8"?>
-<p:sld xmlns:a="http://schemas.openxmlformats.org/drawingml/2006/main" xmlns:r="http://schemas.openxmlformats.org/officeDocument/2006/relationships" xmlns:p="http://schemas.openxmlformats.org/presentationml/2006/main">
-  <p:cSld>
-    <p:spTree>
-      <p:nvGrpSpPr>
-        <p:cNvPr id="1" name=""/>
-        <p:cNvGrpSpPr/>
-        <p:nvPr/>
-      </p:nvGrpSpPr>
-      <p:grpSpPr>
-        <a:xfrm>
-          <a:off x="0" y="0"/>
-          <a:ext cx="0" cy="0"/>
-          <a:chOff x="0" y="0"/>
-          <a:chExt cx="0" cy="0"/>
-        </a:xfrm>
-      </p:grpSpPr>
-      <p:sp>
-        <p:nvSpPr>
-          <p:cNvPr id="5" name="Title 4">
-            <a:extLst>
-              <a:ext uri="{FF2B5EF4-FFF2-40B4-BE49-F238E27FC236}">
-                <a16:creationId xmlns:a16="http://schemas.microsoft.com/office/drawing/2014/main" id="{57CC9617-4543-4DF2-93F4-C1EAECC6FE90}"/>
-              </a:ext>
-            </a:extLst>
-          </p:cNvPr>
-          <p:cNvSpPr>
-            <a:spLocks noGrp="1"/>
-          </p:cNvSpPr>
-          <p:nvPr>
-            <p:ph type="title"/>
-          </p:nvPr>
-        </p:nvSpPr>
-        <p:spPr/>
-        <p:txBody>
-          <a:bodyPr/>
-          <a:lstStyle/>
-          <a:p>
-            <a:r>
-              <a:rPr lang="en-GB" dirty="0"/>
-              <a:t>Concepts</a:t>
-            </a:r>
-          </a:p>
-        </p:txBody>
-      </p:sp>
-      <p:sp>
-        <p:nvSpPr>
-          <p:cNvPr id="6" name="Text Placeholder 5">
-            <a:extLst>
-              <a:ext uri="{FF2B5EF4-FFF2-40B4-BE49-F238E27FC236}">
-                <a16:creationId xmlns:a16="http://schemas.microsoft.com/office/drawing/2014/main" id="{15174AF1-E8A4-499E-9A18-7B531049517A}"/>
-              </a:ext>
-            </a:extLst>
-          </p:cNvPr>
-          <p:cNvSpPr>
-            <a:spLocks noGrp="1"/>
-          </p:cNvSpPr>
-          <p:nvPr>
-            <p:ph type="body" idx="1"/>
-          </p:nvPr>
-        </p:nvSpPr>
-        <p:spPr/>
-        <p:txBody>
-          <a:bodyPr/>
-          <a:lstStyle/>
-          <a:p>
-            <a:endParaRPr lang="en-GB"/>
-          </a:p>
-        </p:txBody>
-      </p:sp>
-      <p:sp>
-        <p:nvSpPr>
-          <p:cNvPr id="4" name="Footer Placeholder 3">
-            <a:extLst>
-              <a:ext uri="{FF2B5EF4-FFF2-40B4-BE49-F238E27FC236}">
-                <a16:creationId xmlns:a16="http://schemas.microsoft.com/office/drawing/2014/main" id="{4EC2644B-D96B-4636-999F-AA13C3451EDA}"/>
-              </a:ext>
-            </a:extLst>
-          </p:cNvPr>
-          <p:cNvSpPr>
-            <a:spLocks noGrp="1"/>
-          </p:cNvSpPr>
-          <p:nvPr>
-            <p:ph type="ftr" sz="quarter" idx="11"/>
-          </p:nvPr>
-        </p:nvSpPr>
-        <p:spPr/>
-        <p:txBody>
-          <a:bodyPr/>
-          <a:lstStyle/>
-          <a:p>
-            <a:r>
-              <a:rPr lang="en-GB" dirty="0"/>
-              <a:t>@flytzen  -  https://neworbit.co.uk</a:t>
-            </a:r>
-          </a:p>
-        </p:txBody>
-      </p:sp>
-    </p:spTree>
-    <p:extLst>
-      <p:ext uri="{BB962C8B-B14F-4D97-AF65-F5344CB8AC3E}">
-        <p14:creationId xmlns:p14="http://schemas.microsoft.com/office/powerpoint/2010/main" val="2513779219"/>
-      </p:ext>
-    </p:extLst>
-  </p:cSld>
-  <p:clrMapOvr>
-    <a:masterClrMapping/>
-  </p:clrMapOvr>
-</p:sld>
-</file>
-
-<file path=ppt/slides/slide40.xml><?xml version="1.0" encoding="utf-8"?>
+<file path=ppt/slides/slide42.xml><?xml version="1.0" encoding="utf-8"?>
 <p:sld xmlns:a="http://schemas.openxmlformats.org/drawingml/2006/main" xmlns:r="http://schemas.openxmlformats.org/officeDocument/2006/relationships" xmlns:p="http://schemas.openxmlformats.org/presentationml/2006/main">
   <p:cSld>
     <p:bg>
@@ -38862,7 +40505,7 @@
 </p:sld>
 </file>
 
-<file path=ppt/slides/slide41.xml><?xml version="1.0" encoding="utf-8"?>
+<file path=ppt/slides/slide43.xml><?xml version="1.0" encoding="utf-8"?>
 <p:sld xmlns:a="http://schemas.openxmlformats.org/drawingml/2006/main" xmlns:r="http://schemas.openxmlformats.org/officeDocument/2006/relationships" xmlns:p="http://schemas.openxmlformats.org/presentationml/2006/main">
   <p:cSld>
     <p:spTree>
@@ -38995,7 +40638,7 @@
 </p:sld>
 </file>
 
-<file path=ppt/slides/slide42.xml><?xml version="1.0" encoding="utf-8"?>
+<file path=ppt/slides/slide44.xml><?xml version="1.0" encoding="utf-8"?>
 <p:sld xmlns:a="http://schemas.openxmlformats.org/drawingml/2006/main" xmlns:r="http://schemas.openxmlformats.org/officeDocument/2006/relationships" xmlns:p="http://schemas.openxmlformats.org/presentationml/2006/main">
   <p:cSld>
     <p:spTree>
@@ -39154,7 +40797,7 @@
 </p:sld>
 </file>
 
-<file path=ppt/slides/slide43.xml><?xml version="1.0" encoding="utf-8"?>
+<file path=ppt/slides/slide45.xml><?xml version="1.0" encoding="utf-8"?>
 <p:sld xmlns:a="http://schemas.openxmlformats.org/drawingml/2006/main" xmlns:r="http://schemas.openxmlformats.org/officeDocument/2006/relationships" xmlns:p="http://schemas.openxmlformats.org/presentationml/2006/main">
   <p:cSld>
     <p:bg>
@@ -39393,6 +41036,117 @@
 </file>
 
 <file path=ppt/slides/slide5.xml><?xml version="1.0" encoding="utf-8"?>
+<p:sld xmlns:a="http://schemas.openxmlformats.org/drawingml/2006/main" xmlns:r="http://schemas.openxmlformats.org/officeDocument/2006/relationships" xmlns:p="http://schemas.openxmlformats.org/presentationml/2006/main">
+  <p:cSld>
+    <p:spTree>
+      <p:nvGrpSpPr>
+        <p:cNvPr id="1" name=""/>
+        <p:cNvGrpSpPr/>
+        <p:nvPr/>
+      </p:nvGrpSpPr>
+      <p:grpSpPr>
+        <a:xfrm>
+          <a:off x="0" y="0"/>
+          <a:ext cx="0" cy="0"/>
+          <a:chOff x="0" y="0"/>
+          <a:chExt cx="0" cy="0"/>
+        </a:xfrm>
+      </p:grpSpPr>
+      <p:sp>
+        <p:nvSpPr>
+          <p:cNvPr id="5" name="Title 4">
+            <a:extLst>
+              <a:ext uri="{FF2B5EF4-FFF2-40B4-BE49-F238E27FC236}">
+                <a16:creationId xmlns:a16="http://schemas.microsoft.com/office/drawing/2014/main" id="{57CC9617-4543-4DF2-93F4-C1EAECC6FE90}"/>
+              </a:ext>
+            </a:extLst>
+          </p:cNvPr>
+          <p:cNvSpPr>
+            <a:spLocks noGrp="1"/>
+          </p:cNvSpPr>
+          <p:nvPr>
+            <p:ph type="title"/>
+          </p:nvPr>
+        </p:nvSpPr>
+        <p:spPr/>
+        <p:txBody>
+          <a:bodyPr/>
+          <a:lstStyle/>
+          <a:p>
+            <a:r>
+              <a:rPr lang="en-GB" dirty="0"/>
+              <a:t>Concepts</a:t>
+            </a:r>
+          </a:p>
+        </p:txBody>
+      </p:sp>
+      <p:sp>
+        <p:nvSpPr>
+          <p:cNvPr id="6" name="Text Placeholder 5">
+            <a:extLst>
+              <a:ext uri="{FF2B5EF4-FFF2-40B4-BE49-F238E27FC236}">
+                <a16:creationId xmlns:a16="http://schemas.microsoft.com/office/drawing/2014/main" id="{15174AF1-E8A4-499E-9A18-7B531049517A}"/>
+              </a:ext>
+            </a:extLst>
+          </p:cNvPr>
+          <p:cNvSpPr>
+            <a:spLocks noGrp="1"/>
+          </p:cNvSpPr>
+          <p:nvPr>
+            <p:ph type="body" idx="1"/>
+          </p:nvPr>
+        </p:nvSpPr>
+        <p:spPr/>
+        <p:txBody>
+          <a:bodyPr/>
+          <a:lstStyle/>
+          <a:p>
+            <a:endParaRPr lang="en-GB"/>
+          </a:p>
+        </p:txBody>
+      </p:sp>
+      <p:sp>
+        <p:nvSpPr>
+          <p:cNvPr id="4" name="Footer Placeholder 3">
+            <a:extLst>
+              <a:ext uri="{FF2B5EF4-FFF2-40B4-BE49-F238E27FC236}">
+                <a16:creationId xmlns:a16="http://schemas.microsoft.com/office/drawing/2014/main" id="{4EC2644B-D96B-4636-999F-AA13C3451EDA}"/>
+              </a:ext>
+            </a:extLst>
+          </p:cNvPr>
+          <p:cNvSpPr>
+            <a:spLocks noGrp="1"/>
+          </p:cNvSpPr>
+          <p:nvPr>
+            <p:ph type="ftr" sz="quarter" idx="11"/>
+          </p:nvPr>
+        </p:nvSpPr>
+        <p:spPr/>
+        <p:txBody>
+          <a:bodyPr/>
+          <a:lstStyle/>
+          <a:p>
+            <a:r>
+              <a:rPr lang="en-GB" dirty="0"/>
+              <a:t>@flytzen  -  https://neworbit.co.uk</a:t>
+            </a:r>
+          </a:p>
+        </p:txBody>
+      </p:sp>
+    </p:spTree>
+    <p:extLst>
+      <p:ext uri="{BB962C8B-B14F-4D97-AF65-F5344CB8AC3E}">
+        <p14:creationId xmlns:p14="http://schemas.microsoft.com/office/powerpoint/2010/main" val="2513779219"/>
+      </p:ext>
+    </p:extLst>
+  </p:cSld>
+  <p:clrMapOvr>
+    <a:masterClrMapping/>
+  </p:clrMapOvr>
+</p:sld>
+</file>
+
+<file path=ppt/slides/slide6.xml><?xml version="1.0" encoding="utf-8"?>
 <p:sld xmlns:a="http://schemas.openxmlformats.org/drawingml/2006/main" xmlns:r="http://schemas.openxmlformats.org/officeDocument/2006/relationships" xmlns:p="http://schemas.openxmlformats.org/presentationml/2006/main">
   <p:cSld>
     <p:spTree>
@@ -39803,7 +41557,7 @@
 </p:sld>
 </file>
 
-<file path=ppt/slides/slide6.xml><?xml version="1.0" encoding="utf-8"?>
+<file path=ppt/slides/slide7.xml><?xml version="1.0" encoding="utf-8"?>
 <p:sld xmlns:a="http://schemas.openxmlformats.org/drawingml/2006/main" xmlns:r="http://schemas.openxmlformats.org/officeDocument/2006/relationships" xmlns:p="http://schemas.openxmlformats.org/presentationml/2006/main">
   <p:cSld>
     <p:spTree>
@@ -39918,7 +41672,7 @@
 </p:sld>
 </file>
 
-<file path=ppt/slides/slide7.xml><?xml version="1.0" encoding="utf-8"?>
+<file path=ppt/slides/slide8.xml><?xml version="1.0" encoding="utf-8"?>
 <p:sld xmlns:a="http://schemas.openxmlformats.org/drawingml/2006/main" xmlns:r="http://schemas.openxmlformats.org/officeDocument/2006/relationships" xmlns:p="http://schemas.openxmlformats.org/presentationml/2006/main">
   <p:cSld>
     <p:spTree>
@@ -40432,7 +42186,7 @@
 </p:sld>
 </file>
 
-<file path=ppt/slides/slide8.xml><?xml version="1.0" encoding="utf-8"?>
+<file path=ppt/slides/slide9.xml><?xml version="1.0" encoding="utf-8"?>
 <p:sld xmlns:a="http://schemas.openxmlformats.org/drawingml/2006/main" xmlns:r="http://schemas.openxmlformats.org/officeDocument/2006/relationships" xmlns:p="http://schemas.openxmlformats.org/presentationml/2006/main">
   <p:cSld>
     <p:spTree>
@@ -40671,164 +42425,6 @@
       </p:bldGraphic>
     </p:bldLst>
   </p:timing>
-</p:sld>
-</file>
-
-<file path=ppt/slides/slide9.xml><?xml version="1.0" encoding="utf-8"?>
-<p:sld xmlns:a="http://schemas.openxmlformats.org/drawingml/2006/main" xmlns:r="http://schemas.openxmlformats.org/officeDocument/2006/relationships" xmlns:p="http://schemas.openxmlformats.org/presentationml/2006/main">
-  <p:cSld>
-    <p:spTree>
-      <p:nvGrpSpPr>
-        <p:cNvPr id="1" name=""/>
-        <p:cNvGrpSpPr/>
-        <p:nvPr/>
-      </p:nvGrpSpPr>
-      <p:grpSpPr>
-        <a:xfrm>
-          <a:off x="0" y="0"/>
-          <a:ext cx="0" cy="0"/>
-          <a:chOff x="0" y="0"/>
-          <a:chExt cx="0" cy="0"/>
-        </a:xfrm>
-      </p:grpSpPr>
-      <p:sp>
-        <p:nvSpPr>
-          <p:cNvPr id="2" name="Title 1">
-            <a:extLst>
-              <a:ext uri="{FF2B5EF4-FFF2-40B4-BE49-F238E27FC236}">
-                <a16:creationId xmlns:a16="http://schemas.microsoft.com/office/drawing/2014/main" id="{2EA31B90-61BA-45B4-AC3B-F2F9501D9BAB}"/>
-              </a:ext>
-            </a:extLst>
-          </p:cNvPr>
-          <p:cNvSpPr>
-            <a:spLocks noGrp="1"/>
-          </p:cNvSpPr>
-          <p:nvPr>
-            <p:ph type="title"/>
-          </p:nvPr>
-        </p:nvSpPr>
-        <p:spPr/>
-        <p:txBody>
-          <a:bodyPr/>
-          <a:lstStyle/>
-          <a:p>
-            <a:r>
-              <a:rPr lang="en-GB" dirty="0"/>
-              <a:t>Getting in</a:t>
-            </a:r>
-          </a:p>
-        </p:txBody>
-      </p:sp>
-      <p:sp>
-        <p:nvSpPr>
-          <p:cNvPr id="3" name="Text Placeholder 2">
-            <a:extLst>
-              <a:ext uri="{FF2B5EF4-FFF2-40B4-BE49-F238E27FC236}">
-                <a16:creationId xmlns:a16="http://schemas.microsoft.com/office/drawing/2014/main" id="{E026F194-8F93-4F2F-A9BE-2502BE353BCA}"/>
-              </a:ext>
-            </a:extLst>
-          </p:cNvPr>
-          <p:cNvSpPr>
-            <a:spLocks noGrp="1"/>
-          </p:cNvSpPr>
-          <p:nvPr>
-            <p:ph type="body" idx="1"/>
-          </p:nvPr>
-        </p:nvSpPr>
-        <p:spPr/>
-        <p:txBody>
-          <a:bodyPr/>
-          <a:lstStyle/>
-          <a:p>
-            <a:endParaRPr lang="en-GB" dirty="0"/>
-          </a:p>
-        </p:txBody>
-      </p:sp>
-      <p:sp>
-        <p:nvSpPr>
-          <p:cNvPr id="4" name="Footer Placeholder 3">
-            <a:extLst>
-              <a:ext uri="{FF2B5EF4-FFF2-40B4-BE49-F238E27FC236}">
-                <a16:creationId xmlns:a16="http://schemas.microsoft.com/office/drawing/2014/main" id="{B6799E72-D0D7-4D30-8BC2-5CBE2BE38CCE}"/>
-              </a:ext>
-            </a:extLst>
-          </p:cNvPr>
-          <p:cNvSpPr>
-            <a:spLocks noGrp="1"/>
-          </p:cNvSpPr>
-          <p:nvPr>
-            <p:ph type="ftr" sz="quarter" idx="11"/>
-          </p:nvPr>
-        </p:nvSpPr>
-        <p:spPr/>
-        <p:txBody>
-          <a:bodyPr/>
-          <a:lstStyle/>
-          <a:p>
-            <a:r>
-              <a:rPr lang="en-GB" dirty="0"/>
-              <a:t>@flytzen  -  https://neworbit.co.uk</a:t>
-            </a:r>
-          </a:p>
-        </p:txBody>
-      </p:sp>
-      <p:pic>
-        <p:nvPicPr>
-          <p:cNvPr id="3074" name="Picture 2" descr="https://documents.lucidchart.com/documents/f4062454-7eb7-4e7a-abca-2d244417011b/pages/gnwjOXSQtmkw?a=1628&amp;x=329&amp;y=-43&amp;w=1017&amp;h=957&amp;store=1&amp;accept=image%2F*&amp;auth=LCA%20e186d94d87ad86984022171ba90c020d53a2db31-ts%3D1558601664">
-            <a:extLst>
-              <a:ext uri="{FF2B5EF4-FFF2-40B4-BE49-F238E27FC236}">
-                <a16:creationId xmlns:a16="http://schemas.microsoft.com/office/drawing/2014/main" id="{B3883F61-9FC5-4B18-8C06-8EAB07DD5376}"/>
-              </a:ext>
-            </a:extLst>
-          </p:cNvPr>
-          <p:cNvPicPr>
-            <a:picLocks noChangeAspect="1" noChangeArrowheads="1"/>
-          </p:cNvPicPr>
-          <p:nvPr/>
-        </p:nvPicPr>
-        <p:blipFill>
-          <a:blip r:embed="rId2">
-            <a:extLst>
-              <a:ext uri="{28A0092B-C50C-407E-A947-70E740481C1C}">
-                <a14:useLocalDpi xmlns:a14="http://schemas.microsoft.com/office/drawing/2010/main" val="0"/>
-              </a:ext>
-            </a:extLst>
-          </a:blip>
-          <a:srcRect/>
-          <a:stretch>
-            <a:fillRect/>
-          </a:stretch>
-        </p:blipFill>
-        <p:spPr bwMode="auto">
-          <a:xfrm>
-            <a:off x="4924425" y="9525"/>
-            <a:ext cx="7267575" cy="6838950"/>
-          </a:xfrm>
-          <a:prstGeom prst="rect">
-            <a:avLst/>
-          </a:prstGeom>
-          <a:noFill/>
-          <a:extLst>
-            <a:ext uri="{909E8E84-426E-40DD-AFC4-6F175D3DCCD1}">
-              <a14:hiddenFill xmlns:a14="http://schemas.microsoft.com/office/drawing/2010/main">
-                <a:solidFill>
-                  <a:srgbClr val="FFFFFF"/>
-                </a:solidFill>
-              </a14:hiddenFill>
-            </a:ext>
-          </a:extLst>
-        </p:spPr>
-      </p:pic>
-    </p:spTree>
-    <p:extLst>
-      <p:ext uri="{BB962C8B-B14F-4D97-AF65-F5344CB8AC3E}">
-        <p14:creationId xmlns:p14="http://schemas.microsoft.com/office/powerpoint/2010/main" val="3710443537"/>
-      </p:ext>
-    </p:extLst>
-  </p:cSld>
-  <p:clrMapOvr>
-    <a:masterClrMapping/>
-  </p:clrMapOvr>
 </p:sld>
 </file>
 
@@ -41796,15 +43392,6 @@
 </file>
 
 <file path=customXml/item1.xml><?xml version="1.0" encoding="utf-8"?>
-<?mso-contentType ?>
-<FormTemplates xmlns="http://schemas.microsoft.com/sharepoint/v3/contenttype/forms">
-  <Display>DocumentLibraryForm</Display>
-  <Edit>DocumentLibraryForm</Edit>
-  <New>DocumentLibraryForm</New>
-</FormTemplates>
-</file>
-
-<file path=customXml/item2.xml><?xml version="1.0" encoding="utf-8"?>
 <p:properties xmlns:p="http://schemas.microsoft.com/office/2006/metadata/properties" xmlns:xsi="http://www.w3.org/2001/XMLSchema-instance" xmlns:pc="http://schemas.microsoft.com/office/infopath/2007/PartnerControls">
   <documentManagement>
     <ProcessSponsor xmlns="2f74b058-fe85-403b-8175-7901dcda25ac">
@@ -41829,7 +43416,7 @@
 </p:properties>
 </file>
 
-<file path=customXml/item3.xml><?xml version="1.0" encoding="utf-8"?>
+<file path=customXml/item2.xml><?xml version="1.0" encoding="utf-8"?>
 <ct:contentTypeSchema xmlns:ct="http://schemas.microsoft.com/office/2006/metadata/contentType" xmlns:ma="http://schemas.microsoft.com/office/2006/metadata/properties/metaAttributes" ct:_="" ma:_="" ma:contentTypeName="Presentation" ma:contentTypeID="0x010100976AC37510C88D479D531BBFABFCDE900011A7F68A1903154A91D44024D91FAF39" ma:contentTypeVersion="16" ma:contentTypeDescription="Create a new presentation." ma:contentTypeScope="" ma:versionID="772d872658fd4845e9b312f582f454cc">
   <xsd:schema xmlns:xsd="http://www.w3.org/2001/XMLSchema" xmlns:xs="http://www.w3.org/2001/XMLSchema" xmlns:p="http://schemas.microsoft.com/office/2006/metadata/properties" xmlns:ns2="2f74b058-fe85-403b-8175-7901dcda25ac" xmlns:ns3="4763dc9f-8761-47a6-86ab-ee58c5661e24" targetNamespace="http://schemas.microsoft.com/office/2006/metadata/properties" ma:root="true" ma:fieldsID="b87fca586b85890120cc39cf3d3c2ac6" ns2:_="" ns3:_="">
     <xsd:import namespace="2f74b058-fe85-403b-8175-7901dcda25ac"/>
@@ -42007,15 +43594,16 @@
 </ct:contentTypeSchema>
 </file>
 
-<file path=customXml/itemProps1.xml><?xml version="1.0" encoding="utf-8"?>
-<ds:datastoreItem xmlns:ds="http://schemas.openxmlformats.org/officeDocument/2006/customXml" ds:itemID="{6E908196-7EAA-4352-A770-5E6EE2A23B7D}">
-  <ds:schemaRefs>
-    <ds:schemaRef ds:uri="http://schemas.microsoft.com/sharepoint/v3/contenttype/forms"/>
-  </ds:schemaRefs>
-</ds:datastoreItem>
+<file path=customXml/item3.xml><?xml version="1.0" encoding="utf-8"?>
+<?mso-contentType ?>
+<FormTemplates xmlns="http://schemas.microsoft.com/sharepoint/v3/contenttype/forms">
+  <Display>DocumentLibraryForm</Display>
+  <Edit>DocumentLibraryForm</Edit>
+  <New>DocumentLibraryForm</New>
+</FormTemplates>
 </file>
 
-<file path=customXml/itemProps2.xml><?xml version="1.0" encoding="utf-8"?>
+<file path=customXml/itemProps1.xml><?xml version="1.0" encoding="utf-8"?>
 <ds:datastoreItem xmlns:ds="http://schemas.openxmlformats.org/officeDocument/2006/customXml" ds:itemID="{C3741FF2-811B-4A2F-958B-8203D11F14EB}">
   <ds:schemaRefs>
     <ds:schemaRef ds:uri="http://www.w3.org/XML/1998/namespace"/>
@@ -42032,7 +43620,7 @@
 </ds:datastoreItem>
 </file>
 
-<file path=customXml/itemProps3.xml><?xml version="1.0" encoding="utf-8"?>
+<file path=customXml/itemProps2.xml><?xml version="1.0" encoding="utf-8"?>
 <ds:datastoreItem xmlns:ds="http://schemas.openxmlformats.org/officeDocument/2006/customXml" ds:itemID="{135AE3B8-9C3B-4D7F-9825-9FF3B12E45FD}">
   <ds:schemaRefs>
     <ds:schemaRef ds:uri="http://schemas.microsoft.com/office/2006/metadata/contentType"/>
@@ -42049,4 +43637,12 @@
     <ds:schemaRef ds:uri="http://schemas.microsoft.com/internal/obd"/>
   </ds:schemaRefs>
 </ds:datastoreItem>
+</file>
+
+<file path=customXml/itemProps3.xml><?xml version="1.0" encoding="utf-8"?>
+<ds:datastoreItem xmlns:ds="http://schemas.openxmlformats.org/officeDocument/2006/customXml" ds:itemID="{6E908196-7EAA-4352-A770-5E6EE2A23B7D}">
+  <ds:schemaRefs>
+    <ds:schemaRef ds:uri="http://schemas.microsoft.com/sharepoint/v3/contenttype/forms"/>
+  </ds:schemaRefs>
+</ds:datastoreItem>
 </file>
--- a/Secure Your Web App Presentation.pptx
+++ b/Secure Your Web App Presentation.pptx
@@ -5660,7 +5660,7 @@
   <dgm:whole/>
   <dgm:extLst>
     <a:ext uri="http://schemas.microsoft.com/office/drawing/2008/diagram">
-      <dsp:dataModelExt xmlns:dsp="http://schemas.microsoft.com/office/drawing/2008/diagram" relId="rId6" minVer="http://schemas.openxmlformats.org/drawingml/2006/diagram"/>
+      <dsp:dataModelExt xmlns:dsp="http://schemas.microsoft.com/office/drawing/2008/diagram" relId="rId7" minVer="http://schemas.openxmlformats.org/drawingml/2006/diagram"/>
     </a:ext>
   </dgm:extLst>
 </dgm:dataModel>
@@ -19867,7 +19867,7 @@
           <a:p>
             <a:r>
               <a:rPr lang="en-GB" dirty="0"/>
-              <a:t>“Azure handle it” is hard to test locally and gives you less flexibility – but it is very easy. Especially helpful with oAuth2.</a:t>
+              <a:t>The point is that Azure already gives you a firewall</a:t>
             </a:r>
           </a:p>
         </p:txBody>
@@ -19889,7 +19889,7 @@
           <a:p>
             <a:fld id="{28BFDFC6-FC95-451E-8C0D-63ACBF281786}" type="slidenum">
               <a:rPr lang="en-GB" smtClean="0"/>
-              <a:t>17</a:t>
+              <a:t>12</a:t>
             </a:fld>
             <a:endParaRPr lang="en-GB"/>
           </a:p>
@@ -19898,7 +19898,7 @@
     </p:spTree>
     <p:extLst>
       <p:ext uri="{BB962C8B-B14F-4D97-AF65-F5344CB8AC3E}">
-        <p14:creationId xmlns:p14="http://schemas.microsoft.com/office/powerpoint/2010/main" val="4126318579"/>
+        <p14:creationId xmlns:p14="http://schemas.microsoft.com/office/powerpoint/2010/main" val="3489728169"/>
       </p:ext>
     </p:extLst>
   </p:cSld>
@@ -19952,7 +19952,10 @@
           <a:bodyPr/>
           <a:lstStyle/>
           <a:p>
-            <a:endParaRPr lang="en-GB" dirty="0"/>
+            <a:r>
+              <a:rPr lang="en-GB" dirty="0"/>
+              <a:t>I don’t recommend Azure’s WAF, just from personal experience but there are other providers out there.</a:t>
+            </a:r>
           </a:p>
         </p:txBody>
       </p:sp>
@@ -19973,7 +19976,7 @@
           <a:p>
             <a:fld id="{28BFDFC6-FC95-451E-8C0D-63ACBF281786}" type="slidenum">
               <a:rPr lang="en-GB" smtClean="0"/>
-              <a:t>18</a:t>
+              <a:t>13</a:t>
             </a:fld>
             <a:endParaRPr lang="en-GB"/>
           </a:p>
@@ -19982,7 +19985,7 @@
     </p:spTree>
     <p:extLst>
       <p:ext uri="{BB962C8B-B14F-4D97-AF65-F5344CB8AC3E}">
-        <p14:creationId xmlns:p14="http://schemas.microsoft.com/office/powerpoint/2010/main" val="3335208727"/>
+        <p14:creationId xmlns:p14="http://schemas.microsoft.com/office/powerpoint/2010/main" val="127709550"/>
       </p:ext>
     </p:extLst>
   </p:cSld>
@@ -20038,45 +20041,7 @@
           <a:p>
             <a:r>
               <a:rPr lang="en-GB" dirty="0"/>
-              <a:t>The </a:t>
-            </a:r>
-            <a:r>
-              <a:rPr lang="en-GB" dirty="0" err="1"/>
-              <a:t>AppAuthentication</a:t>
-            </a:r>
-            <a:r>
-              <a:rPr lang="en-GB" dirty="0"/>
-              <a:t> </a:t>
-            </a:r>
-            <a:r>
-              <a:rPr lang="en-GB" dirty="0" err="1"/>
-              <a:t>nuget</a:t>
-            </a:r>
-            <a:r>
-              <a:rPr lang="en-GB" dirty="0"/>
-              <a:t> package will automatically use your identity when developing locally, as long as you are domain joined to an Azure AD.</a:t>
-            </a:r>
-          </a:p>
-          <a:p>
-            <a:r>
-              <a:rPr lang="en-GB" dirty="0"/>
-              <a:t>The </a:t>
-            </a:r>
-            <a:r>
-              <a:rPr lang="en-GB" dirty="0" err="1"/>
-              <a:t>ASP.Net</a:t>
-            </a:r>
-            <a:r>
-              <a:rPr lang="en-GB" dirty="0"/>
-              <a:t> Core config integration will automatically add all the secrets to your </a:t>
-            </a:r>
-            <a:r>
-              <a:rPr lang="en-GB" dirty="0" err="1"/>
-              <a:t>IConfiguration</a:t>
-            </a:r>
-            <a:r>
-              <a:rPr lang="en-GB" dirty="0"/>
-              <a:t>.</a:t>
+              <a:t>“Azure handle it” is hard to test locally and gives you less flexibility – but it is very easy. Especially helpful with oAuth2.</a:t>
             </a:r>
           </a:p>
         </p:txBody>
@@ -20098,7 +20063,7 @@
           <a:p>
             <a:fld id="{28BFDFC6-FC95-451E-8C0D-63ACBF281786}" type="slidenum">
               <a:rPr lang="en-GB" smtClean="0"/>
-              <a:t>23</a:t>
+              <a:t>17</a:t>
             </a:fld>
             <a:endParaRPr lang="en-GB"/>
           </a:p>
@@ -20107,7 +20072,7 @@
     </p:spTree>
     <p:extLst>
       <p:ext uri="{BB962C8B-B14F-4D97-AF65-F5344CB8AC3E}">
-        <p14:creationId xmlns:p14="http://schemas.microsoft.com/office/powerpoint/2010/main" val="4110178745"/>
+        <p14:creationId xmlns:p14="http://schemas.microsoft.com/office/powerpoint/2010/main" val="4126318579"/>
       </p:ext>
     </p:extLst>
   </p:cSld>
@@ -20182,7 +20147,7 @@
           <a:p>
             <a:fld id="{28BFDFC6-FC95-451E-8C0D-63ACBF281786}" type="slidenum">
               <a:rPr lang="en-GB" smtClean="0"/>
-              <a:t>26</a:t>
+              <a:t>18</a:t>
             </a:fld>
             <a:endParaRPr lang="en-GB"/>
           </a:p>
@@ -20191,7 +20156,7 @@
     </p:spTree>
     <p:extLst>
       <p:ext uri="{BB962C8B-B14F-4D97-AF65-F5344CB8AC3E}">
-        <p14:creationId xmlns:p14="http://schemas.microsoft.com/office/powerpoint/2010/main" val="2712079748"/>
+        <p14:creationId xmlns:p14="http://schemas.microsoft.com/office/powerpoint/2010/main" val="3335208727"/>
       </p:ext>
     </p:extLst>
   </p:cSld>
@@ -20245,7 +20210,10 @@
           <a:bodyPr/>
           <a:lstStyle/>
           <a:p>
-            <a:endParaRPr lang="en-GB" dirty="0"/>
+            <a:r>
+              <a:rPr lang="en-GB" dirty="0"/>
+              <a:t>This is extremely cool. If you can find it in yourself to be excited about something in security – this is it!</a:t>
+            </a:r>
           </a:p>
         </p:txBody>
       </p:sp>
@@ -20266,7 +20234,7 @@
           <a:p>
             <a:fld id="{28BFDFC6-FC95-451E-8C0D-63ACBF281786}" type="slidenum">
               <a:rPr lang="en-GB" smtClean="0"/>
-              <a:t>31</a:t>
+              <a:t>21</a:t>
             </a:fld>
             <a:endParaRPr lang="en-GB"/>
           </a:p>
@@ -20275,7 +20243,7 @@
     </p:spTree>
     <p:extLst>
       <p:ext uri="{BB962C8B-B14F-4D97-AF65-F5344CB8AC3E}">
-        <p14:creationId xmlns:p14="http://schemas.microsoft.com/office/powerpoint/2010/main" val="809887005"/>
+        <p14:creationId xmlns:p14="http://schemas.microsoft.com/office/powerpoint/2010/main" val="1127072788"/>
       </p:ext>
     </p:extLst>
   </p:cSld>
@@ -20331,15 +20299,7 @@
           <a:p>
             <a:r>
               <a:rPr lang="en-GB" dirty="0"/>
-              <a:t>Support for </a:t>
-            </a:r>
-            <a:r>
-              <a:rPr lang="en-GB" dirty="0" err="1"/>
-              <a:t>.Net</a:t>
-            </a:r>
-            <a:r>
-              <a:rPr lang="en-GB" dirty="0"/>
-              <a:t> Core is probably not there yet; noises about including in EF Core 3.0 but not sure if its in yet.</a:t>
+              <a:t>Remember Managed Identity? The combination of these two is epic.</a:t>
             </a:r>
           </a:p>
         </p:txBody>
@@ -20361,7 +20321,7 @@
           <a:p>
             <a:fld id="{28BFDFC6-FC95-451E-8C0D-63ACBF281786}" type="slidenum">
               <a:rPr lang="en-GB" smtClean="0"/>
-              <a:t>35</a:t>
+              <a:t>22</a:t>
             </a:fld>
             <a:endParaRPr lang="en-GB"/>
           </a:p>
@@ -20370,7 +20330,7 @@
     </p:spTree>
     <p:extLst>
       <p:ext uri="{BB962C8B-B14F-4D97-AF65-F5344CB8AC3E}">
-        <p14:creationId xmlns:p14="http://schemas.microsoft.com/office/powerpoint/2010/main" val="4158374773"/>
+        <p14:creationId xmlns:p14="http://schemas.microsoft.com/office/powerpoint/2010/main" val="323209202"/>
       </p:ext>
     </p:extLst>
   </p:cSld>
@@ -20424,7 +20384,48 @@
           <a:bodyPr/>
           <a:lstStyle/>
           <a:p>
-            <a:endParaRPr lang="en-GB" dirty="0"/>
+            <a:r>
+              <a:rPr lang="en-GB" dirty="0"/>
+              <a:t>The </a:t>
+            </a:r>
+            <a:r>
+              <a:rPr lang="en-GB" dirty="0" err="1"/>
+              <a:t>AppAuthentication</a:t>
+            </a:r>
+            <a:r>
+              <a:rPr lang="en-GB" dirty="0"/>
+              <a:t> </a:t>
+            </a:r>
+            <a:r>
+              <a:rPr lang="en-GB" dirty="0" err="1"/>
+              <a:t>nuget</a:t>
+            </a:r>
+            <a:r>
+              <a:rPr lang="en-GB" dirty="0"/>
+              <a:t> package will automatically use your identity when developing locally, as long as you are domain joined to an Azure AD.</a:t>
+            </a:r>
+          </a:p>
+          <a:p>
+            <a:r>
+              <a:rPr lang="en-GB" dirty="0"/>
+              <a:t>The </a:t>
+            </a:r>
+            <a:r>
+              <a:rPr lang="en-GB" dirty="0" err="1"/>
+              <a:t>ASP.Net</a:t>
+            </a:r>
+            <a:r>
+              <a:rPr lang="en-GB" dirty="0"/>
+              <a:t> Core config integration will automatically add all the secrets to your </a:t>
+            </a:r>
+            <a:r>
+              <a:rPr lang="en-GB" dirty="0" err="1"/>
+              <a:t>IConfiguration</a:t>
+            </a:r>
+            <a:r>
+              <a:rPr lang="en-GB" dirty="0"/>
+              <a:t>.</a:t>
+            </a:r>
           </a:p>
         </p:txBody>
       </p:sp>
@@ -20445,7 +20446,7 @@
           <a:p>
             <a:fld id="{28BFDFC6-FC95-451E-8C0D-63ACBF281786}" type="slidenum">
               <a:rPr lang="en-GB" smtClean="0"/>
-              <a:t>36</a:t>
+              <a:t>23</a:t>
             </a:fld>
             <a:endParaRPr lang="en-GB"/>
           </a:p>
@@ -20454,7 +20455,7 @@
     </p:spTree>
     <p:extLst>
       <p:ext uri="{BB962C8B-B14F-4D97-AF65-F5344CB8AC3E}">
-        <p14:creationId xmlns:p14="http://schemas.microsoft.com/office/powerpoint/2010/main" val="3131441011"/>
+        <p14:creationId xmlns:p14="http://schemas.microsoft.com/office/powerpoint/2010/main" val="4110178745"/>
       </p:ext>
     </p:extLst>
   </p:cSld>
@@ -20508,28 +20509,7 @@
           <a:bodyPr/>
           <a:lstStyle/>
           <a:p>
-            <a:r>
-              <a:rPr lang="en-GB" dirty="0"/>
-              <a:t>We have covered a  huge amount today. </a:t>
-            </a:r>
-          </a:p>
-          <a:p>
-            <a:r>
-              <a:rPr lang="en-GB" dirty="0"/>
-              <a:t>I think you can see that there are a lot of security tools in Azure you *can* use. I don’t think you should use them all.</a:t>
-            </a:r>
-          </a:p>
-          <a:p>
-            <a:r>
-              <a:rPr lang="en-GB" dirty="0"/>
-              <a:t>If Compliance is very important to you – consider choosing SQL as it has the most security and compliance features.</a:t>
-            </a:r>
-          </a:p>
-          <a:p>
-            <a:r>
-              <a:rPr lang="en-GB" dirty="0"/>
-              <a:t>Finally, do prioritise the monitoring and alerting side.</a:t>
-            </a:r>
+            <a:endParaRPr lang="en-GB" dirty="0"/>
           </a:p>
         </p:txBody>
       </p:sp>
@@ -20550,7 +20530,7 @@
           <a:p>
             <a:fld id="{28BFDFC6-FC95-451E-8C0D-63ACBF281786}" type="slidenum">
               <a:rPr lang="en-GB" smtClean="0"/>
-              <a:t>44</a:t>
+              <a:t>26</a:t>
             </a:fld>
             <a:endParaRPr lang="en-GB"/>
           </a:p>
@@ -20559,7 +20539,186 @@
     </p:spTree>
     <p:extLst>
       <p:ext uri="{BB962C8B-B14F-4D97-AF65-F5344CB8AC3E}">
-        <p14:creationId xmlns:p14="http://schemas.microsoft.com/office/powerpoint/2010/main" val="2763514343"/>
+        <p14:creationId xmlns:p14="http://schemas.microsoft.com/office/powerpoint/2010/main" val="2712079748"/>
+      </p:ext>
+    </p:extLst>
+  </p:cSld>
+  <p:clrMapOvr>
+    <a:masterClrMapping/>
+  </p:clrMapOvr>
+</p:notes>
+</file>
+
+<file path=ppt/notesSlides/notesSlide18.xml><?xml version="1.0" encoding="utf-8"?>
+<p:notes xmlns:a="http://schemas.openxmlformats.org/drawingml/2006/main" xmlns:r="http://schemas.openxmlformats.org/officeDocument/2006/relationships" xmlns:p="http://schemas.openxmlformats.org/presentationml/2006/main">
+  <p:cSld>
+    <p:spTree>
+      <p:nvGrpSpPr>
+        <p:cNvPr id="1" name=""/>
+        <p:cNvGrpSpPr/>
+        <p:nvPr/>
+      </p:nvGrpSpPr>
+      <p:grpSpPr>
+        <a:xfrm>
+          <a:off x="0" y="0"/>
+          <a:ext cx="0" cy="0"/>
+          <a:chOff x="0" y="0"/>
+          <a:chExt cx="0" cy="0"/>
+        </a:xfrm>
+      </p:grpSpPr>
+      <p:sp>
+        <p:nvSpPr>
+          <p:cNvPr id="2" name="Slide Image Placeholder 1"/>
+          <p:cNvSpPr>
+            <a:spLocks noGrp="1" noRot="1" noChangeAspect="1"/>
+          </p:cNvSpPr>
+          <p:nvPr>
+            <p:ph type="sldImg"/>
+          </p:nvPr>
+        </p:nvSpPr>
+        <p:spPr/>
+      </p:sp>
+      <p:sp>
+        <p:nvSpPr>
+          <p:cNvPr id="3" name="Notes Placeholder 2"/>
+          <p:cNvSpPr>
+            <a:spLocks noGrp="1"/>
+          </p:cNvSpPr>
+          <p:nvPr>
+            <p:ph type="body" idx="1"/>
+          </p:nvPr>
+        </p:nvSpPr>
+        <p:spPr/>
+        <p:txBody>
+          <a:bodyPr/>
+          <a:lstStyle/>
+          <a:p>
+            <a:endParaRPr lang="en-GB" dirty="0"/>
+          </a:p>
+        </p:txBody>
+      </p:sp>
+      <p:sp>
+        <p:nvSpPr>
+          <p:cNvPr id="4" name="Slide Number Placeholder 3"/>
+          <p:cNvSpPr>
+            <a:spLocks noGrp="1"/>
+          </p:cNvSpPr>
+          <p:nvPr>
+            <p:ph type="sldNum" sz="quarter" idx="5"/>
+          </p:nvPr>
+        </p:nvSpPr>
+        <p:spPr/>
+        <p:txBody>
+          <a:bodyPr/>
+          <a:lstStyle/>
+          <a:p>
+            <a:fld id="{28BFDFC6-FC95-451E-8C0D-63ACBF281786}" type="slidenum">
+              <a:rPr lang="en-GB" smtClean="0"/>
+              <a:t>31</a:t>
+            </a:fld>
+            <a:endParaRPr lang="en-GB"/>
+          </a:p>
+        </p:txBody>
+      </p:sp>
+    </p:spTree>
+    <p:extLst>
+      <p:ext uri="{BB962C8B-B14F-4D97-AF65-F5344CB8AC3E}">
+        <p14:creationId xmlns:p14="http://schemas.microsoft.com/office/powerpoint/2010/main" val="809887005"/>
+      </p:ext>
+    </p:extLst>
+  </p:cSld>
+  <p:clrMapOvr>
+    <a:masterClrMapping/>
+  </p:clrMapOvr>
+</p:notes>
+</file>
+
+<file path=ppt/notesSlides/notesSlide19.xml><?xml version="1.0" encoding="utf-8"?>
+<p:notes xmlns:a="http://schemas.openxmlformats.org/drawingml/2006/main" xmlns:r="http://schemas.openxmlformats.org/officeDocument/2006/relationships" xmlns:p="http://schemas.openxmlformats.org/presentationml/2006/main">
+  <p:cSld>
+    <p:spTree>
+      <p:nvGrpSpPr>
+        <p:cNvPr id="1" name=""/>
+        <p:cNvGrpSpPr/>
+        <p:nvPr/>
+      </p:nvGrpSpPr>
+      <p:grpSpPr>
+        <a:xfrm>
+          <a:off x="0" y="0"/>
+          <a:ext cx="0" cy="0"/>
+          <a:chOff x="0" y="0"/>
+          <a:chExt cx="0" cy="0"/>
+        </a:xfrm>
+      </p:grpSpPr>
+      <p:sp>
+        <p:nvSpPr>
+          <p:cNvPr id="2" name="Slide Image Placeholder 1"/>
+          <p:cNvSpPr>
+            <a:spLocks noGrp="1" noRot="1" noChangeAspect="1"/>
+          </p:cNvSpPr>
+          <p:nvPr>
+            <p:ph type="sldImg"/>
+          </p:nvPr>
+        </p:nvSpPr>
+        <p:spPr/>
+      </p:sp>
+      <p:sp>
+        <p:nvSpPr>
+          <p:cNvPr id="3" name="Notes Placeholder 2"/>
+          <p:cNvSpPr>
+            <a:spLocks noGrp="1"/>
+          </p:cNvSpPr>
+          <p:nvPr>
+            <p:ph type="body" idx="1"/>
+          </p:nvPr>
+        </p:nvSpPr>
+        <p:spPr/>
+        <p:txBody>
+          <a:bodyPr/>
+          <a:lstStyle/>
+          <a:p>
+            <a:r>
+              <a:rPr lang="en-GB" dirty="0"/>
+              <a:t>Support for </a:t>
+            </a:r>
+            <a:r>
+              <a:rPr lang="en-GB" dirty="0" err="1"/>
+              <a:t>.Net</a:t>
+            </a:r>
+            <a:r>
+              <a:rPr lang="en-GB" dirty="0"/>
+              <a:t> Core is probably not there yet; noises about including in EF Core 3.0 but not sure if its in yet.</a:t>
+            </a:r>
+          </a:p>
+        </p:txBody>
+      </p:sp>
+      <p:sp>
+        <p:nvSpPr>
+          <p:cNvPr id="4" name="Slide Number Placeholder 3"/>
+          <p:cNvSpPr>
+            <a:spLocks noGrp="1"/>
+          </p:cNvSpPr>
+          <p:nvPr>
+            <p:ph type="sldNum" sz="quarter" idx="5"/>
+          </p:nvPr>
+        </p:nvSpPr>
+        <p:spPr/>
+        <p:txBody>
+          <a:bodyPr/>
+          <a:lstStyle/>
+          <a:p>
+            <a:fld id="{28BFDFC6-FC95-451E-8C0D-63ACBF281786}" type="slidenum">
+              <a:rPr lang="en-GB" smtClean="0"/>
+              <a:t>35</a:t>
+            </a:fld>
+            <a:endParaRPr lang="en-GB"/>
+          </a:p>
+        </p:txBody>
+      </p:sp>
+    </p:spTree>
+    <p:extLst>
+      <p:ext uri="{BB962C8B-B14F-4D97-AF65-F5344CB8AC3E}">
+        <p14:creationId xmlns:p14="http://schemas.microsoft.com/office/powerpoint/2010/main" val="4158374773"/>
       </p:ext>
     </p:extLst>
   </p:cSld>
@@ -20763,6 +20922,195 @@
 </p:notes>
 </file>
 
+<file path=ppt/notesSlides/notesSlide20.xml><?xml version="1.0" encoding="utf-8"?>
+<p:notes xmlns:a="http://schemas.openxmlformats.org/drawingml/2006/main" xmlns:r="http://schemas.openxmlformats.org/officeDocument/2006/relationships" xmlns:p="http://schemas.openxmlformats.org/presentationml/2006/main">
+  <p:cSld>
+    <p:spTree>
+      <p:nvGrpSpPr>
+        <p:cNvPr id="1" name=""/>
+        <p:cNvGrpSpPr/>
+        <p:nvPr/>
+      </p:nvGrpSpPr>
+      <p:grpSpPr>
+        <a:xfrm>
+          <a:off x="0" y="0"/>
+          <a:ext cx="0" cy="0"/>
+          <a:chOff x="0" y="0"/>
+          <a:chExt cx="0" cy="0"/>
+        </a:xfrm>
+      </p:grpSpPr>
+      <p:sp>
+        <p:nvSpPr>
+          <p:cNvPr id="2" name="Slide Image Placeholder 1"/>
+          <p:cNvSpPr>
+            <a:spLocks noGrp="1" noRot="1" noChangeAspect="1"/>
+          </p:cNvSpPr>
+          <p:nvPr>
+            <p:ph type="sldImg"/>
+          </p:nvPr>
+        </p:nvSpPr>
+        <p:spPr/>
+      </p:sp>
+      <p:sp>
+        <p:nvSpPr>
+          <p:cNvPr id="3" name="Notes Placeholder 2"/>
+          <p:cNvSpPr>
+            <a:spLocks noGrp="1"/>
+          </p:cNvSpPr>
+          <p:nvPr>
+            <p:ph type="body" idx="1"/>
+          </p:nvPr>
+        </p:nvSpPr>
+        <p:spPr/>
+        <p:txBody>
+          <a:bodyPr/>
+          <a:lstStyle/>
+          <a:p>
+            <a:endParaRPr lang="en-GB" dirty="0"/>
+          </a:p>
+        </p:txBody>
+      </p:sp>
+      <p:sp>
+        <p:nvSpPr>
+          <p:cNvPr id="4" name="Slide Number Placeholder 3"/>
+          <p:cNvSpPr>
+            <a:spLocks noGrp="1"/>
+          </p:cNvSpPr>
+          <p:nvPr>
+            <p:ph type="sldNum" sz="quarter" idx="5"/>
+          </p:nvPr>
+        </p:nvSpPr>
+        <p:spPr/>
+        <p:txBody>
+          <a:bodyPr/>
+          <a:lstStyle/>
+          <a:p>
+            <a:fld id="{28BFDFC6-FC95-451E-8C0D-63ACBF281786}" type="slidenum">
+              <a:rPr lang="en-GB" smtClean="0"/>
+              <a:t>36</a:t>
+            </a:fld>
+            <a:endParaRPr lang="en-GB"/>
+          </a:p>
+        </p:txBody>
+      </p:sp>
+    </p:spTree>
+    <p:extLst>
+      <p:ext uri="{BB962C8B-B14F-4D97-AF65-F5344CB8AC3E}">
+        <p14:creationId xmlns:p14="http://schemas.microsoft.com/office/powerpoint/2010/main" val="3131441011"/>
+      </p:ext>
+    </p:extLst>
+  </p:cSld>
+  <p:clrMapOvr>
+    <a:masterClrMapping/>
+  </p:clrMapOvr>
+</p:notes>
+</file>
+
+<file path=ppt/notesSlides/notesSlide21.xml><?xml version="1.0" encoding="utf-8"?>
+<p:notes xmlns:a="http://schemas.openxmlformats.org/drawingml/2006/main" xmlns:r="http://schemas.openxmlformats.org/officeDocument/2006/relationships" xmlns:p="http://schemas.openxmlformats.org/presentationml/2006/main">
+  <p:cSld>
+    <p:spTree>
+      <p:nvGrpSpPr>
+        <p:cNvPr id="1" name=""/>
+        <p:cNvGrpSpPr/>
+        <p:nvPr/>
+      </p:nvGrpSpPr>
+      <p:grpSpPr>
+        <a:xfrm>
+          <a:off x="0" y="0"/>
+          <a:ext cx="0" cy="0"/>
+          <a:chOff x="0" y="0"/>
+          <a:chExt cx="0" cy="0"/>
+        </a:xfrm>
+      </p:grpSpPr>
+      <p:sp>
+        <p:nvSpPr>
+          <p:cNvPr id="2" name="Slide Image Placeholder 1"/>
+          <p:cNvSpPr>
+            <a:spLocks noGrp="1" noRot="1" noChangeAspect="1"/>
+          </p:cNvSpPr>
+          <p:nvPr>
+            <p:ph type="sldImg"/>
+          </p:nvPr>
+        </p:nvSpPr>
+        <p:spPr/>
+      </p:sp>
+      <p:sp>
+        <p:nvSpPr>
+          <p:cNvPr id="3" name="Notes Placeholder 2"/>
+          <p:cNvSpPr>
+            <a:spLocks noGrp="1"/>
+          </p:cNvSpPr>
+          <p:nvPr>
+            <p:ph type="body" idx="1"/>
+          </p:nvPr>
+        </p:nvSpPr>
+        <p:spPr/>
+        <p:txBody>
+          <a:bodyPr/>
+          <a:lstStyle/>
+          <a:p>
+            <a:r>
+              <a:rPr lang="en-GB" dirty="0"/>
+              <a:t>We have covered a  huge amount today. </a:t>
+            </a:r>
+          </a:p>
+          <a:p>
+            <a:r>
+              <a:rPr lang="en-GB" dirty="0"/>
+              <a:t>I think you can see that there are a lot of security tools in Azure you *can* use. I don’t think you should use them all.</a:t>
+            </a:r>
+          </a:p>
+          <a:p>
+            <a:r>
+              <a:rPr lang="en-GB" dirty="0"/>
+              <a:t>If Compliance is very important to you – consider choosing SQL as it has the most security and compliance features.</a:t>
+            </a:r>
+          </a:p>
+          <a:p>
+            <a:r>
+              <a:rPr lang="en-GB" dirty="0"/>
+              <a:t>Finally, do prioritise the monitoring and alerting side.</a:t>
+            </a:r>
+          </a:p>
+        </p:txBody>
+      </p:sp>
+      <p:sp>
+        <p:nvSpPr>
+          <p:cNvPr id="4" name="Slide Number Placeholder 3"/>
+          <p:cNvSpPr>
+            <a:spLocks noGrp="1"/>
+          </p:cNvSpPr>
+          <p:nvPr>
+            <p:ph type="sldNum" sz="quarter" idx="5"/>
+          </p:nvPr>
+        </p:nvSpPr>
+        <p:spPr/>
+        <p:txBody>
+          <a:bodyPr/>
+          <a:lstStyle/>
+          <a:p>
+            <a:fld id="{28BFDFC6-FC95-451E-8C0D-63ACBF281786}" type="slidenum">
+              <a:rPr lang="en-GB" smtClean="0"/>
+              <a:t>44</a:t>
+            </a:fld>
+            <a:endParaRPr lang="en-GB"/>
+          </a:p>
+        </p:txBody>
+      </p:sp>
+    </p:spTree>
+    <p:extLst>
+      <p:ext uri="{BB962C8B-B14F-4D97-AF65-F5344CB8AC3E}">
+        <p14:creationId xmlns:p14="http://schemas.microsoft.com/office/powerpoint/2010/main" val="2763514343"/>
+      </p:ext>
+    </p:extLst>
+  </p:cSld>
+  <p:clrMapOvr>
+    <a:masterClrMapping/>
+  </p:clrMapOvr>
+</p:notes>
+</file>
+
 <file path=ppt/notesSlides/notesSlide3.xml><?xml version="1.0" encoding="utf-8"?>
 <p:notes xmlns:a="http://schemas.openxmlformats.org/drawingml/2006/main" xmlns:r="http://schemas.openxmlformats.org/officeDocument/2006/relationships" xmlns:p="http://schemas.openxmlformats.org/presentationml/2006/main">
   <p:cSld>
@@ -20822,7 +21170,7 @@
           <a:p>
             <a:r>
               <a:rPr lang="en-GB" baseline="0" dirty="0"/>
-              <a:t>My name is Frans Lytzen, I am CTO and co-founder of NewOrbit, a software company based near Oxford. </a:t>
+              <a:t>My name is Frans Lytzen, I am CTO and co-founder of NewOrbit, we’re an Azure Gold Partner company based near Oxford. </a:t>
             </a:r>
           </a:p>
           <a:p>
@@ -20837,7 +21185,15 @@
           <a:p>
             <a:r>
               <a:rPr lang="en-GB" baseline="0" dirty="0"/>
-              <a:t>We have been developing systems on Azure since 2011 and we are a Microsoft Gold Partner. A lot of the systems we develop have very tight security requirements and we have been working closely with Microsoft as they have been massively increasing the tools and options you have for security in Azure. </a:t>
+              <a:t>We have been developing systems on Azure since 2011 for enterprises and </a:t>
+            </a:r>
+            <a:r>
+              <a:rPr lang="en-GB" baseline="0" dirty="0" err="1"/>
+              <a:t>startups</a:t>
+            </a:r>
+            <a:r>
+              <a:rPr lang="en-GB" baseline="0" dirty="0"/>
+              <a:t>. A lot of the systems we develop have very tight security requirements and we have been working closely with Microsoft as they have been massively increasing the tools and options you have for security in Azure. </a:t>
             </a:r>
           </a:p>
         </p:txBody>
@@ -20924,7 +21280,7 @@
           <a:p>
             <a:r>
               <a:rPr lang="en-GB" dirty="0"/>
-              <a:t>One customer of mine found that an operator was being “helpful” by emailing himself extracts of data from a highly sensitive system so they could work on some analysis at home. </a:t>
+              <a:t>I will give you a framework to allow you to think about this. I will talk about specific tools that fit into the different spaces in that framework.</a:t>
             </a:r>
           </a:p>
         </p:txBody>
@@ -20946,7 +21302,7 @@
           <a:p>
             <a:fld id="{28BFDFC6-FC95-451E-8C0D-63ACBF281786}" type="slidenum">
               <a:rPr lang="en-GB" smtClean="0"/>
-              <a:t>6</a:t>
+              <a:t>4</a:t>
             </a:fld>
             <a:endParaRPr lang="en-GB"/>
           </a:p>
@@ -20955,7 +21311,7 @@
     </p:spTree>
     <p:extLst>
       <p:ext uri="{BB962C8B-B14F-4D97-AF65-F5344CB8AC3E}">
-        <p14:creationId xmlns:p14="http://schemas.microsoft.com/office/powerpoint/2010/main" val="1442363196"/>
+        <p14:creationId xmlns:p14="http://schemas.microsoft.com/office/powerpoint/2010/main" val="3091970314"/>
       </p:ext>
     </p:extLst>
   </p:cSld>
@@ -21011,14 +21367,14 @@
           <a:p>
             <a:r>
               <a:rPr lang="en-GB" dirty="0"/>
-              <a:t>Most developer who think about security think about how to stop an attacker hacking your application. That is only the first step.</a:t>
-            </a:r>
-          </a:p>
-          <a:p>
-            <a:endParaRPr lang="en-GB" dirty="0"/>
-          </a:p>
-          <a:p>
-            <a:endParaRPr lang="en-GB" dirty="0"/>
+              <a:t>One customer of mine found that an operator was being “helpful” by emailing himself extracts of data from a highly sensitive system so they could work on some analysis at home. </a:t>
+            </a:r>
+          </a:p>
+          <a:p>
+            <a:r>
+              <a:rPr lang="en-GB" dirty="0"/>
+              <a:t>Belgian bank example.</a:t>
+            </a:r>
           </a:p>
         </p:txBody>
       </p:sp>
@@ -21039,7 +21395,7 @@
           <a:p>
             <a:fld id="{28BFDFC6-FC95-451E-8C0D-63ACBF281786}" type="slidenum">
               <a:rPr lang="en-GB" smtClean="0"/>
-              <a:t>8</a:t>
+              <a:t>6</a:t>
             </a:fld>
             <a:endParaRPr lang="en-GB"/>
           </a:p>
@@ -21048,7 +21404,7 @@
     </p:spTree>
     <p:extLst>
       <p:ext uri="{BB962C8B-B14F-4D97-AF65-F5344CB8AC3E}">
-        <p14:creationId xmlns:p14="http://schemas.microsoft.com/office/powerpoint/2010/main" val="245176844"/>
+        <p14:creationId xmlns:p14="http://schemas.microsoft.com/office/powerpoint/2010/main" val="1442363196"/>
       </p:ext>
     </p:extLst>
   </p:cSld>
@@ -21102,7 +21458,22 @@
           <a:bodyPr/>
           <a:lstStyle/>
           <a:p>
-            <a:endParaRPr lang="en-GB" dirty="0"/>
+            <a:r>
+              <a:rPr lang="en-GB" dirty="0"/>
+              <a:t>Everyone is focused on Preventing external actors getting in. But you have to worry about internal actors now. </a:t>
+            </a:r>
+          </a:p>
+          <a:p>
+            <a:r>
+              <a:rPr lang="en-GB" dirty="0"/>
+              <a:t>How do you know your system isn’t under attack right now? How do you know it hasn’t already been breached and your data is out on the dark web?</a:t>
+            </a:r>
+          </a:p>
+          <a:p>
+            <a:r>
+              <a:rPr lang="en-GB" dirty="0"/>
+              <a:t>Finally; “assume breach” mindset – how do you mitigate the effect of someone breaching your system?</a:t>
+            </a:r>
           </a:p>
         </p:txBody>
       </p:sp>
@@ -21123,7 +21494,7 @@
           <a:p>
             <a:fld id="{28BFDFC6-FC95-451E-8C0D-63ACBF281786}" type="slidenum">
               <a:rPr lang="en-GB" smtClean="0"/>
-              <a:t>9</a:t>
+              <a:t>7</a:t>
             </a:fld>
             <a:endParaRPr lang="en-GB"/>
           </a:p>
@@ -21132,7 +21503,7 @@
     </p:spTree>
     <p:extLst>
       <p:ext uri="{BB962C8B-B14F-4D97-AF65-F5344CB8AC3E}">
-        <p14:creationId xmlns:p14="http://schemas.microsoft.com/office/powerpoint/2010/main" val="1856507660"/>
+        <p14:creationId xmlns:p14="http://schemas.microsoft.com/office/powerpoint/2010/main" val="3373191853"/>
       </p:ext>
     </p:extLst>
   </p:cSld>
@@ -21188,8 +21559,14 @@
           <a:p>
             <a:r>
               <a:rPr lang="en-GB" dirty="0"/>
-              <a:t>There is no substitute for this – no fancy tech is going to protect you if your code sucks. So start here.</a:t>
-            </a:r>
+              <a:t>Most developer who think about security think about how to stop an attacker hacking your application. That is only the first step.</a:t>
+            </a:r>
+          </a:p>
+          <a:p>
+            <a:endParaRPr lang="en-GB" dirty="0"/>
+          </a:p>
+          <a:p>
+            <a:endParaRPr lang="en-GB" dirty="0"/>
           </a:p>
         </p:txBody>
       </p:sp>
@@ -21210,7 +21587,7 @@
           <a:p>
             <a:fld id="{28BFDFC6-FC95-451E-8C0D-63ACBF281786}" type="slidenum">
               <a:rPr lang="en-GB" smtClean="0"/>
-              <a:t>11</a:t>
+              <a:t>8</a:t>
             </a:fld>
             <a:endParaRPr lang="en-GB"/>
           </a:p>
@@ -21219,7 +21596,7 @@
     </p:spTree>
     <p:extLst>
       <p:ext uri="{BB962C8B-B14F-4D97-AF65-F5344CB8AC3E}">
-        <p14:creationId xmlns:p14="http://schemas.microsoft.com/office/powerpoint/2010/main" val="1676040632"/>
+        <p14:creationId xmlns:p14="http://schemas.microsoft.com/office/powerpoint/2010/main" val="245176844"/>
       </p:ext>
     </p:extLst>
   </p:cSld>
@@ -21273,10 +21650,7 @@
           <a:bodyPr/>
           <a:lstStyle/>
           <a:p>
-            <a:r>
-              <a:rPr lang="en-GB" dirty="0"/>
-              <a:t>The point is that Azure already gives you a firewall</a:t>
-            </a:r>
+            <a:endParaRPr lang="en-GB" dirty="0"/>
           </a:p>
         </p:txBody>
       </p:sp>
@@ -21297,7 +21671,7 @@
           <a:p>
             <a:fld id="{28BFDFC6-FC95-451E-8C0D-63ACBF281786}" type="slidenum">
               <a:rPr lang="en-GB" smtClean="0"/>
-              <a:t>12</a:t>
+              <a:t>9</a:t>
             </a:fld>
             <a:endParaRPr lang="en-GB"/>
           </a:p>
@@ -21306,7 +21680,7 @@
     </p:spTree>
     <p:extLst>
       <p:ext uri="{BB962C8B-B14F-4D97-AF65-F5344CB8AC3E}">
-        <p14:creationId xmlns:p14="http://schemas.microsoft.com/office/powerpoint/2010/main" val="3489728169"/>
+        <p14:creationId xmlns:p14="http://schemas.microsoft.com/office/powerpoint/2010/main" val="1856507660"/>
       </p:ext>
     </p:extLst>
   </p:cSld>
@@ -21362,7 +21736,7 @@
           <a:p>
             <a:r>
               <a:rPr lang="en-GB" dirty="0"/>
-              <a:t>I don’t recommend Azure’s WAF, just from personal experience but there are other providers out there.</a:t>
+              <a:t>There is no substitute for this – no fancy tech is going to protect you if your code sucks. So start here.</a:t>
             </a:r>
           </a:p>
         </p:txBody>
@@ -21384,7 +21758,7 @@
           <a:p>
             <a:fld id="{28BFDFC6-FC95-451E-8C0D-63ACBF281786}" type="slidenum">
               <a:rPr lang="en-GB" smtClean="0"/>
-              <a:t>13</a:t>
+              <a:t>11</a:t>
             </a:fld>
             <a:endParaRPr lang="en-GB"/>
           </a:p>
@@ -21393,7 +21767,7 @@
     </p:spTree>
     <p:extLst>
       <p:ext uri="{BB962C8B-B14F-4D97-AF65-F5344CB8AC3E}">
-        <p14:creationId xmlns:p14="http://schemas.microsoft.com/office/powerpoint/2010/main" val="127709550"/>
+        <p14:creationId xmlns:p14="http://schemas.microsoft.com/office/powerpoint/2010/main" val="1676040632"/>
       </p:ext>
     </p:extLst>
   </p:cSld>
@@ -27015,7 +27389,7 @@
 </file>
 
 <file path=ppt/slides/slide12.xml><?xml version="1.0" encoding="utf-8"?>
-<p:sld xmlns:a="http://schemas.openxmlformats.org/drawingml/2006/main" xmlns:r="http://schemas.openxmlformats.org/officeDocument/2006/relationships" xmlns:p="http://schemas.openxmlformats.org/presentationml/2006/main" show="0">
+<p:sld xmlns:a="http://schemas.openxmlformats.org/drawingml/2006/main" xmlns:r="http://schemas.openxmlformats.org/officeDocument/2006/relationships" xmlns:p="http://schemas.openxmlformats.org/presentationml/2006/main">
   <p:cSld>
     <p:spTree>
       <p:nvGrpSpPr>
@@ -27150,7 +27524,7 @@
         <p:spPr>
           <a:xfrm>
             <a:off x="5456412" y="772316"/>
-            <a:ext cx="3067291" cy="5663089"/>
+            <a:ext cx="3716464" cy="5663089"/>
           </a:xfrm>
           <a:prstGeom prst="rect">
             <a:avLst/>
@@ -27172,7 +27546,7 @@
             </a:pPr>
             <a:r>
               <a:rPr lang="en-GB" dirty="0"/>
-              <a:t>You can’t put an Azure Web App behind a virtual network; it is always open to the internet.</a:t>
+              <a:t>You can’t put an Azure Web App behind a virtual network; it is always open to the internet (except in the context of restricting access for micro services)</a:t>
             </a:r>
           </a:p>
           <a:p>
@@ -27206,7 +27580,7 @@
             </a:pPr>
             <a:r>
               <a:rPr lang="en-GB" dirty="0"/>
-              <a:t>Azure’s Virtual Network Appliances, such as Firewalls and WAF are therefore of limited value.</a:t>
+              <a:t>Azure’s Virtual Network Appliances, such as Firewalls are therefore of limited value.</a:t>
             </a:r>
           </a:p>
           <a:p>
@@ -27267,7 +27641,7 @@
 </file>
 
 <file path=ppt/slides/slide13.xml><?xml version="1.0" encoding="utf-8"?>
-<p:sld xmlns:a="http://schemas.openxmlformats.org/drawingml/2006/main" xmlns:r="http://schemas.openxmlformats.org/officeDocument/2006/relationships" xmlns:p="http://schemas.openxmlformats.org/presentationml/2006/main">
+<p:sld xmlns:a="http://schemas.openxmlformats.org/drawingml/2006/main" xmlns:r="http://schemas.openxmlformats.org/officeDocument/2006/relationships" xmlns:p="http://schemas.openxmlformats.org/presentationml/2006/main" show="0">
   <p:cSld>
     <p:spTree>
       <p:nvGrpSpPr>
@@ -30649,7 +31023,7 @@
           <p:nvPr/>
         </p:nvPicPr>
         <p:blipFill>
-          <a:blip r:embed="rId2"/>
+          <a:blip r:embed="rId3"/>
           <a:stretch>
             <a:fillRect/>
           </a:stretch>
@@ -30811,7 +31185,7 @@
           <p:nvPr/>
         </p:nvPicPr>
         <p:blipFill>
-          <a:blip r:embed="rId2"/>
+          <a:blip r:embed="rId3"/>
           <a:stretch>
             <a:fillRect/>
           </a:stretch>
@@ -35193,88 +35567,6 @@
       </p:sp>
       <p:sp>
         <p:nvSpPr>
-          <p:cNvPr id="4" name="TextBox 3">
-            <a:extLst>
-              <a:ext uri="{FF2B5EF4-FFF2-40B4-BE49-F238E27FC236}">
-                <a16:creationId xmlns:a16="http://schemas.microsoft.com/office/drawing/2014/main" id="{C9DE234C-CB8B-4F54-841E-67525F3B2639}"/>
-              </a:ext>
-            </a:extLst>
-          </p:cNvPr>
-          <p:cNvSpPr txBox="1"/>
-          <p:nvPr/>
-        </p:nvSpPr>
-        <p:spPr>
-          <a:xfrm>
-            <a:off x="7264866" y="2021747"/>
-            <a:ext cx="3285258" cy="369332"/>
-          </a:xfrm>
-          <a:prstGeom prst="rect">
-            <a:avLst/>
-          </a:prstGeom>
-          <a:solidFill>
-            <a:srgbClr val="FF0000"/>
-          </a:solidFill>
-        </p:spPr>
-        <p:txBody>
-          <a:bodyPr wrap="none" rtlCol="0">
-            <a:spAutoFit/>
-          </a:bodyPr>
-          <a:lstStyle/>
-          <a:p>
-            <a:r>
-              <a:rPr lang="en-GB" dirty="0"/>
-              <a:t>Picture of outbound </a:t>
-            </a:r>
-            <a:r>
-              <a:rPr lang="en-GB" dirty="0" err="1"/>
-              <a:t>ip</a:t>
-            </a:r>
-            <a:r>
-              <a:rPr lang="en-GB" dirty="0"/>
-              <a:t> addresses</a:t>
-            </a:r>
-          </a:p>
-        </p:txBody>
-      </p:sp>
-      <p:sp>
-        <p:nvSpPr>
-          <p:cNvPr id="5" name="TextBox 4">
-            <a:extLst>
-              <a:ext uri="{FF2B5EF4-FFF2-40B4-BE49-F238E27FC236}">
-                <a16:creationId xmlns:a16="http://schemas.microsoft.com/office/drawing/2014/main" id="{D395DE5E-C006-4D88-963B-0C8E77EEFD09}"/>
-              </a:ext>
-            </a:extLst>
-          </p:cNvPr>
-          <p:cNvSpPr txBox="1"/>
-          <p:nvPr/>
-        </p:nvSpPr>
-        <p:spPr>
-          <a:xfrm>
-            <a:off x="7323589" y="3254929"/>
-            <a:ext cx="3917659" cy="369332"/>
-          </a:xfrm>
-          <a:prstGeom prst="rect">
-            <a:avLst/>
-          </a:prstGeom>
-          <a:solidFill>
-            <a:srgbClr val="FF0000"/>
-          </a:solidFill>
-        </p:spPr>
-        <p:txBody>
-          <a:bodyPr wrap="square" rtlCol="0">
-            <a:spAutoFit/>
-          </a:bodyPr>
-          <a:lstStyle/>
-          <a:p>
-            <a:r>
-              <a:rPr lang="en-GB" dirty="0"/>
-              <a:t>Picture of SQL Firewall rules</a:t>
-            </a:r>
-          </a:p>
-        </p:txBody>
-      </p:sp>
-      <p:sp>
-        <p:nvSpPr>
           <p:cNvPr id="6" name="TextBox 5">
             <a:extLst>
               <a:ext uri="{FF2B5EF4-FFF2-40B4-BE49-F238E27FC236}">
@@ -35378,6 +35670,76 @@
           </a:p>
         </p:txBody>
       </p:sp>
+      <p:pic>
+        <p:nvPicPr>
+          <p:cNvPr id="7" name="Picture 6">
+            <a:extLst>
+              <a:ext uri="{FF2B5EF4-FFF2-40B4-BE49-F238E27FC236}">
+                <a16:creationId xmlns:a16="http://schemas.microsoft.com/office/drawing/2014/main" id="{EEEB67DC-D065-4DA2-A748-2EB2C8D5D156}"/>
+              </a:ext>
+            </a:extLst>
+          </p:cNvPr>
+          <p:cNvPicPr>
+            <a:picLocks noChangeAspect="1"/>
+          </p:cNvPicPr>
+          <p:nvPr/>
+        </p:nvPicPr>
+        <p:blipFill>
+          <a:blip r:embed="rId2"/>
+          <a:stretch>
+            <a:fillRect/>
+          </a:stretch>
+        </p:blipFill>
+        <p:spPr>
+          <a:xfrm>
+            <a:off x="5614335" y="1524856"/>
+            <a:ext cx="5897480" cy="4855806"/>
+          </a:xfrm>
+          <a:prstGeom prst="rect">
+            <a:avLst/>
+          </a:prstGeom>
+          <a:ln>
+            <a:solidFill>
+              <a:schemeClr val="tx1"/>
+            </a:solidFill>
+          </a:ln>
+        </p:spPr>
+      </p:pic>
+      <p:pic>
+        <p:nvPicPr>
+          <p:cNvPr id="8" name="Picture 7">
+            <a:extLst>
+              <a:ext uri="{FF2B5EF4-FFF2-40B4-BE49-F238E27FC236}">
+                <a16:creationId xmlns:a16="http://schemas.microsoft.com/office/drawing/2014/main" id="{766221A5-4E3D-4083-85A8-562114FD7C3C}"/>
+              </a:ext>
+            </a:extLst>
+          </p:cNvPr>
+          <p:cNvPicPr>
+            <a:picLocks noChangeAspect="1"/>
+          </p:cNvPicPr>
+          <p:nvPr/>
+        </p:nvPicPr>
+        <p:blipFill>
+          <a:blip r:embed="rId3"/>
+          <a:stretch>
+            <a:fillRect/>
+          </a:stretch>
+        </p:blipFill>
+        <p:spPr>
+          <a:xfrm>
+            <a:off x="5236143" y="4128640"/>
+            <a:ext cx="6822870" cy="2601980"/>
+          </a:xfrm>
+          <a:prstGeom prst="rect">
+            <a:avLst/>
+          </a:prstGeom>
+          <a:ln>
+            <a:solidFill>
+              <a:schemeClr val="tx1"/>
+            </a:solidFill>
+          </a:ln>
+        </p:spPr>
+      </p:pic>
     </p:spTree>
     <p:extLst>
       <p:ext uri="{BB962C8B-B14F-4D97-AF65-F5344CB8AC3E}">
@@ -35388,6 +35750,126 @@
   <p:clrMapOvr>
     <a:masterClrMapping/>
   </p:clrMapOvr>
+  <p:timing>
+    <p:tnLst>
+      <p:par>
+        <p:cTn id="1" dur="indefinite" restart="never" nodeType="tmRoot">
+          <p:childTnLst>
+            <p:seq concurrent="1" nextAc="seek">
+              <p:cTn id="2" dur="indefinite" nodeType="mainSeq">
+                <p:childTnLst>
+                  <p:par>
+                    <p:cTn id="3" fill="hold">
+                      <p:stCondLst>
+                        <p:cond delay="indefinite"/>
+                      </p:stCondLst>
+                      <p:childTnLst>
+                        <p:par>
+                          <p:cTn id="4" fill="hold">
+                            <p:stCondLst>
+                              <p:cond delay="0"/>
+                            </p:stCondLst>
+                            <p:childTnLst>
+                              <p:par>
+                                <p:cTn id="5" presetID="1" presetClass="entr" presetSubtype="0" fill="hold" nodeType="clickEffect">
+                                  <p:stCondLst>
+                                    <p:cond delay="0"/>
+                                  </p:stCondLst>
+                                  <p:childTnLst>
+                                    <p:set>
+                                      <p:cBhvr>
+                                        <p:cTn id="6" dur="1" fill="hold">
+                                          <p:stCondLst>
+                                            <p:cond delay="0"/>
+                                          </p:stCondLst>
+                                        </p:cTn>
+                                        <p:tgtEl>
+                                          <p:spTgt spid="7"/>
+                                        </p:tgtEl>
+                                        <p:attrNameLst>
+                                          <p:attrName>style.visibility</p:attrName>
+                                        </p:attrNameLst>
+                                      </p:cBhvr>
+                                      <p:to>
+                                        <p:strVal val="visible"/>
+                                      </p:to>
+                                    </p:set>
+                                  </p:childTnLst>
+                                </p:cTn>
+                              </p:par>
+                            </p:childTnLst>
+                          </p:cTn>
+                        </p:par>
+                      </p:childTnLst>
+                    </p:cTn>
+                  </p:par>
+                  <p:par>
+                    <p:cTn id="7" fill="hold">
+                      <p:stCondLst>
+                        <p:cond delay="indefinite"/>
+                      </p:stCondLst>
+                      <p:childTnLst>
+                        <p:par>
+                          <p:cTn id="8" fill="hold">
+                            <p:stCondLst>
+                              <p:cond delay="0"/>
+                            </p:stCondLst>
+                            <p:childTnLst>
+                              <p:par>
+                                <p:cTn id="9" presetID="1" presetClass="entr" presetSubtype="0" fill="hold" nodeType="clickEffect">
+                                  <p:stCondLst>
+                                    <p:cond delay="0"/>
+                                  </p:stCondLst>
+                                  <p:childTnLst>
+                                    <p:set>
+                                      <p:cBhvr>
+                                        <p:cTn id="10" dur="1" fill="hold">
+                                          <p:stCondLst>
+                                            <p:cond delay="0"/>
+                                          </p:stCondLst>
+                                        </p:cTn>
+                                        <p:tgtEl>
+                                          <p:spTgt spid="8"/>
+                                        </p:tgtEl>
+                                        <p:attrNameLst>
+                                          <p:attrName>style.visibility</p:attrName>
+                                        </p:attrNameLst>
+                                      </p:cBhvr>
+                                      <p:to>
+                                        <p:strVal val="visible"/>
+                                      </p:to>
+                                    </p:set>
+                                  </p:childTnLst>
+                                </p:cTn>
+                              </p:par>
+                            </p:childTnLst>
+                          </p:cTn>
+                        </p:par>
+                      </p:childTnLst>
+                    </p:cTn>
+                  </p:par>
+                </p:childTnLst>
+              </p:cTn>
+              <p:prevCondLst>
+                <p:cond evt="onPrev" delay="0">
+                  <p:tgtEl>
+                    <p:sldTgt/>
+                  </p:tgtEl>
+                </p:cond>
+              </p:prevCondLst>
+              <p:nextCondLst>
+                <p:cond evt="onNext" delay="0">
+                  <p:tgtEl>
+                    <p:sldTgt/>
+                  </p:tgtEl>
+                </p:cond>
+              </p:nextCondLst>
+            </p:seq>
+          </p:childTnLst>
+        </p:cTn>
+      </p:par>
+    </p:tnLst>
+  </p:timing>
 </p:sld>
 </file>
 
@@ -41655,7 +42137,7 @@
         </p:xfrm>
         <a:graphic>
           <a:graphicData uri="http://schemas.openxmlformats.org/drawingml/2006/diagram">
-            <dgm:relIds xmlns:dgm="http://schemas.openxmlformats.org/drawingml/2006/diagram" xmlns:r="http://schemas.openxmlformats.org/officeDocument/2006/relationships" r:dm="rId2" r:lo="rId3" r:qs="rId4" r:cs="rId5"/>
+            <dgm:relIds xmlns:dgm="http://schemas.openxmlformats.org/drawingml/2006/diagram" xmlns:r="http://schemas.openxmlformats.org/officeDocument/2006/relationships" r:dm="rId3" r:lo="rId4" r:qs="rId5" r:cs="rId6"/>
           </a:graphicData>
         </a:graphic>
       </p:graphicFrame>

--- a/Secure Your Web App Presentation.pptx
+++ b/Secure Your Web App Presentation.pptx
@@ -11,8 +11,8 @@
     <p:handoutMasterId r:id="rId51"/>
   </p:handoutMasterIdLst>
   <p:sldIdLst>
-    <p:sldId id="256" r:id="rId5"/>
-    <p:sldId id="257" r:id="rId6"/>
+    <p:sldId id="373" r:id="rId5"/>
+    <p:sldId id="256" r:id="rId6"/>
     <p:sldId id="327" r:id="rId7"/>
     <p:sldId id="315" r:id="rId8"/>
     <p:sldId id="320" r:id="rId9"/>
@@ -159,8 +159,8 @@
       <p14:sectionLst xmlns:p14="http://schemas.microsoft.com/office/powerpoint/2010/main">
         <p14:section name="Intro" id="{B0EF9C0B-72EE-49FE-A83B-7EA57245ACA8}">
           <p14:sldIdLst>
+            <p14:sldId id="373"/>
             <p14:sldId id="256"/>
-            <p14:sldId id="257"/>
             <p14:sldId id="327"/>
             <p14:sldId id="315"/>
           </p14:sldIdLst>
@@ -19304,7 +19304,7 @@
           <a:p>
             <a:fld id="{F9B9DDAF-344C-4B97-B1A7-71F4009E1E87}" type="datetimeFigureOut">
               <a:rPr lang="en-GB" smtClean="0"/>
-              <a:t>11/10/2019</a:t>
+              <a:t>15/10/2019</a:t>
             </a:fld>
             <a:endParaRPr lang="en-GB"/>
           </a:p>
@@ -19469,7 +19469,7 @@
           <a:p>
             <a:fld id="{BC1A9063-1403-46A4-BEC5-FDCA07335B51}" type="datetimeFigureOut">
               <a:rPr lang="en-GB" smtClean="0"/>
-              <a:t>11/10/2019</a:t>
+              <a:t>15/10/2019</a:t>
             </a:fld>
             <a:endParaRPr lang="en-GB"/>
           </a:p>
@@ -19802,7 +19802,7 @@
           <a:p>
             <a:fld id="{28BFDFC6-FC95-451E-8C0D-63ACBF281786}" type="slidenum">
               <a:rPr lang="en-GB" smtClean="0"/>
-              <a:t>1</a:t>
+              <a:t>2</a:t>
             </a:fld>
             <a:endParaRPr lang="en-GB"/>
           </a:p>
@@ -19867,7 +19867,7 @@
           <a:p>
             <a:r>
               <a:rPr lang="en-GB" dirty="0"/>
-              <a:t>The point is that Azure already gives you a firewall</a:t>
+              <a:t>I don’t recommend Azure’s WAF, just from personal experience but there are other providers out there.</a:t>
             </a:r>
           </a:p>
         </p:txBody>
@@ -19889,7 +19889,7 @@
           <a:p>
             <a:fld id="{28BFDFC6-FC95-451E-8C0D-63ACBF281786}" type="slidenum">
               <a:rPr lang="en-GB" smtClean="0"/>
-              <a:t>12</a:t>
+              <a:t>13</a:t>
             </a:fld>
             <a:endParaRPr lang="en-GB"/>
           </a:p>
@@ -19898,7 +19898,7 @@
     </p:spTree>
     <p:extLst>
       <p:ext uri="{BB962C8B-B14F-4D97-AF65-F5344CB8AC3E}">
-        <p14:creationId xmlns:p14="http://schemas.microsoft.com/office/powerpoint/2010/main" val="3489728169"/>
+        <p14:creationId xmlns:p14="http://schemas.microsoft.com/office/powerpoint/2010/main" val="127709550"/>
       </p:ext>
     </p:extLst>
   </p:cSld>
@@ -19954,7 +19954,7 @@
           <a:p>
             <a:r>
               <a:rPr lang="en-GB" dirty="0"/>
-              <a:t>I don’t recommend Azure’s WAF, just from personal experience but there are other providers out there.</a:t>
+              <a:t>“Azure handle it” is hard to test locally and gives you less flexibility – but it is very easy. Especially helpful with oAuth2.</a:t>
             </a:r>
           </a:p>
         </p:txBody>
@@ -19976,7 +19976,7 @@
           <a:p>
             <a:fld id="{28BFDFC6-FC95-451E-8C0D-63ACBF281786}" type="slidenum">
               <a:rPr lang="en-GB" smtClean="0"/>
-              <a:t>13</a:t>
+              <a:t>17</a:t>
             </a:fld>
             <a:endParaRPr lang="en-GB"/>
           </a:p>
@@ -19985,7 +19985,7 @@
     </p:spTree>
     <p:extLst>
       <p:ext uri="{BB962C8B-B14F-4D97-AF65-F5344CB8AC3E}">
-        <p14:creationId xmlns:p14="http://schemas.microsoft.com/office/powerpoint/2010/main" val="127709550"/>
+        <p14:creationId xmlns:p14="http://schemas.microsoft.com/office/powerpoint/2010/main" val="4126318579"/>
       </p:ext>
     </p:extLst>
   </p:cSld>
@@ -20039,10 +20039,7 @@
           <a:bodyPr/>
           <a:lstStyle/>
           <a:p>
-            <a:r>
-              <a:rPr lang="en-GB" dirty="0"/>
-              <a:t>“Azure handle it” is hard to test locally and gives you less flexibility – but it is very easy. Especially helpful with oAuth2.</a:t>
-            </a:r>
+            <a:endParaRPr lang="en-GB" dirty="0"/>
           </a:p>
         </p:txBody>
       </p:sp>
@@ -20063,7 +20060,7 @@
           <a:p>
             <a:fld id="{28BFDFC6-FC95-451E-8C0D-63ACBF281786}" type="slidenum">
               <a:rPr lang="en-GB" smtClean="0"/>
-              <a:t>17</a:t>
+              <a:t>18</a:t>
             </a:fld>
             <a:endParaRPr lang="en-GB"/>
           </a:p>
@@ -20072,7 +20069,7 @@
     </p:spTree>
     <p:extLst>
       <p:ext uri="{BB962C8B-B14F-4D97-AF65-F5344CB8AC3E}">
-        <p14:creationId xmlns:p14="http://schemas.microsoft.com/office/powerpoint/2010/main" val="4126318579"/>
+        <p14:creationId xmlns:p14="http://schemas.microsoft.com/office/powerpoint/2010/main" val="3335208727"/>
       </p:ext>
     </p:extLst>
   </p:cSld>
@@ -20126,7 +20123,10 @@
           <a:bodyPr/>
           <a:lstStyle/>
           <a:p>
-            <a:endParaRPr lang="en-GB" dirty="0"/>
+            <a:r>
+              <a:rPr lang="en-GB" dirty="0"/>
+              <a:t>This is extremely cool. If you can find it in yourself to be excited about something in security – this is it!</a:t>
+            </a:r>
           </a:p>
         </p:txBody>
       </p:sp>
@@ -20147,7 +20147,7 @@
           <a:p>
             <a:fld id="{28BFDFC6-FC95-451E-8C0D-63ACBF281786}" type="slidenum">
               <a:rPr lang="en-GB" smtClean="0"/>
-              <a:t>18</a:t>
+              <a:t>21</a:t>
             </a:fld>
             <a:endParaRPr lang="en-GB"/>
           </a:p>
@@ -20156,7 +20156,7 @@
     </p:spTree>
     <p:extLst>
       <p:ext uri="{BB962C8B-B14F-4D97-AF65-F5344CB8AC3E}">
-        <p14:creationId xmlns:p14="http://schemas.microsoft.com/office/powerpoint/2010/main" val="3335208727"/>
+        <p14:creationId xmlns:p14="http://schemas.microsoft.com/office/powerpoint/2010/main" val="1127072788"/>
       </p:ext>
     </p:extLst>
   </p:cSld>
@@ -20212,7 +20212,7 @@
           <a:p>
             <a:r>
               <a:rPr lang="en-GB" dirty="0"/>
-              <a:t>This is extremely cool. If you can find it in yourself to be excited about something in security – this is it!</a:t>
+              <a:t>Remember Managed Identity? The combination of these two is epic.</a:t>
             </a:r>
           </a:p>
         </p:txBody>
@@ -20234,7 +20234,7 @@
           <a:p>
             <a:fld id="{28BFDFC6-FC95-451E-8C0D-63ACBF281786}" type="slidenum">
               <a:rPr lang="en-GB" smtClean="0"/>
-              <a:t>21</a:t>
+              <a:t>22</a:t>
             </a:fld>
             <a:endParaRPr lang="en-GB"/>
           </a:p>
@@ -20243,7 +20243,7 @@
     </p:spTree>
     <p:extLst>
       <p:ext uri="{BB962C8B-B14F-4D97-AF65-F5344CB8AC3E}">
-        <p14:creationId xmlns:p14="http://schemas.microsoft.com/office/powerpoint/2010/main" val="1127072788"/>
+        <p14:creationId xmlns:p14="http://schemas.microsoft.com/office/powerpoint/2010/main" val="323209202"/>
       </p:ext>
     </p:extLst>
   </p:cSld>
@@ -20299,7 +20299,45 @@
           <a:p>
             <a:r>
               <a:rPr lang="en-GB" dirty="0"/>
-              <a:t>Remember Managed Identity? The combination of these two is epic.</a:t>
+              <a:t>The </a:t>
+            </a:r>
+            <a:r>
+              <a:rPr lang="en-GB" dirty="0" err="1"/>
+              <a:t>AppAuthentication</a:t>
+            </a:r>
+            <a:r>
+              <a:rPr lang="en-GB" dirty="0"/>
+              <a:t> </a:t>
+            </a:r>
+            <a:r>
+              <a:rPr lang="en-GB" dirty="0" err="1"/>
+              <a:t>nuget</a:t>
+            </a:r>
+            <a:r>
+              <a:rPr lang="en-GB" dirty="0"/>
+              <a:t> package will automatically use your identity when developing locally, as long as you are domain joined to an Azure AD.</a:t>
+            </a:r>
+          </a:p>
+          <a:p>
+            <a:r>
+              <a:rPr lang="en-GB" dirty="0"/>
+              <a:t>The </a:t>
+            </a:r>
+            <a:r>
+              <a:rPr lang="en-GB" dirty="0" err="1"/>
+              <a:t>ASP.Net</a:t>
+            </a:r>
+            <a:r>
+              <a:rPr lang="en-GB" dirty="0"/>
+              <a:t> Core config integration will automatically add all the secrets to your </a:t>
+            </a:r>
+            <a:r>
+              <a:rPr lang="en-GB" dirty="0" err="1"/>
+              <a:t>IConfiguration</a:t>
+            </a:r>
+            <a:r>
+              <a:rPr lang="en-GB" dirty="0"/>
+              <a:t>.</a:t>
             </a:r>
           </a:p>
         </p:txBody>
@@ -20321,7 +20359,7 @@
           <a:p>
             <a:fld id="{28BFDFC6-FC95-451E-8C0D-63ACBF281786}" type="slidenum">
               <a:rPr lang="en-GB" smtClean="0"/>
-              <a:t>22</a:t>
+              <a:t>23</a:t>
             </a:fld>
             <a:endParaRPr lang="en-GB"/>
           </a:p>
@@ -20330,7 +20368,7 @@
     </p:spTree>
     <p:extLst>
       <p:ext uri="{BB962C8B-B14F-4D97-AF65-F5344CB8AC3E}">
-        <p14:creationId xmlns:p14="http://schemas.microsoft.com/office/powerpoint/2010/main" val="323209202"/>
+        <p14:creationId xmlns:p14="http://schemas.microsoft.com/office/powerpoint/2010/main" val="4110178745"/>
       </p:ext>
     </p:extLst>
   </p:cSld>
@@ -20384,48 +20422,7 @@
           <a:bodyPr/>
           <a:lstStyle/>
           <a:p>
-            <a:r>
-              <a:rPr lang="en-GB" dirty="0"/>
-              <a:t>The </a:t>
-            </a:r>
-            <a:r>
-              <a:rPr lang="en-GB" dirty="0" err="1"/>
-              <a:t>AppAuthentication</a:t>
-            </a:r>
-            <a:r>
-              <a:rPr lang="en-GB" dirty="0"/>
-              <a:t> </a:t>
-            </a:r>
-            <a:r>
-              <a:rPr lang="en-GB" dirty="0" err="1"/>
-              <a:t>nuget</a:t>
-            </a:r>
-            <a:r>
-              <a:rPr lang="en-GB" dirty="0"/>
-              <a:t> package will automatically use your identity when developing locally, as long as you are domain joined to an Azure AD.</a:t>
-            </a:r>
-          </a:p>
-          <a:p>
-            <a:r>
-              <a:rPr lang="en-GB" dirty="0"/>
-              <a:t>The </a:t>
-            </a:r>
-            <a:r>
-              <a:rPr lang="en-GB" dirty="0" err="1"/>
-              <a:t>ASP.Net</a:t>
-            </a:r>
-            <a:r>
-              <a:rPr lang="en-GB" dirty="0"/>
-              <a:t> Core config integration will automatically add all the secrets to your </a:t>
-            </a:r>
-            <a:r>
-              <a:rPr lang="en-GB" dirty="0" err="1"/>
-              <a:t>IConfiguration</a:t>
-            </a:r>
-            <a:r>
-              <a:rPr lang="en-GB" dirty="0"/>
-              <a:t>.</a:t>
-            </a:r>
+            <a:endParaRPr lang="en-GB" dirty="0"/>
           </a:p>
         </p:txBody>
       </p:sp>
@@ -20446,7 +20443,7 @@
           <a:p>
             <a:fld id="{28BFDFC6-FC95-451E-8C0D-63ACBF281786}" type="slidenum">
               <a:rPr lang="en-GB" smtClean="0"/>
-              <a:t>23</a:t>
+              <a:t>26</a:t>
             </a:fld>
             <a:endParaRPr lang="en-GB"/>
           </a:p>
@@ -20455,7 +20452,7 @@
     </p:spTree>
     <p:extLst>
       <p:ext uri="{BB962C8B-B14F-4D97-AF65-F5344CB8AC3E}">
-        <p14:creationId xmlns:p14="http://schemas.microsoft.com/office/powerpoint/2010/main" val="4110178745"/>
+        <p14:creationId xmlns:p14="http://schemas.microsoft.com/office/powerpoint/2010/main" val="2712079748"/>
       </p:ext>
     </p:extLst>
   </p:cSld>
@@ -20530,7 +20527,7 @@
           <a:p>
             <a:fld id="{28BFDFC6-FC95-451E-8C0D-63ACBF281786}" type="slidenum">
               <a:rPr lang="en-GB" smtClean="0"/>
-              <a:t>26</a:t>
+              <a:t>31</a:t>
             </a:fld>
             <a:endParaRPr lang="en-GB"/>
           </a:p>
@@ -20539,7 +20536,7 @@
     </p:spTree>
     <p:extLst>
       <p:ext uri="{BB962C8B-B14F-4D97-AF65-F5344CB8AC3E}">
-        <p14:creationId xmlns:p14="http://schemas.microsoft.com/office/powerpoint/2010/main" val="2712079748"/>
+        <p14:creationId xmlns:p14="http://schemas.microsoft.com/office/powerpoint/2010/main" val="809887005"/>
       </p:ext>
     </p:extLst>
   </p:cSld>
@@ -20593,7 +20590,18 @@
           <a:bodyPr/>
           <a:lstStyle/>
           <a:p>
-            <a:endParaRPr lang="en-GB" dirty="0"/>
+            <a:r>
+              <a:rPr lang="en-GB" dirty="0"/>
+              <a:t>Support for </a:t>
+            </a:r>
+            <a:r>
+              <a:rPr lang="en-GB" dirty="0" err="1"/>
+              <a:t>.Net</a:t>
+            </a:r>
+            <a:r>
+              <a:rPr lang="en-GB" dirty="0"/>
+              <a:t> Core is probably not there yet; noises about including in EF Core 3.0 but not sure if its in yet.</a:t>
+            </a:r>
           </a:p>
         </p:txBody>
       </p:sp>
@@ -20614,7 +20622,7 @@
           <a:p>
             <a:fld id="{28BFDFC6-FC95-451E-8C0D-63ACBF281786}" type="slidenum">
               <a:rPr lang="en-GB" smtClean="0"/>
-              <a:t>31</a:t>
+              <a:t>35</a:t>
             </a:fld>
             <a:endParaRPr lang="en-GB"/>
           </a:p>
@@ -20623,7 +20631,7 @@
     </p:spTree>
     <p:extLst>
       <p:ext uri="{BB962C8B-B14F-4D97-AF65-F5344CB8AC3E}">
-        <p14:creationId xmlns:p14="http://schemas.microsoft.com/office/powerpoint/2010/main" val="809887005"/>
+        <p14:creationId xmlns:p14="http://schemas.microsoft.com/office/powerpoint/2010/main" val="4158374773"/>
       </p:ext>
     </p:extLst>
   </p:cSld>
@@ -20677,18 +20685,7 @@
           <a:bodyPr/>
           <a:lstStyle/>
           <a:p>
-            <a:r>
-              <a:rPr lang="en-GB" dirty="0"/>
-              <a:t>Support for </a:t>
-            </a:r>
-            <a:r>
-              <a:rPr lang="en-GB" dirty="0" err="1"/>
-              <a:t>.Net</a:t>
-            </a:r>
-            <a:r>
-              <a:rPr lang="en-GB" dirty="0"/>
-              <a:t> Core is probably not there yet; noises about including in EF Core 3.0 but not sure if its in yet.</a:t>
-            </a:r>
+            <a:endParaRPr lang="en-GB" dirty="0"/>
           </a:p>
         </p:txBody>
       </p:sp>
@@ -20709,7 +20706,7 @@
           <a:p>
             <a:fld id="{28BFDFC6-FC95-451E-8C0D-63ACBF281786}" type="slidenum">
               <a:rPr lang="en-GB" smtClean="0"/>
-              <a:t>35</a:t>
+              <a:t>36</a:t>
             </a:fld>
             <a:endParaRPr lang="en-GB"/>
           </a:p>
@@ -20718,7 +20715,7 @@
     </p:spTree>
     <p:extLst>
       <p:ext uri="{BB962C8B-B14F-4D97-AF65-F5344CB8AC3E}">
-        <p14:creationId xmlns:p14="http://schemas.microsoft.com/office/powerpoint/2010/main" val="4158374773"/>
+        <p14:creationId xmlns:p14="http://schemas.microsoft.com/office/powerpoint/2010/main" val="3131441011"/>
       </p:ext>
     </p:extLst>
   </p:cSld>
@@ -20773,200 +20770,45 @@
           <a:lstStyle/>
           <a:p>
             <a:r>
-              <a:rPr lang="en-GB" dirty="0">
-                <a:highlight>
-                  <a:srgbClr val="FFFF00"/>
-                </a:highlight>
-              </a:rPr>
-              <a:t>Thank them</a:t>
-            </a:r>
-            <a:endParaRPr lang="en-GB" baseline="0" dirty="0">
-              <a:highlight>
-                <a:srgbClr val="FFFF00"/>
-              </a:highlight>
-            </a:endParaRPr>
-          </a:p>
-          <a:p>
-            <a:r>
-              <a:rPr lang="en-GB" baseline="0" dirty="0">
-                <a:highlight>
-                  <a:srgbClr val="FFFF00"/>
-                </a:highlight>
-              </a:rPr>
-              <a:t>Microsoft – venue, catering</a:t>
-            </a:r>
-          </a:p>
-          <a:p>
-            <a:r>
-              <a:rPr lang="en-GB" baseline="0" dirty="0">
-                <a:highlight>
-                  <a:srgbClr val="FFFF00"/>
-                </a:highlight>
-              </a:rPr>
-              <a:t>Black Marble – organisation/volunteers</a:t>
-            </a:r>
-          </a:p>
-          <a:p>
-            <a:r>
-              <a:rPr lang="en-GB" baseline="0" dirty="0" err="1">
-                <a:highlight>
-                  <a:srgbClr val="FFFF00"/>
-                </a:highlight>
-              </a:rPr>
-              <a:t>iO</a:t>
-            </a:r>
-            <a:r>
-              <a:rPr lang="en-GB" baseline="0" dirty="0">
-                <a:highlight>
-                  <a:srgbClr val="FFFF00"/>
-                </a:highlight>
-              </a:rPr>
-              <a:t> Associates – Platinum Sponsors</a:t>
-            </a:r>
-          </a:p>
-          <a:p>
-            <a:r>
-              <a:rPr lang="en-GB" baseline="0" dirty="0">
-                <a:highlight>
-                  <a:srgbClr val="FFFF00"/>
-                </a:highlight>
-              </a:rPr>
-              <a:t>DevExpress – speaker/volunteer shirts</a:t>
-            </a:r>
-          </a:p>
-          <a:p>
+              <a:rPr lang="en-GB" dirty="0"/>
+              <a:t>About</a:t>
+            </a:r>
             <a:r>
               <a:rPr lang="en-GB" baseline="0" dirty="0"/>
-              <a:t>Grey Matter – Gold sponsors</a:t>
-            </a:r>
+              <a:t> me</a:t>
+            </a:r>
+          </a:p>
+          <a:p>
+            <a:endParaRPr lang="en-GB" baseline="0" dirty="0"/>
           </a:p>
           <a:p>
             <a:r>
               <a:rPr lang="en-GB" baseline="0" dirty="0"/>
-              <a:t>NDC, Landmark information, Sonoco Trident – Silver Sponsors</a:t>
-            </a:r>
-          </a:p>
-          <a:p>
-            <a:pPr marL="0" marR="0" lvl="0" indent="0" algn="l" defTabSz="914400" rtl="0" eaLnBrk="1" fontAlgn="auto" latinLnBrk="0" hangingPunct="1">
-              <a:lnSpc>
-                <a:spcPct val="100000"/>
-              </a:lnSpc>
-              <a:spcBef>
-                <a:spcPts val="0"/>
-              </a:spcBef>
-              <a:spcAft>
-                <a:spcPts val="0"/>
-              </a:spcAft>
-              <a:buClrTx/>
-              <a:buSzTx/>
-              <a:buFontTx/>
-              <a:buNone/>
-              <a:tabLst/>
-              <a:defRPr/>
-            </a:pPr>
-            <a:r>
-              <a:rPr lang="en-GB" baseline="0" dirty="0">
-                <a:highlight>
-                  <a:srgbClr val="FFFF00"/>
-                </a:highlight>
-              </a:rPr>
-              <a:t>Global Data Sentinel – Agendas! </a:t>
-            </a:r>
+              <a:t>My name is Frans Lytzen, I am CTO and co-founder of NewOrbit, we’re an Azure Gold Partner company based near Oxford. </a:t>
+            </a:r>
+          </a:p>
+          <a:p>
             <a:endParaRPr lang="en-GB" baseline="0" dirty="0"/>
           </a:p>
           <a:p>
             <a:r>
-              <a:rPr lang="en-GB" dirty="0" err="1"/>
-              <a:t>RevDeBug</a:t>
-            </a:r>
-            <a:r>
-              <a:rPr lang="en-GB" dirty="0"/>
-              <a:t>, Manning, Redgate – Bronze Sponsors</a:t>
-            </a:r>
-          </a:p>
-        </p:txBody>
-      </p:sp>
-      <p:sp>
-        <p:nvSpPr>
-          <p:cNvPr id="4" name="Slide Number Placeholder 3"/>
-          <p:cNvSpPr>
-            <a:spLocks noGrp="1"/>
-          </p:cNvSpPr>
-          <p:nvPr>
-            <p:ph type="sldNum" sz="quarter" idx="10"/>
-          </p:nvPr>
-        </p:nvSpPr>
-        <p:spPr/>
-        <p:txBody>
-          <a:bodyPr/>
-          <a:lstStyle/>
-          <a:p>
-            <a:fld id="{3F1BB960-8AB5-4E1B-B65E-15E098ED59C1}" type="slidenum">
-              <a:rPr lang="en-GB" smtClean="0"/>
-              <a:t>2</a:t>
-            </a:fld>
-            <a:endParaRPr lang="en-GB"/>
-          </a:p>
-        </p:txBody>
-      </p:sp>
-    </p:spTree>
-    <p:extLst>
-      <p:ext uri="{BB962C8B-B14F-4D97-AF65-F5344CB8AC3E}">
-        <p14:creationId xmlns:p14="http://schemas.microsoft.com/office/powerpoint/2010/main" val="4008403409"/>
-      </p:ext>
-    </p:extLst>
-  </p:cSld>
-  <p:clrMapOvr>
-    <a:masterClrMapping/>
-  </p:clrMapOvr>
-</p:notes>
-</file>
-
-<file path=ppt/notesSlides/notesSlide20.xml><?xml version="1.0" encoding="utf-8"?>
-<p:notes xmlns:a="http://schemas.openxmlformats.org/drawingml/2006/main" xmlns:r="http://schemas.openxmlformats.org/officeDocument/2006/relationships" xmlns:p="http://schemas.openxmlformats.org/presentationml/2006/main">
-  <p:cSld>
-    <p:spTree>
-      <p:nvGrpSpPr>
-        <p:cNvPr id="1" name=""/>
-        <p:cNvGrpSpPr/>
-        <p:nvPr/>
-      </p:nvGrpSpPr>
-      <p:grpSpPr>
-        <a:xfrm>
-          <a:off x="0" y="0"/>
-          <a:ext cx="0" cy="0"/>
-          <a:chOff x="0" y="0"/>
-          <a:chExt cx="0" cy="0"/>
-        </a:xfrm>
-      </p:grpSpPr>
-      <p:sp>
-        <p:nvSpPr>
-          <p:cNvPr id="2" name="Slide Image Placeholder 1"/>
-          <p:cNvSpPr>
-            <a:spLocks noGrp="1" noRot="1" noChangeAspect="1"/>
-          </p:cNvSpPr>
-          <p:nvPr>
-            <p:ph type="sldImg"/>
-          </p:nvPr>
-        </p:nvSpPr>
-        <p:spPr/>
-      </p:sp>
-      <p:sp>
-        <p:nvSpPr>
-          <p:cNvPr id="3" name="Notes Placeholder 2"/>
-          <p:cNvSpPr>
-            <a:spLocks noGrp="1"/>
-          </p:cNvSpPr>
-          <p:nvPr>
-            <p:ph type="body" idx="1"/>
-          </p:nvPr>
-        </p:nvSpPr>
-        <p:spPr/>
-        <p:txBody>
-          <a:bodyPr/>
-          <a:lstStyle/>
-          <a:p>
-            <a:endParaRPr lang="en-GB" dirty="0"/>
+              <a:rPr lang="en-GB" baseline="0" dirty="0"/>
+              <a:t>Allow me to give you a bit of context. </a:t>
+            </a:r>
+          </a:p>
+          <a:p>
+            <a:r>
+              <a:rPr lang="en-GB" baseline="0" dirty="0"/>
+              <a:t>We have been developing systems on Azure since 2011 for enterprises and </a:t>
+            </a:r>
+            <a:r>
+              <a:rPr lang="en-GB" baseline="0" dirty="0" err="1"/>
+              <a:t>startups</a:t>
+            </a:r>
+            <a:r>
+              <a:rPr lang="en-GB" baseline="0" dirty="0"/>
+              <a:t>. A lot of the systems we develop have very tight security requirements and we have been working closely with Microsoft as they have been massively increasing the tools and options you have for security in Azure. </a:t>
+            </a:r>
           </a:p>
         </p:txBody>
       </p:sp>
@@ -20987,7 +20829,7 @@
           <a:p>
             <a:fld id="{28BFDFC6-FC95-451E-8C0D-63ACBF281786}" type="slidenum">
               <a:rPr lang="en-GB" smtClean="0"/>
-              <a:t>36</a:t>
+              <a:t>3</a:t>
             </a:fld>
             <a:endParaRPr lang="en-GB"/>
           </a:p>
@@ -20996,7 +20838,7 @@
     </p:spTree>
     <p:extLst>
       <p:ext uri="{BB962C8B-B14F-4D97-AF65-F5344CB8AC3E}">
-        <p14:creationId xmlns:p14="http://schemas.microsoft.com/office/powerpoint/2010/main" val="3131441011"/>
+        <p14:creationId xmlns:p14="http://schemas.microsoft.com/office/powerpoint/2010/main" val="3157911723"/>
       </p:ext>
     </p:extLst>
   </p:cSld>
@@ -21006,7 +20848,7 @@
 </p:notes>
 </file>
 
-<file path=ppt/notesSlides/notesSlide21.xml><?xml version="1.0" encoding="utf-8"?>
+<file path=ppt/notesSlides/notesSlide20.xml><?xml version="1.0" encoding="utf-8"?>
 <p:notes xmlns:a="http://schemas.openxmlformats.org/drawingml/2006/main" xmlns:r="http://schemas.openxmlformats.org/officeDocument/2006/relationships" xmlns:p="http://schemas.openxmlformats.org/presentationml/2006/main">
   <p:cSld>
     <p:spTree>
@@ -21157,43 +20999,7 @@
           <a:p>
             <a:r>
               <a:rPr lang="en-GB" dirty="0"/>
-              <a:t>About</a:t>
-            </a:r>
-            <a:r>
-              <a:rPr lang="en-GB" baseline="0" dirty="0"/>
-              <a:t> me</a:t>
-            </a:r>
-          </a:p>
-          <a:p>
-            <a:endParaRPr lang="en-GB" baseline="0" dirty="0"/>
-          </a:p>
-          <a:p>
-            <a:r>
-              <a:rPr lang="en-GB" baseline="0" dirty="0"/>
-              <a:t>My name is Frans Lytzen, I am CTO and co-founder of NewOrbit, we’re an Azure Gold Partner company based near Oxford. </a:t>
-            </a:r>
-          </a:p>
-          <a:p>
-            <a:endParaRPr lang="en-GB" baseline="0" dirty="0"/>
-          </a:p>
-          <a:p>
-            <a:r>
-              <a:rPr lang="en-GB" baseline="0" dirty="0"/>
-              <a:t>Allow me to give you a bit of context. </a:t>
-            </a:r>
-          </a:p>
-          <a:p>
-            <a:r>
-              <a:rPr lang="en-GB" baseline="0" dirty="0"/>
-              <a:t>We have been developing systems on Azure since 2011 for enterprises and </a:t>
-            </a:r>
-            <a:r>
-              <a:rPr lang="en-GB" baseline="0" dirty="0" err="1"/>
-              <a:t>startups</a:t>
-            </a:r>
-            <a:r>
-              <a:rPr lang="en-GB" baseline="0" dirty="0"/>
-              <a:t>. A lot of the systems we develop have very tight security requirements and we have been working closely with Microsoft as they have been massively increasing the tools and options you have for security in Azure. </a:t>
+              <a:t>I will give you a framework to allow you to think about this. I will talk about specific tools that fit into the different spaces in that framework.</a:t>
             </a:r>
           </a:p>
         </p:txBody>
@@ -21215,7 +21021,7 @@
           <a:p>
             <a:fld id="{28BFDFC6-FC95-451E-8C0D-63ACBF281786}" type="slidenum">
               <a:rPr lang="en-GB" smtClean="0"/>
-              <a:t>3</a:t>
+              <a:t>4</a:t>
             </a:fld>
             <a:endParaRPr lang="en-GB"/>
           </a:p>
@@ -21224,7 +21030,7 @@
     </p:spTree>
     <p:extLst>
       <p:ext uri="{BB962C8B-B14F-4D97-AF65-F5344CB8AC3E}">
-        <p14:creationId xmlns:p14="http://schemas.microsoft.com/office/powerpoint/2010/main" val="3157911723"/>
+        <p14:creationId xmlns:p14="http://schemas.microsoft.com/office/powerpoint/2010/main" val="3091970314"/>
       </p:ext>
     </p:extLst>
   </p:cSld>
@@ -21280,7 +21086,13 @@
           <a:p>
             <a:r>
               <a:rPr lang="en-GB" dirty="0"/>
-              <a:t>I will give you a framework to allow you to think about this. I will talk about specific tools that fit into the different spaces in that framework.</a:t>
+              <a:t>One customer of mine found that an operator was being “helpful” by emailing himself extracts of data from a highly sensitive system so they could work on some analysis at home. </a:t>
+            </a:r>
+          </a:p>
+          <a:p>
+            <a:r>
+              <a:rPr lang="en-GB" dirty="0"/>
+              <a:t>Belgian bank example.</a:t>
             </a:r>
           </a:p>
         </p:txBody>
@@ -21302,7 +21114,7 @@
           <a:p>
             <a:fld id="{28BFDFC6-FC95-451E-8C0D-63ACBF281786}" type="slidenum">
               <a:rPr lang="en-GB" smtClean="0"/>
-              <a:t>4</a:t>
+              <a:t>6</a:t>
             </a:fld>
             <a:endParaRPr lang="en-GB"/>
           </a:p>
@@ -21311,7 +21123,7 @@
     </p:spTree>
     <p:extLst>
       <p:ext uri="{BB962C8B-B14F-4D97-AF65-F5344CB8AC3E}">
-        <p14:creationId xmlns:p14="http://schemas.microsoft.com/office/powerpoint/2010/main" val="3091970314"/>
+        <p14:creationId xmlns:p14="http://schemas.microsoft.com/office/powerpoint/2010/main" val="1442363196"/>
       </p:ext>
     </p:extLst>
   </p:cSld>
@@ -21367,13 +21179,19 @@
           <a:p>
             <a:r>
               <a:rPr lang="en-GB" dirty="0"/>
-              <a:t>One customer of mine found that an operator was being “helpful” by emailing himself extracts of data from a highly sensitive system so they could work on some analysis at home. </a:t>
+              <a:t>Everyone is focused on Preventing external actors getting in. But you have to worry about internal actors now. </a:t>
             </a:r>
           </a:p>
           <a:p>
             <a:r>
               <a:rPr lang="en-GB" dirty="0"/>
-              <a:t>Belgian bank example.</a:t>
+              <a:t>How do you know your system isn’t under attack right now? How do you know it hasn’t already been breached and your data is out on the dark web?</a:t>
+            </a:r>
+          </a:p>
+          <a:p>
+            <a:r>
+              <a:rPr lang="en-GB" dirty="0"/>
+              <a:t>Finally; “assume breach” mindset – how do you mitigate the effect of someone breaching your system?</a:t>
             </a:r>
           </a:p>
         </p:txBody>
@@ -21395,7 +21213,7 @@
           <a:p>
             <a:fld id="{28BFDFC6-FC95-451E-8C0D-63ACBF281786}" type="slidenum">
               <a:rPr lang="en-GB" smtClean="0"/>
-              <a:t>6</a:t>
+              <a:t>7</a:t>
             </a:fld>
             <a:endParaRPr lang="en-GB"/>
           </a:p>
@@ -21404,7 +21222,7 @@
     </p:spTree>
     <p:extLst>
       <p:ext uri="{BB962C8B-B14F-4D97-AF65-F5344CB8AC3E}">
-        <p14:creationId xmlns:p14="http://schemas.microsoft.com/office/powerpoint/2010/main" val="1442363196"/>
+        <p14:creationId xmlns:p14="http://schemas.microsoft.com/office/powerpoint/2010/main" val="3373191853"/>
       </p:ext>
     </p:extLst>
   </p:cSld>
@@ -21460,20 +21278,14 @@
           <a:p>
             <a:r>
               <a:rPr lang="en-GB" dirty="0"/>
-              <a:t>Everyone is focused on Preventing external actors getting in. But you have to worry about internal actors now. </a:t>
-            </a:r>
-          </a:p>
-          <a:p>
-            <a:r>
-              <a:rPr lang="en-GB" dirty="0"/>
-              <a:t>How do you know your system isn’t under attack right now? How do you know it hasn’t already been breached and your data is out on the dark web?</a:t>
-            </a:r>
-          </a:p>
-          <a:p>
-            <a:r>
-              <a:rPr lang="en-GB" dirty="0"/>
-              <a:t>Finally; “assume breach” mindset – how do you mitigate the effect of someone breaching your system?</a:t>
-            </a:r>
+              <a:t>Most developer who think about security think about how to stop an attacker hacking your application. That is only the first step.</a:t>
+            </a:r>
+          </a:p>
+          <a:p>
+            <a:endParaRPr lang="en-GB" dirty="0"/>
+          </a:p>
+          <a:p>
+            <a:endParaRPr lang="en-GB" dirty="0"/>
           </a:p>
         </p:txBody>
       </p:sp>
@@ -21494,7 +21306,7 @@
           <a:p>
             <a:fld id="{28BFDFC6-FC95-451E-8C0D-63ACBF281786}" type="slidenum">
               <a:rPr lang="en-GB" smtClean="0"/>
-              <a:t>7</a:t>
+              <a:t>8</a:t>
             </a:fld>
             <a:endParaRPr lang="en-GB"/>
           </a:p>
@@ -21503,7 +21315,7 @@
     </p:spTree>
     <p:extLst>
       <p:ext uri="{BB962C8B-B14F-4D97-AF65-F5344CB8AC3E}">
-        <p14:creationId xmlns:p14="http://schemas.microsoft.com/office/powerpoint/2010/main" val="3373191853"/>
+        <p14:creationId xmlns:p14="http://schemas.microsoft.com/office/powerpoint/2010/main" val="245176844"/>
       </p:ext>
     </p:extLst>
   </p:cSld>
@@ -21557,15 +21369,6 @@
           <a:bodyPr/>
           <a:lstStyle/>
           <a:p>
-            <a:r>
-              <a:rPr lang="en-GB" dirty="0"/>
-              <a:t>Most developer who think about security think about how to stop an attacker hacking your application. That is only the first step.</a:t>
-            </a:r>
-          </a:p>
-          <a:p>
-            <a:endParaRPr lang="en-GB" dirty="0"/>
-          </a:p>
-          <a:p>
             <a:endParaRPr lang="en-GB" dirty="0"/>
           </a:p>
         </p:txBody>
@@ -21587,7 +21390,7 @@
           <a:p>
             <a:fld id="{28BFDFC6-FC95-451E-8C0D-63ACBF281786}" type="slidenum">
               <a:rPr lang="en-GB" smtClean="0"/>
-              <a:t>8</a:t>
+              <a:t>9</a:t>
             </a:fld>
             <a:endParaRPr lang="en-GB"/>
           </a:p>
@@ -21596,7 +21399,7 @@
     </p:spTree>
     <p:extLst>
       <p:ext uri="{BB962C8B-B14F-4D97-AF65-F5344CB8AC3E}">
-        <p14:creationId xmlns:p14="http://schemas.microsoft.com/office/powerpoint/2010/main" val="245176844"/>
+        <p14:creationId xmlns:p14="http://schemas.microsoft.com/office/powerpoint/2010/main" val="1856507660"/>
       </p:ext>
     </p:extLst>
   </p:cSld>
@@ -21650,7 +21453,10 @@
           <a:bodyPr/>
           <a:lstStyle/>
           <a:p>
-            <a:endParaRPr lang="en-GB" dirty="0"/>
+            <a:r>
+              <a:rPr lang="en-GB" dirty="0"/>
+              <a:t>There is no substitute for this – no fancy tech is going to protect you if your code sucks. So start here.</a:t>
+            </a:r>
           </a:p>
         </p:txBody>
       </p:sp>
@@ -21671,7 +21477,7 @@
           <a:p>
             <a:fld id="{28BFDFC6-FC95-451E-8C0D-63ACBF281786}" type="slidenum">
               <a:rPr lang="en-GB" smtClean="0"/>
-              <a:t>9</a:t>
+              <a:t>11</a:t>
             </a:fld>
             <a:endParaRPr lang="en-GB"/>
           </a:p>
@@ -21680,7 +21486,7 @@
     </p:spTree>
     <p:extLst>
       <p:ext uri="{BB962C8B-B14F-4D97-AF65-F5344CB8AC3E}">
-        <p14:creationId xmlns:p14="http://schemas.microsoft.com/office/powerpoint/2010/main" val="1856507660"/>
+        <p14:creationId xmlns:p14="http://schemas.microsoft.com/office/powerpoint/2010/main" val="1676040632"/>
       </p:ext>
     </p:extLst>
   </p:cSld>
@@ -21736,7 +21542,7 @@
           <a:p>
             <a:r>
               <a:rPr lang="en-GB" dirty="0"/>
-              <a:t>There is no substitute for this – no fancy tech is going to protect you if your code sucks. So start here.</a:t>
+              <a:t>The point is that Azure already gives you a firewall. But the firewall is there to protect Azure more than you.</a:t>
             </a:r>
           </a:p>
         </p:txBody>
@@ -21758,7 +21564,7 @@
           <a:p>
             <a:fld id="{28BFDFC6-FC95-451E-8C0D-63ACBF281786}" type="slidenum">
               <a:rPr lang="en-GB" smtClean="0"/>
-              <a:t>11</a:t>
+              <a:t>12</a:t>
             </a:fld>
             <a:endParaRPr lang="en-GB"/>
           </a:p>
@@ -21767,7 +21573,7 @@
     </p:spTree>
     <p:extLst>
       <p:ext uri="{BB962C8B-B14F-4D97-AF65-F5344CB8AC3E}">
-        <p14:creationId xmlns:p14="http://schemas.microsoft.com/office/powerpoint/2010/main" val="1676040632"/>
+        <p14:creationId xmlns:p14="http://schemas.microsoft.com/office/powerpoint/2010/main" val="3489728169"/>
       </p:ext>
     </p:extLst>
   </p:cSld>
@@ -21817,7 +21623,7 @@
           <a:p>
             <a:fld id="{720E4243-A1DB-4E4B-8CA3-24823D24DFA5}" type="datetime1">
               <a:rPr lang="en-GB" smtClean="0"/>
-              <a:t>11/10/2019</a:t>
+              <a:t>15/10/2019</a:t>
             </a:fld>
             <a:endParaRPr lang="en-GB" dirty="0"/>
           </a:p>
@@ -22514,7 +22320,7 @@
           <a:p>
             <a:fld id="{EDC53DD4-BDE4-4336-A4D8-73DDF094D59E}" type="datetime1">
               <a:rPr lang="en-GB" smtClean="0"/>
-              <a:t>11/10/2019</a:t>
+              <a:t>15/10/2019</a:t>
             </a:fld>
             <a:endParaRPr lang="en-GB"/>
           </a:p>
@@ -22659,7 +22465,7 @@
           <a:p>
             <a:fld id="{77911DC9-F3D7-4FA4-B952-4B07B5B20610}" type="datetime1">
               <a:rPr lang="en-GB" smtClean="0"/>
-              <a:t>11/10/2019</a:t>
+              <a:t>15/10/2019</a:t>
             </a:fld>
             <a:endParaRPr lang="en-GB"/>
           </a:p>
@@ -22775,7 +22581,7 @@
           <a:p>
             <a:fld id="{5E04619A-1179-4DE1-A4AD-61E0B389948A}" type="datetime1">
               <a:rPr lang="en-GB" smtClean="0"/>
-              <a:t>11/10/2019</a:t>
+              <a:t>15/10/2019</a:t>
             </a:fld>
             <a:endParaRPr lang="en-GB"/>
           </a:p>
@@ -23091,7 +22897,7 @@
           <a:p>
             <a:fld id="{CBC617EA-4200-462A-B976-622ADB4C30CB}" type="datetime1">
               <a:rPr lang="en-GB" smtClean="0"/>
-              <a:t>11/10/2019</a:t>
+              <a:t>15/10/2019</a:t>
             </a:fld>
             <a:endParaRPr lang="en-GB"/>
           </a:p>
@@ -23387,7 +23193,7 @@
           <a:p>
             <a:fld id="{EDE51ACF-F1F4-436C-B22F-D700C93E9D0C}" type="datetime1">
               <a:rPr lang="en-GB" smtClean="0"/>
-              <a:t>11/10/2019</a:t>
+              <a:t>15/10/2019</a:t>
             </a:fld>
             <a:endParaRPr lang="en-GB"/>
           </a:p>
@@ -23590,7 +23396,7 @@
           <a:p>
             <a:fld id="{1A6F60BD-F08A-483A-BE2F-CDAB8FDD72ED}" type="datetime1">
               <a:rPr lang="en-GB" smtClean="0"/>
-              <a:t>11/10/2019</a:t>
+              <a:t>15/10/2019</a:t>
             </a:fld>
             <a:endParaRPr lang="en-GB"/>
           </a:p>
@@ -23803,7 +23609,7 @@
           <a:p>
             <a:fld id="{3C855AC3-FC5F-4620-A149-C218BB65936D}" type="datetime1">
               <a:rPr lang="en-GB" smtClean="0"/>
-              <a:t>11/10/2019</a:t>
+              <a:t>15/10/2019</a:t>
             </a:fld>
             <a:endParaRPr lang="en-GB"/>
           </a:p>
@@ -24033,7 +23839,7 @@
           <a:p>
             <a:fld id="{9F039F87-66F3-45EC-B5F5-83701E92213B}" type="datetime1">
               <a:rPr lang="en-GB" smtClean="0"/>
-              <a:t>11/10/2019</a:t>
+              <a:t>15/10/2019</a:t>
             </a:fld>
             <a:endParaRPr lang="en-GB"/>
           </a:p>
@@ -24245,7 +24051,7 @@
           <a:p>
             <a:fld id="{BA21E936-BBDD-4619-BD7B-136E45EA1881}" type="datetime1">
               <a:rPr lang="en-GB" smtClean="0"/>
-              <a:t>11/10/2019</a:t>
+              <a:t>15/10/2019</a:t>
             </a:fld>
             <a:endParaRPr lang="en-GB"/>
           </a:p>
@@ -24361,7 +24167,7 @@
           <a:p>
             <a:fld id="{FE0A6900-AA33-4557-823C-2851D3797E28}" type="datetime1">
               <a:rPr lang="en-GB" smtClean="0"/>
-              <a:t>11/10/2019</a:t>
+              <a:t>15/10/2019</a:t>
             </a:fld>
             <a:endParaRPr lang="en-GB" dirty="0"/>
           </a:p>
@@ -24771,7 +24577,7 @@
           <a:p>
             <a:fld id="{01405A4C-F668-445B-AEE8-C9B3AD2B3139}" type="datetime1">
               <a:rPr lang="en-GB" smtClean="0"/>
-              <a:t>11/10/2019</a:t>
+              <a:t>15/10/2019</a:t>
             </a:fld>
             <a:endParaRPr lang="en-GB" dirty="0"/>
           </a:p>
@@ -25216,7 +25022,7 @@
           <a:p>
             <a:fld id="{4F2D900F-F7C6-4797-BAD8-C8A7E6681D93}" type="datetime1">
               <a:rPr lang="en-GB" smtClean="0"/>
-              <a:t>11/10/2019</a:t>
+              <a:t>15/10/2019</a:t>
             </a:fld>
             <a:endParaRPr lang="en-GB" dirty="0"/>
           </a:p>
@@ -25332,7 +25138,7 @@
           <a:p>
             <a:fld id="{FFF86087-A710-4014-8370-78B31C326E17}" type="datetime1">
               <a:rPr lang="en-GB" smtClean="0"/>
-              <a:t>11/10/2019</a:t>
+              <a:t>15/10/2019</a:t>
             </a:fld>
             <a:endParaRPr lang="en-GB" dirty="0"/>
           </a:p>
@@ -25750,7 +25556,7 @@
           <a:p>
             <a:fld id="{B307EE86-C55A-4E5D-B95C-BE8511D966D6}" type="datetime1">
               <a:rPr lang="en-GB" smtClean="0"/>
-              <a:t>11/10/2019</a:t>
+              <a:t>15/10/2019</a:t>
             </a:fld>
             <a:endParaRPr lang="en-GB"/>
           </a:p>
@@ -26026,7 +25832,7 @@
           <a:p>
             <a:fld id="{DB10EFFF-E8CA-463E-BD32-8A303AFFDDCD}" type="datetime1">
               <a:rPr lang="en-GB" smtClean="0"/>
-              <a:t>11/10/2019</a:t>
+              <a:t>15/10/2019</a:t>
             </a:fld>
             <a:endParaRPr lang="en-GB"/>
           </a:p>
@@ -26297,7 +26103,7 @@
           <a:p>
             <a:fld id="{44E8DFB4-92B2-4F8B-A559-4524D5FE7A72}" type="datetime1">
               <a:rPr lang="en-GB" smtClean="0"/>
-              <a:t>11/10/2019</a:t>
+              <a:t>15/10/2019</a:t>
             </a:fld>
             <a:endParaRPr lang="en-GB" dirty="0"/>
           </a:p>
@@ -26750,34 +26556,13 @@
 </file>
 
 <file path=ppt/slides/slide1.xml><?xml version="1.0" encoding="utf-8"?>
-<p:sld xmlns:a="http://schemas.openxmlformats.org/drawingml/2006/main" xmlns:r="http://schemas.openxmlformats.org/officeDocument/2006/relationships" xmlns:p="http://schemas.openxmlformats.org/presentationml/2006/main">
+<p:sld xmlns:a="http://schemas.openxmlformats.org/drawingml/2006/main" xmlns:r="http://schemas.openxmlformats.org/officeDocument/2006/relationships" xmlns:p="http://schemas.openxmlformats.org/presentationml/2006/main" show="0">
   <p:cSld>
     <p:bg>
       <p:bgPr>
-        <a:gradFill>
-          <a:gsLst>
-            <a:gs pos="0">
-              <a:schemeClr val="accent3">
-                <a:lumMod val="40000"/>
-                <a:lumOff val="60000"/>
-              </a:schemeClr>
-            </a:gs>
-            <a:gs pos="46000">
-              <a:schemeClr val="accent3">
-                <a:lumMod val="95000"/>
-                <a:lumOff val="5000"/>
-              </a:schemeClr>
-            </a:gs>
-            <a:gs pos="100000">
-              <a:schemeClr val="accent3">
-                <a:lumMod val="60000"/>
-              </a:schemeClr>
-            </a:gs>
-          </a:gsLst>
-          <a:path path="circle">
-            <a:fillToRect l="50000" t="130000" r="50000" b="-30000"/>
-          </a:path>
-        </a:gradFill>
+        <a:solidFill>
+          <a:schemeClr val="bg1"/>
+        </a:solidFill>
         <a:effectLst/>
       </p:bgPr>
     </p:bg>
@@ -26795,193 +26580,12 @@
           <a:chExt cx="0" cy="0"/>
         </a:xfrm>
       </p:grpSpPr>
-      <p:grpSp>
-        <p:nvGrpSpPr>
-          <p:cNvPr id="19" name="Group 18">
+      <p:sp>
+        <p:nvSpPr>
+          <p:cNvPr id="11" name="Rectangle 10">
             <a:extLst>
               <a:ext uri="{FF2B5EF4-FFF2-40B4-BE49-F238E27FC236}">
-                <a16:creationId xmlns:a16="http://schemas.microsoft.com/office/drawing/2014/main" id="{D2C4BFA1-2075-4901-9E24-E41D1FDD51FD}"/>
-              </a:ext>
-              <a:ext uri="{C183D7F6-B498-43B3-948B-1728B52AA6E4}">
-                <adec:decorative xmlns:adec="http://schemas.microsoft.com/office/drawing/2017/decorative" val="1"/>
-              </a:ext>
-            </a:extLst>
-          </p:cNvPr>
-          <p:cNvGrpSpPr>
-            <a:grpSpLocks noGrp="1" noUngrp="1" noRot="1" noChangeAspect="1" noMove="1" noResize="1"/>
-          </p:cNvGrpSpPr>
-          <p:nvPr>
-            <p:extLst>
-              <p:ext uri="{386F3935-93C4-4BCD-93E2-E3B085C9AB24}">
-                <p16:designElem xmlns:p16="http://schemas.microsoft.com/office/powerpoint/2015/main" val="1"/>
-              </p:ext>
-            </p:extLst>
-          </p:nvPr>
-        </p:nvGrpSpPr>
-        <p:grpSpPr>
-          <a:xfrm>
-            <a:off x="1155481" y="498348"/>
-            <a:ext cx="9902663" cy="5861304"/>
-            <a:chOff x="1155481" y="498348"/>
-            <a:chExt cx="9902663" cy="5861304"/>
-          </a:xfrm>
-        </p:grpSpPr>
-        <p:sp>
-          <p:nvSpPr>
-            <p:cNvPr id="20" name="Oval 5">
-              <a:extLst>
-                <a:ext uri="{FF2B5EF4-FFF2-40B4-BE49-F238E27FC236}">
-                  <a16:creationId xmlns:a16="http://schemas.microsoft.com/office/drawing/2014/main" id="{985A7375-E3AF-4F5C-85AE-17E8832952CA}"/>
-                </a:ext>
-                <a:ext uri="{C183D7F6-B498-43B3-948B-1728B52AA6E4}">
-                  <adec:decorative xmlns:adec="http://schemas.microsoft.com/office/drawing/2017/decorative" val="1"/>
-                </a:ext>
-              </a:extLst>
-            </p:cNvPr>
-            <p:cNvSpPr>
-              <a:spLocks noChangeArrowheads="1"/>
-            </p:cNvSpPr>
-            <p:nvPr>
-              <p:extLst>
-                <p:ext uri="{386F3935-93C4-4BCD-93E2-E3B085C9AB24}">
-                  <p16:designElem xmlns:p16="http://schemas.microsoft.com/office/powerpoint/2015/main" val="1"/>
-                </p:ext>
-              </p:extLst>
-            </p:nvPr>
-          </p:nvSpPr>
-          <p:spPr bwMode="auto">
-            <a:xfrm>
-              <a:off x="1155481" y="498348"/>
-              <a:ext cx="5861304" cy="5861304"/>
-            </a:xfrm>
-            <a:prstGeom prst="ellipse">
-              <a:avLst/>
-            </a:prstGeom>
-            <a:solidFill>
-              <a:schemeClr val="accent1">
-                <a:alpha val="55000"/>
-              </a:schemeClr>
-            </a:solidFill>
-            <a:ln>
-              <a:noFill/>
-            </a:ln>
-          </p:spPr>
-        </p:sp>
-        <p:sp>
-          <p:nvSpPr>
-            <p:cNvPr id="21" name="Oval 20">
-              <a:extLst>
-                <a:ext uri="{FF2B5EF4-FFF2-40B4-BE49-F238E27FC236}">
-                  <a16:creationId xmlns:a16="http://schemas.microsoft.com/office/drawing/2014/main" id="{F0307F65-8304-4FA8-A841-D4D7625411BE}"/>
-                </a:ext>
-                <a:ext uri="{C183D7F6-B498-43B3-948B-1728B52AA6E4}">
-                  <adec:decorative xmlns:adec="http://schemas.microsoft.com/office/drawing/2017/decorative" val="1"/>
-                </a:ext>
-              </a:extLst>
-            </p:cNvPr>
-            <p:cNvSpPr>
-              <a:spLocks noChangeArrowheads="1"/>
-            </p:cNvSpPr>
-            <p:nvPr>
-              <p:extLst>
-                <p:ext uri="{386F3935-93C4-4BCD-93E2-E3B085C9AB24}">
-                  <p16:designElem xmlns:p16="http://schemas.microsoft.com/office/powerpoint/2015/main" val="1"/>
-                </p:ext>
-              </p:extLst>
-            </p:nvPr>
-          </p:nvSpPr>
-          <p:spPr bwMode="auto">
-            <a:xfrm>
-              <a:off x="5196840" y="498348"/>
-              <a:ext cx="5861304" cy="5861304"/>
-            </a:xfrm>
-            <a:prstGeom prst="ellipse">
-              <a:avLst/>
-            </a:prstGeom>
-            <a:solidFill>
-              <a:schemeClr val="accent1">
-                <a:alpha val="55000"/>
-              </a:schemeClr>
-            </a:solidFill>
-            <a:ln>
-              <a:noFill/>
-            </a:ln>
-          </p:spPr>
-        </p:sp>
-        <p:sp>
-          <p:nvSpPr>
-            <p:cNvPr id="22" name="Oval 5">
-              <a:extLst>
-                <a:ext uri="{FF2B5EF4-FFF2-40B4-BE49-F238E27FC236}">
-                  <a16:creationId xmlns:a16="http://schemas.microsoft.com/office/drawing/2014/main" id="{C8B8394C-136F-4E05-A002-D93A5E79CD50}"/>
-                </a:ext>
-                <a:ext uri="{C183D7F6-B498-43B3-948B-1728B52AA6E4}">
-                  <adec:decorative xmlns:adec="http://schemas.microsoft.com/office/drawing/2017/decorative" val="1"/>
-                </a:ext>
-              </a:extLst>
-            </p:cNvPr>
-            <p:cNvSpPr>
-              <a:spLocks noChangeArrowheads="1"/>
-            </p:cNvSpPr>
-            <p:nvPr>
-              <p:extLst>
-                <p:ext uri="{386F3935-93C4-4BCD-93E2-E3B085C9AB24}">
-                  <p16:designElem xmlns:p16="http://schemas.microsoft.com/office/powerpoint/2015/main" val="1"/>
-                </p:ext>
-              </p:extLst>
-            </p:nvPr>
-          </p:nvSpPr>
-          <p:spPr bwMode="auto">
-            <a:xfrm>
-              <a:off x="3165348" y="498348"/>
-              <a:ext cx="5861304" cy="5861304"/>
-            </a:xfrm>
-            <a:prstGeom prst="ellipse">
-              <a:avLst/>
-            </a:prstGeom>
-            <a:solidFill>
-              <a:schemeClr val="accent1">
-                <a:alpha val="70000"/>
-              </a:schemeClr>
-            </a:solidFill>
-            <a:ln>
-              <a:noFill/>
-            </a:ln>
-          </p:spPr>
-        </p:sp>
-      </p:grpSp>
-      <p:sp>
-        <p:nvSpPr>
-          <p:cNvPr id="3" name="Subtitle 2"/>
-          <p:cNvSpPr>
-            <a:spLocks noGrp="1"/>
-          </p:cNvSpPr>
-          <p:nvPr>
-            <p:ph type="subTitle" idx="1"/>
-          </p:nvPr>
-        </p:nvSpPr>
-        <p:spPr>
-          <a:xfrm>
-            <a:off x="1524000" y="4495800"/>
-            <a:ext cx="9144000" cy="762000"/>
-          </a:xfrm>
-        </p:spPr>
-        <p:txBody>
-          <a:bodyPr>
-            <a:normAutofit/>
-          </a:bodyPr>
-          <a:lstStyle/>
-          <a:p>
-            <a:endParaRPr lang="en-GB" sz="1800"/>
-          </a:p>
-        </p:txBody>
-      </p:sp>
-      <p:sp>
-        <p:nvSpPr>
-          <p:cNvPr id="24" name="Rectangle 23">
-            <a:extLst>
-              <a:ext uri="{FF2B5EF4-FFF2-40B4-BE49-F238E27FC236}">
-                <a16:creationId xmlns:a16="http://schemas.microsoft.com/office/drawing/2014/main" id="{053FB2EE-284F-4C87-AB3D-BBF87A9FAB97}"/>
+                <a16:creationId xmlns:a16="http://schemas.microsoft.com/office/drawing/2014/main" id="{823AC064-BC96-4F32-8AE1-B2FD38754823}"/>
               </a:ext>
               <a:ext uri="{C183D7F6-B498-43B3-948B-1728B52AA6E4}">
                 <adec:decorative xmlns:adec="http://schemas.microsoft.com/office/drawing/2017/decorative" val="1"/>
@@ -26999,19 +26603,21 @@
             </p:extLst>
           </p:nvPr>
         </p:nvSpPr>
-        <p:spPr>
+        <p:spPr bwMode="ltGray">
           <a:xfrm>
-            <a:off x="0" y="2514600"/>
-            <a:ext cx="12192000" cy="1828800"/>
+            <a:off x="378068" y="4633546"/>
+            <a:ext cx="11438793" cy="1844256"/>
           </a:xfrm>
           <a:prstGeom prst="rect">
             <a:avLst/>
           </a:prstGeom>
           <a:solidFill>
-            <a:schemeClr val="tx2"/>
+            <a:srgbClr val="404040"/>
           </a:solidFill>
-          <a:ln>
-            <a:noFill/>
+          <a:ln w="127000" cap="sq" cmpd="thinThick">
+            <a:solidFill>
+              <a:srgbClr val="404040"/>
+            </a:solidFill>
           </a:ln>
         </p:spPr>
         <p:style>
@@ -27030,10 +26636,53 @@
             <a:schemeClr val="lt1"/>
           </a:fontRef>
         </p:style>
+        <p:txBody>
+          <a:bodyPr rtlCol="0" anchor="ctr"/>
+          <a:lstStyle/>
+          <a:p>
+            <a:pPr marL="0" marR="0" lvl="0" indent="0" algn="ctr" defTabSz="914400" rtl="0" eaLnBrk="1" fontAlgn="auto" latinLnBrk="0" hangingPunct="1">
+              <a:lnSpc>
+                <a:spcPct val="100000"/>
+              </a:lnSpc>
+              <a:spcBef>
+                <a:spcPts val="0"/>
+              </a:spcBef>
+              <a:spcAft>
+                <a:spcPts val="0"/>
+              </a:spcAft>
+              <a:buClrTx/>
+              <a:buSzTx/>
+              <a:buFontTx/>
+              <a:buNone/>
+              <a:tabLst/>
+              <a:defRPr/>
+            </a:pPr>
+            <a:endParaRPr kumimoji="0" lang="en-US" sz="1800" b="0" i="0" u="none" strike="noStrike" kern="1200" cap="none" spc="0" normalizeH="0" baseline="0" noProof="0">
+              <a:ln>
+                <a:noFill/>
+              </a:ln>
+              <a:solidFill>
+                <a:prstClr val="white"/>
+              </a:solidFill>
+              <a:effectLst/>
+              <a:uLnTx/>
+              <a:uFillTx/>
+              <a:latin typeface="Calibri" panose="020F0502020204030204"/>
+              <a:ea typeface="+mn-ea"/>
+              <a:cs typeface="+mn-cs"/>
+            </a:endParaRPr>
+          </a:p>
+        </p:txBody>
       </p:sp>
       <p:sp>
         <p:nvSpPr>
-          <p:cNvPr id="2" name="Title 1"/>
+          <p:cNvPr id="2" name="Title 1">
+            <a:extLst>
+              <a:ext uri="{FF2B5EF4-FFF2-40B4-BE49-F238E27FC236}">
+                <a16:creationId xmlns:a16="http://schemas.microsoft.com/office/drawing/2014/main" id="{C907E586-221A-41C2-BDE5-05E584A5A7AE}"/>
+              </a:ext>
+            </a:extLst>
+          </p:cNvPr>
           <p:cNvSpPr>
             <a:spLocks noGrp="1"/>
           </p:cNvSpPr>
@@ -27043,30 +26692,163 @@
         </p:nvSpPr>
         <p:spPr>
           <a:xfrm>
-            <a:off x="1524000" y="2776538"/>
-            <a:ext cx="9144000" cy="1381188"/>
+            <a:off x="526073" y="4756638"/>
+            <a:ext cx="11139854" cy="930447"/>
           </a:xfrm>
         </p:spPr>
         <p:txBody>
-          <a:bodyPr anchor="ctr">
+          <a:bodyPr>
             <a:normAutofit/>
           </a:bodyPr>
           <a:lstStyle/>
           <a:p>
             <a:r>
-              <a:rPr lang="en-GB" sz="4000" dirty="0">
+              <a:rPr lang="en-GB" sz="5400">
                 <a:solidFill>
-                  <a:schemeClr val="bg2"/>
+                  <a:srgbClr val="FFFFFF"/>
                 </a:solidFill>
               </a:rPr>
-              <a:t>Secure your Web App in Azure</a:t>
+              <a:t>Secure your Web Apps in Azure</a:t>
             </a:r>
           </a:p>
         </p:txBody>
       </p:sp>
       <p:sp>
         <p:nvSpPr>
-          <p:cNvPr id="4" name="Footer Placeholder 3"/>
+          <p:cNvPr id="3" name="Subtitle 2">
+            <a:extLst>
+              <a:ext uri="{FF2B5EF4-FFF2-40B4-BE49-F238E27FC236}">
+                <a16:creationId xmlns:a16="http://schemas.microsoft.com/office/drawing/2014/main" id="{343BB935-3416-4CC9-A5D0-11EBFF5F64B6}"/>
+              </a:ext>
+            </a:extLst>
+          </p:cNvPr>
+          <p:cNvSpPr>
+            <a:spLocks noGrp="1"/>
+          </p:cNvSpPr>
+          <p:nvPr>
+            <p:ph type="subTitle" idx="1"/>
+          </p:nvPr>
+        </p:nvSpPr>
+        <p:spPr>
+          <a:xfrm>
+            <a:off x="1524000" y="5815698"/>
+            <a:ext cx="9144000" cy="420001"/>
+          </a:xfrm>
+        </p:spPr>
+        <p:txBody>
+          <a:bodyPr>
+            <a:normAutofit/>
+          </a:bodyPr>
+          <a:lstStyle/>
+          <a:p>
+            <a:r>
+              <a:rPr lang="en-GB" sz="2000">
+                <a:solidFill>
+                  <a:srgbClr val="FFAE2D"/>
+                </a:solidFill>
+              </a:rPr>
+              <a:t>DDD14 Reading, October 2019</a:t>
+            </a:r>
+          </a:p>
+        </p:txBody>
+      </p:sp>
+      <p:pic>
+        <p:nvPicPr>
+          <p:cNvPr id="6" name="Picture 5" descr="A screenshot of a cell phone&#10;&#10;Description automatically generated">
+            <a:extLst>
+              <a:ext uri="{FF2B5EF4-FFF2-40B4-BE49-F238E27FC236}">
+                <a16:creationId xmlns:a16="http://schemas.microsoft.com/office/drawing/2014/main" id="{C2190C61-3C8E-4BDB-A0BC-1F8F12035957}"/>
+              </a:ext>
+            </a:extLst>
+          </p:cNvPr>
+          <p:cNvPicPr>
+            <a:picLocks noChangeAspect="1"/>
+          </p:cNvPicPr>
+          <p:nvPr/>
+        </p:nvPicPr>
+        <p:blipFill>
+          <a:blip r:embed="rId2">
+            <a:extLst>
+              <a:ext uri="{28A0092B-C50C-407E-A947-70E740481C1C}">
+                <a14:useLocalDpi xmlns:a14="http://schemas.microsoft.com/office/drawing/2010/main" val="0"/>
+              </a:ext>
+            </a:extLst>
+          </a:blip>
+          <a:stretch>
+            <a:fillRect/>
+          </a:stretch>
+        </p:blipFill>
+        <p:spPr>
+          <a:xfrm>
+            <a:off x="320040" y="395203"/>
+            <a:ext cx="11496821" cy="3822692"/>
+          </a:xfrm>
+          <a:prstGeom prst="rect">
+            <a:avLst/>
+          </a:prstGeom>
+        </p:spPr>
+      </p:pic>
+      <p:cxnSp>
+        <p:nvCxnSpPr>
+          <p:cNvPr id="13" name="Straight Connector 12">
+            <a:extLst>
+              <a:ext uri="{FF2B5EF4-FFF2-40B4-BE49-F238E27FC236}">
+                <a16:creationId xmlns:a16="http://schemas.microsoft.com/office/drawing/2014/main" id="{7E7C77BC-7138-40B1-A15B-20F57A494629}"/>
+              </a:ext>
+              <a:ext uri="{C183D7F6-B498-43B3-948B-1728B52AA6E4}">
+                <adec:decorative xmlns:adec="http://schemas.microsoft.com/office/drawing/2017/decorative" val="1"/>
+              </a:ext>
+            </a:extLst>
+          </p:cNvPr>
+          <p:cNvCxnSpPr>
+            <a:cxnSpLocks noGrp="1" noRot="1" noChangeAspect="1" noMove="1" noResize="1" noEditPoints="1" noAdjustHandles="1" noChangeArrowheads="1" noChangeShapeType="1"/>
+          </p:cNvCxnSpPr>
+          <p:nvPr>
+            <p:extLst>
+              <p:ext uri="{386F3935-93C4-4BCD-93E2-E3B085C9AB24}">
+                <p16:designElem xmlns:p16="http://schemas.microsoft.com/office/powerpoint/2015/main" val="1"/>
+              </p:ext>
+            </p:extLst>
+          </p:nvPr>
+        </p:nvCxnSpPr>
+        <p:spPr>
+          <a:xfrm>
+            <a:off x="2209800" y="5738691"/>
+            <a:ext cx="7772400" cy="0"/>
+          </a:xfrm>
+          <a:prstGeom prst="line">
+            <a:avLst/>
+          </a:prstGeom>
+          <a:ln w="22225">
+            <a:solidFill>
+              <a:srgbClr val="D9D9D9"/>
+            </a:solidFill>
+          </a:ln>
+        </p:spPr>
+        <p:style>
+          <a:lnRef idx="1">
+            <a:schemeClr val="accent1"/>
+          </a:lnRef>
+          <a:fillRef idx="0">
+            <a:schemeClr val="accent1"/>
+          </a:fillRef>
+          <a:effectRef idx="0">
+            <a:schemeClr val="accent1"/>
+          </a:effectRef>
+          <a:fontRef idx="minor">
+            <a:schemeClr val="tx1"/>
+          </a:fontRef>
+        </p:style>
+      </p:cxnSp>
+      <p:sp>
+        <p:nvSpPr>
+          <p:cNvPr id="4" name="Footer Placeholder 3">
+            <a:extLst>
+              <a:ext uri="{FF2B5EF4-FFF2-40B4-BE49-F238E27FC236}">
+                <a16:creationId xmlns:a16="http://schemas.microsoft.com/office/drawing/2014/main" id="{D768DAC7-3D51-4C1E-8E3C-70FB89C037CD}"/>
+              </a:ext>
+            </a:extLst>
+          </p:cNvPr>
           <p:cNvSpPr>
             <a:spLocks noGrp="1"/>
           </p:cNvSpPr>
@@ -27076,8 +26858,8 @@
         </p:nvSpPr>
         <p:spPr>
           <a:xfrm>
-            <a:off x="4038600" y="6356350"/>
-            <a:ext cx="4114800" cy="365125"/>
+            <a:off x="4038600" y="6522430"/>
+            <a:ext cx="4114800" cy="347472"/>
           </a:xfrm>
         </p:spPr>
         <p:txBody>
@@ -27092,9 +26874,9 @@
               </a:spcAft>
             </a:pPr>
             <a:r>
-              <a:rPr lang="en-GB" dirty="0">
+              <a:rPr lang="en-GB">
                 <a:solidFill>
-                  <a:schemeClr val="tx1"/>
+                  <a:srgbClr val="898989"/>
                 </a:solidFill>
               </a:rPr>
               <a:t>@flytzen  -  https://neworbit.co.uk</a:t>
@@ -27105,12 +26887,12 @@
     </p:spTree>
     <p:extLst>
       <p:ext uri="{BB962C8B-B14F-4D97-AF65-F5344CB8AC3E}">
-        <p14:creationId xmlns:p14="http://schemas.microsoft.com/office/powerpoint/2010/main" val="1267167937"/>
+        <p14:creationId xmlns:p14="http://schemas.microsoft.com/office/powerpoint/2010/main" val="2938864733"/>
       </p:ext>
     </p:extLst>
   </p:cSld>
   <p:clrMapOvr>
-    <a:overrideClrMapping bg1="dk1" tx1="lt1" bg2="dk2" tx2="lt2" accent1="accent1" accent2="accent2" accent3="accent3" accent4="accent4" accent5="accent5" accent6="accent6" hlink="hlink" folHlink="folHlink"/>
+    <a:masterClrMapping/>
   </p:clrMapOvr>
 </p:sld>
 </file>
@@ -29874,6 +29656,35 @@
 <file path=ppt/slides/slide2.xml><?xml version="1.0" encoding="utf-8"?>
 <p:sld xmlns:a="http://schemas.openxmlformats.org/drawingml/2006/main" xmlns:r="http://schemas.openxmlformats.org/officeDocument/2006/relationships" xmlns:p="http://schemas.openxmlformats.org/presentationml/2006/main">
   <p:cSld>
+    <p:bg>
+      <p:bgPr>
+        <a:gradFill>
+          <a:gsLst>
+            <a:gs pos="0">
+              <a:schemeClr val="accent3">
+                <a:lumMod val="40000"/>
+                <a:lumOff val="60000"/>
+              </a:schemeClr>
+            </a:gs>
+            <a:gs pos="46000">
+              <a:schemeClr val="accent3">
+                <a:lumMod val="95000"/>
+                <a:lumOff val="5000"/>
+              </a:schemeClr>
+            </a:gs>
+            <a:gs pos="100000">
+              <a:schemeClr val="accent3">
+                <a:lumMod val="60000"/>
+              </a:schemeClr>
+            </a:gs>
+          </a:gsLst>
+          <a:path path="circle">
+            <a:fillToRect l="50000" t="130000" r="50000" b="-30000"/>
+          </a:path>
+        </a:gradFill>
+        <a:effectLst/>
+      </p:bgPr>
+    </p:bg>
     <p:spTree>
       <p:nvGrpSpPr>
         <p:cNvPr id="1" name=""/>
@@ -29888,44 +29699,220 @@
           <a:chExt cx="0" cy="0"/>
         </a:xfrm>
       </p:grpSpPr>
-      <p:pic>
-        <p:nvPicPr>
-          <p:cNvPr id="19" name="Picture 18"/>
-          <p:cNvPicPr/>
-          <p:nvPr/>
-        </p:nvPicPr>
-        <p:blipFill>
-          <a:blip r:embed="rId3"/>
-          <a:stretch>
-            <a:fillRect/>
-          </a:stretch>
-        </p:blipFill>
-        <p:spPr>
+      <p:grpSp>
+        <p:nvGrpSpPr>
+          <p:cNvPr id="19" name="Group 18">
+            <a:extLst>
+              <a:ext uri="{FF2B5EF4-FFF2-40B4-BE49-F238E27FC236}">
+                <a16:creationId xmlns:a16="http://schemas.microsoft.com/office/drawing/2014/main" id="{D2C4BFA1-2075-4901-9E24-E41D1FDD51FD}"/>
+              </a:ext>
+              <a:ext uri="{C183D7F6-B498-43B3-948B-1728B52AA6E4}">
+                <adec:decorative xmlns:adec="http://schemas.microsoft.com/office/drawing/2017/decorative" val="1"/>
+              </a:ext>
+            </a:extLst>
+          </p:cNvPr>
+          <p:cNvGrpSpPr>
+            <a:grpSpLocks noGrp="1" noUngrp="1" noRot="1" noChangeAspect="1" noMove="1" noResize="1"/>
+          </p:cNvGrpSpPr>
+          <p:nvPr>
+            <p:extLst>
+              <p:ext uri="{386F3935-93C4-4BCD-93E2-E3B085C9AB24}">
+                <p16:designElem xmlns:p16="http://schemas.microsoft.com/office/powerpoint/2015/main" val="1"/>
+              </p:ext>
+            </p:extLst>
+          </p:nvPr>
+        </p:nvGrpSpPr>
+        <p:grpSpPr>
           <a:xfrm>
-            <a:off x="3708504" y="1487218"/>
-            <a:ext cx="4777582" cy="1524583"/>
+            <a:off x="1155481" y="498348"/>
+            <a:ext cx="9902663" cy="5861304"/>
+            <a:chOff x="1155481" y="498348"/>
+            <a:chExt cx="9902663" cy="5861304"/>
           </a:xfrm>
-          <a:prstGeom prst="rect">
-            <a:avLst/>
-          </a:prstGeom>
-        </p:spPr>
-      </p:pic>
+        </p:grpSpPr>
+        <p:sp>
+          <p:nvSpPr>
+            <p:cNvPr id="20" name="Oval 5">
+              <a:extLst>
+                <a:ext uri="{FF2B5EF4-FFF2-40B4-BE49-F238E27FC236}">
+                  <a16:creationId xmlns:a16="http://schemas.microsoft.com/office/drawing/2014/main" id="{985A7375-E3AF-4F5C-85AE-17E8832952CA}"/>
+                </a:ext>
+                <a:ext uri="{C183D7F6-B498-43B3-948B-1728B52AA6E4}">
+                  <adec:decorative xmlns:adec="http://schemas.microsoft.com/office/drawing/2017/decorative" val="1"/>
+                </a:ext>
+              </a:extLst>
+            </p:cNvPr>
+            <p:cNvSpPr>
+              <a:spLocks noChangeArrowheads="1"/>
+            </p:cNvSpPr>
+            <p:nvPr>
+              <p:extLst>
+                <p:ext uri="{386F3935-93C4-4BCD-93E2-E3B085C9AB24}">
+                  <p16:designElem xmlns:p16="http://schemas.microsoft.com/office/powerpoint/2015/main" val="1"/>
+                </p:ext>
+              </p:extLst>
+            </p:nvPr>
+          </p:nvSpPr>
+          <p:spPr bwMode="auto">
+            <a:xfrm>
+              <a:off x="1155481" y="498348"/>
+              <a:ext cx="5861304" cy="5861304"/>
+            </a:xfrm>
+            <a:prstGeom prst="ellipse">
+              <a:avLst/>
+            </a:prstGeom>
+            <a:solidFill>
+              <a:schemeClr val="accent1">
+                <a:alpha val="55000"/>
+              </a:schemeClr>
+            </a:solidFill>
+            <a:ln>
+              <a:noFill/>
+            </a:ln>
+          </p:spPr>
+        </p:sp>
+        <p:sp>
+          <p:nvSpPr>
+            <p:cNvPr id="21" name="Oval 20">
+              <a:extLst>
+                <a:ext uri="{FF2B5EF4-FFF2-40B4-BE49-F238E27FC236}">
+                  <a16:creationId xmlns:a16="http://schemas.microsoft.com/office/drawing/2014/main" id="{F0307F65-8304-4FA8-A841-D4D7625411BE}"/>
+                </a:ext>
+                <a:ext uri="{C183D7F6-B498-43B3-948B-1728B52AA6E4}">
+                  <adec:decorative xmlns:adec="http://schemas.microsoft.com/office/drawing/2017/decorative" val="1"/>
+                </a:ext>
+              </a:extLst>
+            </p:cNvPr>
+            <p:cNvSpPr>
+              <a:spLocks noChangeArrowheads="1"/>
+            </p:cNvSpPr>
+            <p:nvPr>
+              <p:extLst>
+                <p:ext uri="{386F3935-93C4-4BCD-93E2-E3B085C9AB24}">
+                  <p16:designElem xmlns:p16="http://schemas.microsoft.com/office/powerpoint/2015/main" val="1"/>
+                </p:ext>
+              </p:extLst>
+            </p:nvPr>
+          </p:nvSpPr>
+          <p:spPr bwMode="auto">
+            <a:xfrm>
+              <a:off x="5196840" y="498348"/>
+              <a:ext cx="5861304" cy="5861304"/>
+            </a:xfrm>
+            <a:prstGeom prst="ellipse">
+              <a:avLst/>
+            </a:prstGeom>
+            <a:solidFill>
+              <a:schemeClr val="accent1">
+                <a:alpha val="55000"/>
+              </a:schemeClr>
+            </a:solidFill>
+            <a:ln>
+              <a:noFill/>
+            </a:ln>
+          </p:spPr>
+        </p:sp>
+        <p:sp>
+          <p:nvSpPr>
+            <p:cNvPr id="22" name="Oval 5">
+              <a:extLst>
+                <a:ext uri="{FF2B5EF4-FFF2-40B4-BE49-F238E27FC236}">
+                  <a16:creationId xmlns:a16="http://schemas.microsoft.com/office/drawing/2014/main" id="{C8B8394C-136F-4E05-A002-D93A5E79CD50}"/>
+                </a:ext>
+                <a:ext uri="{C183D7F6-B498-43B3-948B-1728B52AA6E4}">
+                  <adec:decorative xmlns:adec="http://schemas.microsoft.com/office/drawing/2017/decorative" val="1"/>
+                </a:ext>
+              </a:extLst>
+            </p:cNvPr>
+            <p:cNvSpPr>
+              <a:spLocks noChangeArrowheads="1"/>
+            </p:cNvSpPr>
+            <p:nvPr>
+              <p:extLst>
+                <p:ext uri="{386F3935-93C4-4BCD-93E2-E3B085C9AB24}">
+                  <p16:designElem xmlns:p16="http://schemas.microsoft.com/office/powerpoint/2015/main" val="1"/>
+                </p:ext>
+              </p:extLst>
+            </p:nvPr>
+          </p:nvSpPr>
+          <p:spPr bwMode="auto">
+            <a:xfrm>
+              <a:off x="3165348" y="498348"/>
+              <a:ext cx="5861304" cy="5861304"/>
+            </a:xfrm>
+            <a:prstGeom prst="ellipse">
+              <a:avLst/>
+            </a:prstGeom>
+            <a:solidFill>
+              <a:schemeClr val="accent1">
+                <a:alpha val="70000"/>
+              </a:schemeClr>
+            </a:solidFill>
+            <a:ln>
+              <a:noFill/>
+            </a:ln>
+          </p:spPr>
+        </p:sp>
+      </p:grpSp>
       <p:sp>
         <p:nvSpPr>
-          <p:cNvPr id="4" name="Rectangle 3"/>
-          <p:cNvSpPr/>
-          <p:nvPr/>
+          <p:cNvPr id="3" name="Subtitle 2"/>
+          <p:cNvSpPr>
+            <a:spLocks noGrp="1"/>
+          </p:cNvSpPr>
+          <p:nvPr>
+            <p:ph type="subTitle" idx="1"/>
+          </p:nvPr>
         </p:nvSpPr>
         <p:spPr>
           <a:xfrm>
-            <a:off x="0" y="0"/>
-            <a:ext cx="12192000" cy="149469"/>
+            <a:off x="1524000" y="4495800"/>
+            <a:ext cx="9144000" cy="762000"/>
+          </a:xfrm>
+        </p:spPr>
+        <p:txBody>
+          <a:bodyPr>
+            <a:normAutofit/>
+          </a:bodyPr>
+          <a:lstStyle/>
+          <a:p>
+            <a:endParaRPr lang="en-GB" sz="1800"/>
+          </a:p>
+        </p:txBody>
+      </p:sp>
+      <p:sp>
+        <p:nvSpPr>
+          <p:cNvPr id="24" name="Rectangle 23">
+            <a:extLst>
+              <a:ext uri="{FF2B5EF4-FFF2-40B4-BE49-F238E27FC236}">
+                <a16:creationId xmlns:a16="http://schemas.microsoft.com/office/drawing/2014/main" id="{053FB2EE-284F-4C87-AB3D-BBF87A9FAB97}"/>
+              </a:ext>
+              <a:ext uri="{C183D7F6-B498-43B3-948B-1728B52AA6E4}">
+                <adec:decorative xmlns:adec="http://schemas.microsoft.com/office/drawing/2017/decorative" val="1"/>
+              </a:ext>
+            </a:extLst>
+          </p:cNvPr>
+          <p:cNvSpPr>
+            <a:spLocks noGrp="1" noRot="1" noChangeAspect="1" noMove="1" noResize="1" noEditPoints="1" noAdjustHandles="1" noChangeArrowheads="1" noChangeShapeType="1" noTextEdit="1"/>
+          </p:cNvSpPr>
+          <p:nvPr>
+            <p:extLst>
+              <p:ext uri="{386F3935-93C4-4BCD-93E2-E3B085C9AB24}">
+                <p16:designElem xmlns:p16="http://schemas.microsoft.com/office/powerpoint/2015/main" val="1"/>
+              </p:ext>
+            </p:extLst>
+          </p:nvPr>
+        </p:nvSpPr>
+        <p:spPr>
+          <a:xfrm>
+            <a:off x="0" y="2514600"/>
+            <a:ext cx="12192000" cy="1828800"/>
           </a:xfrm>
           <a:prstGeom prst="rect">
             <a:avLst/>
           </a:prstGeom>
           <a:solidFill>
-            <a:srgbClr val="CC1517"/>
+            <a:schemeClr val="tx2"/>
           </a:solidFill>
           <a:ln>
             <a:noFill/>
@@ -29947,639 +29934,88 @@
             <a:schemeClr val="lt1"/>
           </a:fontRef>
         </p:style>
+      </p:sp>
+      <p:sp>
+        <p:nvSpPr>
+          <p:cNvPr id="2" name="Title 1"/>
+          <p:cNvSpPr>
+            <a:spLocks noGrp="1"/>
+          </p:cNvSpPr>
+          <p:nvPr>
+            <p:ph type="ctrTitle"/>
+          </p:nvPr>
+        </p:nvSpPr>
+        <p:spPr>
+          <a:xfrm>
+            <a:off x="1524000" y="2776538"/>
+            <a:ext cx="9144000" cy="1381188"/>
+          </a:xfrm>
+        </p:spPr>
         <p:txBody>
-          <a:bodyPr rtlCol="0" anchor="ctr"/>
+          <a:bodyPr anchor="ctr">
+            <a:normAutofit/>
+          </a:bodyPr>
           <a:lstStyle/>
           <a:p>
-            <a:pPr algn="ctr"/>
-            <a:endParaRPr lang="en-GB"/>
+            <a:r>
+              <a:rPr lang="en-GB" sz="4000" dirty="0">
+                <a:solidFill>
+                  <a:schemeClr val="bg2"/>
+                </a:solidFill>
+              </a:rPr>
+              <a:t>Secure your Web App in Azure</a:t>
+            </a:r>
           </a:p>
         </p:txBody>
       </p:sp>
       <p:sp>
         <p:nvSpPr>
-          <p:cNvPr id="5" name="Rectangle 4"/>
-          <p:cNvSpPr/>
-          <p:nvPr/>
-        </p:nvSpPr>
-        <p:spPr>
-          <a:xfrm>
-            <a:off x="0" y="6708531"/>
-            <a:ext cx="12192000" cy="149469"/>
-          </a:xfrm>
-          <a:prstGeom prst="rect">
-            <a:avLst/>
-          </a:prstGeom>
-          <a:solidFill>
-            <a:srgbClr val="CC1517"/>
-          </a:solidFill>
-          <a:ln>
-            <a:noFill/>
-          </a:ln>
-        </p:spPr>
-        <p:style>
-          <a:lnRef idx="2">
-            <a:schemeClr val="accent1">
-              <a:shade val="50000"/>
-            </a:schemeClr>
-          </a:lnRef>
-          <a:fillRef idx="1">
-            <a:schemeClr val="accent1"/>
-          </a:fillRef>
-          <a:effectRef idx="0">
-            <a:schemeClr val="accent1"/>
-          </a:effectRef>
-          <a:fontRef idx="minor">
-            <a:schemeClr val="lt1"/>
-          </a:fontRef>
-        </p:style>
-        <p:txBody>
-          <a:bodyPr rtlCol="0" anchor="ctr"/>
-          <a:lstStyle/>
-          <a:p>
-            <a:pPr algn="ctr"/>
-            <a:endParaRPr lang="en-GB"/>
-          </a:p>
-        </p:txBody>
-      </p:sp>
-      <p:pic>
-        <p:nvPicPr>
-          <p:cNvPr id="21" name="Picture 20"/>
-          <p:cNvPicPr>
-            <a:picLocks noChangeAspect="1"/>
-          </p:cNvPicPr>
-          <p:nvPr/>
-        </p:nvPicPr>
-        <p:blipFill>
-          <a:blip r:embed="rId4" cstate="hqprint">
-            <a:extLst>
-              <a:ext uri="{28A0092B-C50C-407E-A947-70E740481C1C}">
-                <a14:useLocalDpi xmlns:a14="http://schemas.microsoft.com/office/drawing/2010/main" val="0"/>
-              </a:ext>
-            </a:extLst>
-          </a:blip>
-          <a:stretch>
-            <a:fillRect/>
-          </a:stretch>
-        </p:blipFill>
-        <p:spPr>
-          <a:xfrm>
-            <a:off x="1379539" y="3013144"/>
-            <a:ext cx="4164137" cy="915211"/>
-          </a:xfrm>
-          <a:prstGeom prst="rect">
-            <a:avLst/>
-          </a:prstGeom>
-        </p:spPr>
-      </p:pic>
-      <p:sp>
-        <p:nvSpPr>
-          <p:cNvPr id="7" name="Title 6">
-            <a:extLst>
-              <a:ext uri="{FF2B5EF4-FFF2-40B4-BE49-F238E27FC236}">
-                <a16:creationId xmlns:a16="http://schemas.microsoft.com/office/drawing/2014/main" id="{9D30D040-EEC2-4A75-B6C3-F6424D9CE202}"/>
-              </a:ext>
-            </a:extLst>
-          </p:cNvPr>
+          <p:cNvPr id="4" name="Footer Placeholder 3"/>
           <p:cNvSpPr>
             <a:spLocks noGrp="1"/>
           </p:cNvSpPr>
           <p:nvPr>
-            <p:ph type="title"/>
+            <p:ph type="ftr" sz="quarter" idx="11"/>
           </p:nvPr>
-        </p:nvSpPr>
-        <p:spPr/>
-        <p:txBody>
-          <a:bodyPr/>
-          <a:lstStyle/>
-          <a:p>
-            <a:endParaRPr lang="en-GB"/>
-          </a:p>
-        </p:txBody>
-      </p:sp>
-      <p:sp>
-        <p:nvSpPr>
-          <p:cNvPr id="20" name="Rectangle 19">
-            <a:extLst>
-              <a:ext uri="{FF2B5EF4-FFF2-40B4-BE49-F238E27FC236}">
-                <a16:creationId xmlns:a16="http://schemas.microsoft.com/office/drawing/2014/main" id="{204FFB56-C0EF-4B00-8A70-B6C497DF5D92}"/>
-              </a:ext>
-            </a:extLst>
-          </p:cNvPr>
-          <p:cNvSpPr/>
-          <p:nvPr/>
         </p:nvSpPr>
         <p:spPr>
           <a:xfrm>
-            <a:off x="0" y="0"/>
-            <a:ext cx="12192000" cy="1690688"/>
+            <a:off x="4038600" y="6356350"/>
+            <a:ext cx="4114800" cy="365125"/>
           </a:xfrm>
-          <a:prstGeom prst="rect">
-            <a:avLst/>
-          </a:prstGeom>
-          <a:solidFill>
-            <a:srgbClr val="CC1517"/>
-          </a:solidFill>
-          <a:ln>
-            <a:noFill/>
-          </a:ln>
-        </p:spPr>
-        <p:style>
-          <a:lnRef idx="2">
-            <a:schemeClr val="accent1">
-              <a:shade val="50000"/>
-            </a:schemeClr>
-          </a:lnRef>
-          <a:fillRef idx="1">
-            <a:schemeClr val="accent1"/>
-          </a:fillRef>
-          <a:effectRef idx="0">
-            <a:schemeClr val="accent1"/>
-          </a:effectRef>
-          <a:fontRef idx="minor">
-            <a:schemeClr val="lt1"/>
-          </a:fontRef>
-        </p:style>
-        <p:txBody>
-          <a:bodyPr rtlCol="0" anchor="ctr"/>
-          <a:lstStyle/>
-          <a:p>
-            <a:pPr algn="ctr"/>
-            <a:endParaRPr lang="en-GB"/>
-          </a:p>
-        </p:txBody>
-      </p:sp>
-      <p:pic>
-        <p:nvPicPr>
-          <p:cNvPr id="24" name="Picture 23">
-            <a:extLst>
-              <a:ext uri="{FF2B5EF4-FFF2-40B4-BE49-F238E27FC236}">
-                <a16:creationId xmlns:a16="http://schemas.microsoft.com/office/drawing/2014/main" id="{114A1EAA-DDB3-4D06-8567-CBF3EBA52D08}"/>
-              </a:ext>
-            </a:extLst>
-          </p:cNvPr>
-          <p:cNvPicPr>
-            <a:picLocks noChangeAspect="1"/>
-          </p:cNvPicPr>
-          <p:nvPr/>
-        </p:nvPicPr>
-        <p:blipFill>
-          <a:blip r:embed="rId5">
-            <a:extLst>
-              <a:ext uri="{28A0092B-C50C-407E-A947-70E740481C1C}">
-                <a14:useLocalDpi xmlns:a14="http://schemas.microsoft.com/office/drawing/2010/main" val="0"/>
-              </a:ext>
-            </a:extLst>
-          </a:blip>
-          <a:stretch>
-            <a:fillRect/>
-          </a:stretch>
-        </p:blipFill>
-        <p:spPr>
-          <a:xfrm>
-            <a:off x="9617768" y="365125"/>
-            <a:ext cx="2155132" cy="975882"/>
-          </a:xfrm>
-          <a:prstGeom prst="rect">
-            <a:avLst/>
-          </a:prstGeom>
-        </p:spPr>
-      </p:pic>
-      <p:sp>
-        <p:nvSpPr>
-          <p:cNvPr id="26" name="Title 4">
-            <a:extLst>
-              <a:ext uri="{FF2B5EF4-FFF2-40B4-BE49-F238E27FC236}">
-                <a16:creationId xmlns:a16="http://schemas.microsoft.com/office/drawing/2014/main" id="{1D5D0754-9E99-430B-B8A4-1705511B792E}"/>
-              </a:ext>
-            </a:extLst>
-          </p:cNvPr>
-          <p:cNvSpPr txBox="1">
-            <a:spLocks/>
-          </p:cNvSpPr>
-          <p:nvPr/>
-        </p:nvSpPr>
-        <p:spPr>
-          <a:xfrm>
-            <a:off x="838200" y="198071"/>
-            <a:ext cx="10515600" cy="1325563"/>
-          </a:xfrm>
-          <a:prstGeom prst="rect">
-            <a:avLst/>
-          </a:prstGeom>
         </p:spPr>
         <p:txBody>
-          <a:bodyPr vert="horz" lIns="91440" tIns="45720" rIns="91440" bIns="45720" rtlCol="0" anchor="ctr">
+          <a:bodyPr>
             <a:normAutofit/>
           </a:bodyPr>
-          <a:lstStyle>
-            <a:lvl1pPr algn="l" defTabSz="914400" rtl="0" eaLnBrk="1" latinLnBrk="0" hangingPunct="1">
-              <a:lnSpc>
-                <a:spcPct val="90000"/>
-              </a:lnSpc>
-              <a:spcBef>
-                <a:spcPct val="0"/>
-              </a:spcBef>
-              <a:buNone/>
-              <a:defRPr sz="4400" kern="1200">
+          <a:lstStyle/>
+          <a:p>
+            <a:pPr>
+              <a:spcAft>
+                <a:spcPts val="600"/>
+              </a:spcAft>
+            </a:pPr>
+            <a:r>
+              <a:rPr lang="en-GB" dirty="0">
                 <a:solidFill>
                   <a:schemeClr val="tx1"/>
                 </a:solidFill>
-                <a:latin typeface="+mj-lt"/>
-                <a:ea typeface="+mj-ea"/>
-                <a:cs typeface="+mj-cs"/>
-              </a:defRPr>
-            </a:lvl1pPr>
-          </a:lstStyle>
-          <a:p>
-            <a:r>
-              <a:rPr lang="en-GB" sz="5400" b="1" dirty="0">
-                <a:solidFill>
-                  <a:schemeClr val="bg1"/>
-                </a:solidFill>
-                <a:latin typeface="+mn-lt"/>
               </a:rPr>
-              <a:t>Sponsors</a:t>
+              <a:t>@flytzen  -  https://neworbit.co.uk</a:t>
             </a:r>
           </a:p>
         </p:txBody>
       </p:sp>
-      <p:pic>
-        <p:nvPicPr>
-          <p:cNvPr id="15" name="Picture 14">
-            <a:extLst>
-              <a:ext uri="{FF2B5EF4-FFF2-40B4-BE49-F238E27FC236}">
-                <a16:creationId xmlns:a16="http://schemas.microsoft.com/office/drawing/2014/main" id="{C116ADD3-C5F7-431B-A66D-64AE03C7FAA5}"/>
-              </a:ext>
-            </a:extLst>
-          </p:cNvPr>
-          <p:cNvPicPr>
-            <a:picLocks noChangeAspect="1"/>
-          </p:cNvPicPr>
-          <p:nvPr/>
-        </p:nvPicPr>
-        <p:blipFill>
-          <a:blip r:embed="rId6">
-            <a:extLst>
-              <a:ext uri="{28A0092B-C50C-407E-A947-70E740481C1C}">
-                <a14:useLocalDpi xmlns:a14="http://schemas.microsoft.com/office/drawing/2010/main" val="0"/>
-              </a:ext>
-            </a:extLst>
-          </a:blip>
-          <a:stretch>
-            <a:fillRect/>
-          </a:stretch>
-        </p:blipFill>
-        <p:spPr>
-          <a:xfrm>
-            <a:off x="441613" y="4461211"/>
-            <a:ext cx="2847743" cy="999825"/>
-          </a:xfrm>
-          <a:prstGeom prst="rect">
-            <a:avLst/>
-          </a:prstGeom>
-        </p:spPr>
-      </p:pic>
-      <p:pic>
-        <p:nvPicPr>
-          <p:cNvPr id="18" name="Picture 17" descr="A picture containing clipart&#10;&#10;Description generated with very high confidence">
-            <a:extLst>
-              <a:ext uri="{FF2B5EF4-FFF2-40B4-BE49-F238E27FC236}">
-                <a16:creationId xmlns:a16="http://schemas.microsoft.com/office/drawing/2014/main" id="{D3245E22-B5C8-46CF-BF30-A2CE6EED7984}"/>
-              </a:ext>
-            </a:extLst>
-          </p:cNvPr>
-          <p:cNvPicPr>
-            <a:picLocks noChangeAspect="1"/>
-          </p:cNvPicPr>
-          <p:nvPr/>
-        </p:nvPicPr>
-        <p:blipFill>
-          <a:blip r:embed="rId7">
-            <a:extLst>
-              <a:ext uri="{28A0092B-C50C-407E-A947-70E740481C1C}">
-                <a14:useLocalDpi xmlns:a14="http://schemas.microsoft.com/office/drawing/2010/main" val="0"/>
-              </a:ext>
-            </a:extLst>
-          </a:blip>
-          <a:stretch>
-            <a:fillRect/>
-          </a:stretch>
-        </p:blipFill>
-        <p:spPr>
-          <a:xfrm>
-            <a:off x="6214814" y="3277151"/>
-            <a:ext cx="3598411" cy="584742"/>
-          </a:xfrm>
-          <a:prstGeom prst="rect">
-            <a:avLst/>
-          </a:prstGeom>
-        </p:spPr>
-      </p:pic>
-      <p:pic>
-        <p:nvPicPr>
-          <p:cNvPr id="37" name="Picture 36" descr="A close up of a logo&#10;&#10;Description generated with very high confidence">
-            <a:extLst>
-              <a:ext uri="{FF2B5EF4-FFF2-40B4-BE49-F238E27FC236}">
-                <a16:creationId xmlns:a16="http://schemas.microsoft.com/office/drawing/2014/main" id="{97ABE8C5-FA0A-4D7B-93E5-6B591F7A994D}"/>
-              </a:ext>
-            </a:extLst>
-          </p:cNvPr>
-          <p:cNvPicPr>
-            <a:picLocks noChangeAspect="1"/>
-          </p:cNvPicPr>
-          <p:nvPr/>
-        </p:nvPicPr>
-        <p:blipFill>
-          <a:blip r:embed="rId8">
-            <a:extLst>
-              <a:ext uri="{28A0092B-C50C-407E-A947-70E740481C1C}">
-                <a14:useLocalDpi xmlns:a14="http://schemas.microsoft.com/office/drawing/2010/main" val="0"/>
-              </a:ext>
-            </a:extLst>
-          </a:blip>
-          <a:stretch>
-            <a:fillRect/>
-          </a:stretch>
-        </p:blipFill>
-        <p:spPr>
-          <a:xfrm>
-            <a:off x="4793644" y="5829949"/>
-            <a:ext cx="2614130" cy="627391"/>
-          </a:xfrm>
-          <a:prstGeom prst="rect">
-            <a:avLst/>
-          </a:prstGeom>
-        </p:spPr>
-      </p:pic>
-      <p:pic>
-        <p:nvPicPr>
-          <p:cNvPr id="40" name="Picture 39">
-            <a:extLst>
-              <a:ext uri="{FF2B5EF4-FFF2-40B4-BE49-F238E27FC236}">
-                <a16:creationId xmlns:a16="http://schemas.microsoft.com/office/drawing/2014/main" id="{81601074-DE60-4CB9-8028-C6CF3F0372BB}"/>
-              </a:ext>
-            </a:extLst>
-          </p:cNvPr>
-          <p:cNvPicPr>
-            <a:picLocks noChangeAspect="1"/>
-          </p:cNvPicPr>
-          <p:nvPr/>
-        </p:nvPicPr>
-        <p:blipFill>
-          <a:blip r:embed="rId9">
-            <a:extLst>
-              <a:ext uri="{28A0092B-C50C-407E-A947-70E740481C1C}">
-                <a14:useLocalDpi xmlns:a14="http://schemas.microsoft.com/office/drawing/2010/main" val="0"/>
-              </a:ext>
-            </a:extLst>
-          </a:blip>
-          <a:stretch>
-            <a:fillRect/>
-          </a:stretch>
-        </p:blipFill>
-        <p:spPr>
-          <a:xfrm>
-            <a:off x="9129703" y="1772404"/>
-            <a:ext cx="1786453" cy="1138039"/>
-          </a:xfrm>
-          <a:prstGeom prst="rect">
-            <a:avLst/>
-          </a:prstGeom>
-        </p:spPr>
-      </p:pic>
-      <p:pic>
-        <p:nvPicPr>
-          <p:cNvPr id="3" name="Picture 2" descr="A picture containing table&#10;&#10;Description automatically generated">
-            <a:extLst>
-              <a:ext uri="{FF2B5EF4-FFF2-40B4-BE49-F238E27FC236}">
-                <a16:creationId xmlns:a16="http://schemas.microsoft.com/office/drawing/2014/main" id="{4E7D6F91-CF83-4749-94E9-C143A32CAF6E}"/>
-              </a:ext>
-            </a:extLst>
-          </p:cNvPr>
-          <p:cNvPicPr>
-            <a:picLocks noChangeAspect="1"/>
-          </p:cNvPicPr>
-          <p:nvPr/>
-        </p:nvPicPr>
-        <p:blipFill>
-          <a:blip r:embed="rId10">
-            <a:extLst>
-              <a:ext uri="{28A0092B-C50C-407E-A947-70E740481C1C}">
-                <a14:useLocalDpi xmlns:a14="http://schemas.microsoft.com/office/drawing/2010/main" val="0"/>
-              </a:ext>
-            </a:extLst>
-          </a:blip>
-          <a:stretch>
-            <a:fillRect/>
-          </a:stretch>
-        </p:blipFill>
-        <p:spPr>
-          <a:xfrm>
-            <a:off x="8954650" y="4357820"/>
-            <a:ext cx="3019787" cy="1003709"/>
-          </a:xfrm>
-          <a:prstGeom prst="rect">
-            <a:avLst/>
-          </a:prstGeom>
-        </p:spPr>
-      </p:pic>
-      <p:pic>
-        <p:nvPicPr>
-          <p:cNvPr id="8" name="Picture 7" descr="A picture containing dark, large, light&#10;&#10;Description automatically generated">
-            <a:extLst>
-              <a:ext uri="{FF2B5EF4-FFF2-40B4-BE49-F238E27FC236}">
-                <a16:creationId xmlns:a16="http://schemas.microsoft.com/office/drawing/2014/main" id="{645C49C9-7E83-4D8C-84D1-5E182AA8ABC9}"/>
-              </a:ext>
-            </a:extLst>
-          </p:cNvPr>
-          <p:cNvPicPr>
-            <a:picLocks noChangeAspect="1"/>
-          </p:cNvPicPr>
-          <p:nvPr/>
-        </p:nvPicPr>
-        <p:blipFill>
-          <a:blip r:embed="rId11">
-            <a:extLst>
-              <a:ext uri="{28A0092B-C50C-407E-A947-70E740481C1C}">
-                <a14:useLocalDpi xmlns:a14="http://schemas.microsoft.com/office/drawing/2010/main" val="0"/>
-              </a:ext>
-            </a:extLst>
-          </a:blip>
-          <a:stretch>
-            <a:fillRect/>
-          </a:stretch>
-        </p:blipFill>
-        <p:spPr>
-          <a:xfrm>
-            <a:off x="8237360" y="5821939"/>
-            <a:ext cx="3113622" cy="533762"/>
-          </a:xfrm>
-          <a:prstGeom prst="rect">
-            <a:avLst/>
-          </a:prstGeom>
-        </p:spPr>
-      </p:pic>
-      <p:pic>
-        <p:nvPicPr>
-          <p:cNvPr id="10" name="Picture 9" descr="A picture containing stop, drawing&#10;&#10;Description automatically generated">
-            <a:extLst>
-              <a:ext uri="{FF2B5EF4-FFF2-40B4-BE49-F238E27FC236}">
-                <a16:creationId xmlns:a16="http://schemas.microsoft.com/office/drawing/2014/main" id="{F6932375-3E37-46F4-80FE-5AD351E5368B}"/>
-              </a:ext>
-            </a:extLst>
-          </p:cNvPr>
-          <p:cNvPicPr>
-            <a:picLocks noChangeAspect="1"/>
-          </p:cNvPicPr>
-          <p:nvPr/>
-        </p:nvPicPr>
-        <p:blipFill>
-          <a:blip r:embed="rId12">
-            <a:extLst>
-              <a:ext uri="{28A0092B-C50C-407E-A947-70E740481C1C}">
-                <a14:useLocalDpi xmlns:a14="http://schemas.microsoft.com/office/drawing/2010/main" val="0"/>
-              </a:ext>
-            </a:extLst>
-          </a:blip>
-          <a:stretch>
-            <a:fillRect/>
-          </a:stretch>
-        </p:blipFill>
-        <p:spPr>
-          <a:xfrm>
-            <a:off x="5604477" y="4332942"/>
-            <a:ext cx="3523354" cy="1050006"/>
-          </a:xfrm>
-          <a:prstGeom prst="rect">
-            <a:avLst/>
-          </a:prstGeom>
-        </p:spPr>
-      </p:pic>
-      <p:pic>
-        <p:nvPicPr>
-          <p:cNvPr id="14" name="Picture 13" descr="A picture containing drawing, clock&#10;&#10;Description automatically generated">
-            <a:extLst>
-              <a:ext uri="{FF2B5EF4-FFF2-40B4-BE49-F238E27FC236}">
-                <a16:creationId xmlns:a16="http://schemas.microsoft.com/office/drawing/2014/main" id="{E160B2E4-B7EE-4D71-AD1D-D5F5C8663505}"/>
-              </a:ext>
-            </a:extLst>
-          </p:cNvPr>
-          <p:cNvPicPr>
-            <a:picLocks noChangeAspect="1"/>
-          </p:cNvPicPr>
-          <p:nvPr/>
-        </p:nvPicPr>
-        <p:blipFill>
-          <a:blip r:embed="rId13">
-            <a:extLst>
-              <a:ext uri="{28A0092B-C50C-407E-A947-70E740481C1C}">
-                <a14:useLocalDpi xmlns:a14="http://schemas.microsoft.com/office/drawing/2010/main" val="0"/>
-              </a:ext>
-            </a:extLst>
-          </a:blip>
-          <a:stretch>
-            <a:fillRect/>
-          </a:stretch>
-        </p:blipFill>
-        <p:spPr>
-          <a:xfrm>
-            <a:off x="1382746" y="5922334"/>
-            <a:ext cx="2572149" cy="491046"/>
-          </a:xfrm>
-          <a:prstGeom prst="rect">
-            <a:avLst/>
-          </a:prstGeom>
-        </p:spPr>
-      </p:pic>
-      <p:pic>
-        <p:nvPicPr>
-          <p:cNvPr id="17" name="Picture 16" descr="A close up of a sign&#10;&#10;Description automatically generated">
-            <a:extLst>
-              <a:ext uri="{FF2B5EF4-FFF2-40B4-BE49-F238E27FC236}">
-                <a16:creationId xmlns:a16="http://schemas.microsoft.com/office/drawing/2014/main" id="{A48A287C-0BE2-4F27-9770-09DF76015A56}"/>
-              </a:ext>
-            </a:extLst>
-          </p:cNvPr>
-          <p:cNvPicPr>
-            <a:picLocks noChangeAspect="1"/>
-          </p:cNvPicPr>
-          <p:nvPr/>
-        </p:nvPicPr>
-        <p:blipFill>
-          <a:blip r:embed="rId14">
-            <a:extLst>
-              <a:ext uri="{28A0092B-C50C-407E-A947-70E740481C1C}">
-                <a14:useLocalDpi xmlns:a14="http://schemas.microsoft.com/office/drawing/2010/main" val="0"/>
-              </a:ext>
-            </a:extLst>
-          </a:blip>
-          <a:stretch>
-            <a:fillRect/>
-          </a:stretch>
-        </p:blipFill>
-        <p:spPr>
-          <a:xfrm>
-            <a:off x="3515451" y="4208025"/>
-            <a:ext cx="1635752" cy="1305666"/>
-          </a:xfrm>
-          <a:prstGeom prst="rect">
-            <a:avLst/>
-          </a:prstGeom>
-        </p:spPr>
-      </p:pic>
-      <p:pic>
-        <p:nvPicPr>
-          <p:cNvPr id="2" name="Picture 5" descr="A picture containing drawing&#10;&#10;Description generated with very high confidence">
-            <a:extLst>
-              <a:ext uri="{FF2B5EF4-FFF2-40B4-BE49-F238E27FC236}">
-                <a16:creationId xmlns:a16="http://schemas.microsoft.com/office/drawing/2014/main" id="{2F9508A2-1F6B-402E-B2D6-18E82D20D73E}"/>
-              </a:ext>
-            </a:extLst>
-          </p:cNvPr>
-          <p:cNvPicPr>
-            <a:picLocks noChangeAspect="1"/>
-          </p:cNvPicPr>
-          <p:nvPr/>
-        </p:nvPicPr>
-        <p:blipFill>
-          <a:blip r:embed="rId15"/>
-          <a:stretch>
-            <a:fillRect/>
-          </a:stretch>
-        </p:blipFill>
-        <p:spPr>
-          <a:xfrm>
-            <a:off x="619991" y="1717306"/>
-            <a:ext cx="2743200" cy="1293254"/>
-          </a:xfrm>
-          <a:prstGeom prst="rect">
-            <a:avLst/>
-          </a:prstGeom>
-        </p:spPr>
-      </p:pic>
     </p:spTree>
     <p:extLst>
       <p:ext uri="{BB962C8B-B14F-4D97-AF65-F5344CB8AC3E}">
-        <p14:creationId xmlns:p14="http://schemas.microsoft.com/office/powerpoint/2010/main" val="2566127079"/>
+        <p14:creationId xmlns:p14="http://schemas.microsoft.com/office/powerpoint/2010/main" val="1267167937"/>
       </p:ext>
     </p:extLst>
   </p:cSld>
   <p:clrMapOvr>
-    <a:masterClrMapping/>
+    <a:overrideClrMapping bg1="dk1" tx1="lt1" bg2="dk2" tx2="lt2" accent1="accent1" accent2="accent2" accent3="accent3" accent4="accent4" accent5="accent5" accent6="accent6" hlink="hlink" folHlink="folHlink"/>
   </p:clrMapOvr>
-  <mc:AlternateContent xmlns:mc="http://schemas.openxmlformats.org/markup-compatibility/2006" xmlns:p14="http://schemas.microsoft.com/office/powerpoint/2010/main">
-    <mc:Choice Requires="p14">
-      <p:transition spd="med" p14:dur="700">
-        <p:fade/>
-      </p:transition>
-    </mc:Choice>
-    <mc:Fallback xmlns="">
-      <p:transition spd="med">
-        <p:fade/>
-      </p:transition>
-    </mc:Fallback>
-  </mc:AlternateContent>
 </p:sld>
 </file>
 
@@ -39403,25 +38839,25 @@
           <a:lstStyle/>
           <a:p>
             <a:r>
-              <a:rPr lang="en-GB" sz="1500"/>
+              <a:rPr lang="en-GB" sz="1500" dirty="0"/>
               <a:t>Part of SQL Advanced Data Security</a:t>
             </a:r>
           </a:p>
           <a:p>
             <a:r>
-              <a:rPr lang="en-GB" sz="1500"/>
+              <a:rPr lang="en-GB" sz="1500" dirty="0"/>
               <a:t>In preview for Storage</a:t>
             </a:r>
           </a:p>
           <a:p>
             <a:r>
-              <a:rPr lang="en-GB" sz="1500"/>
+              <a:rPr lang="en-GB" sz="1500" dirty="0"/>
               <a:t>Base-lines “normal” behaviour in your app and alerts you to changes.</a:t>
             </a:r>
           </a:p>
           <a:p>
             <a:r>
-              <a:rPr lang="en-GB" sz="1500"/>
+              <a:rPr lang="en-GB" sz="1500" dirty="0"/>
               <a:t>Detects SQL injection and other common attack patterns.</a:t>
             </a:r>
           </a:p>
@@ -43874,31 +43310,6 @@
 </file>
 
 <file path=customXml/item1.xml><?xml version="1.0" encoding="utf-8"?>
-<p:properties xmlns:p="http://schemas.microsoft.com/office/2006/metadata/properties" xmlns:xsi="http://www.w3.org/2001/XMLSchema-instance" xmlns:pc="http://schemas.microsoft.com/office/infopath/2007/PartnerControls">
-  <documentManagement>
-    <ProcessSponsor xmlns="2f74b058-fe85-403b-8175-7901dcda25ac">
-      <UserInfo>
-        <DisplayName/>
-        <AccountId xsi:nil="true"/>
-        <AccountType/>
-      </UserInfo>
-    </ProcessSponsor>
-    <Process xmlns="4763dc9f-8761-47a6-86ab-ee58c5661e24">
-      <Url xsi:nil="true"/>
-      <Description xsi:nil="true"/>
-    </Process>
-    <Process_x0020_Owner xmlns="2f74b058-fe85-403b-8175-7901dcda25ac">
-      <UserInfo>
-        <DisplayName/>
-        <AccountId xsi:nil="true"/>
-        <AccountType/>
-      </UserInfo>
-    </Process_x0020_Owner>
-  </documentManagement>
-</p:properties>
-</file>
-
-<file path=customXml/item2.xml><?xml version="1.0" encoding="utf-8"?>
 <ct:contentTypeSchema xmlns:ct="http://schemas.microsoft.com/office/2006/metadata/contentType" xmlns:ma="http://schemas.microsoft.com/office/2006/metadata/properties/metaAttributes" ct:_="" ma:_="" ma:contentTypeName="Presentation" ma:contentTypeID="0x010100976AC37510C88D479D531BBFABFCDE900011A7F68A1903154A91D44024D91FAF39" ma:contentTypeVersion="16" ma:contentTypeDescription="Create a new presentation." ma:contentTypeScope="" ma:versionID="772d872658fd4845e9b312f582f454cc">
   <xsd:schema xmlns:xsd="http://www.w3.org/2001/XMLSchema" xmlns:xs="http://www.w3.org/2001/XMLSchema" xmlns:p="http://schemas.microsoft.com/office/2006/metadata/properties" xmlns:ns2="2f74b058-fe85-403b-8175-7901dcda25ac" xmlns:ns3="4763dc9f-8761-47a6-86ab-ee58c5661e24" targetNamespace="http://schemas.microsoft.com/office/2006/metadata/properties" ma:root="true" ma:fieldsID="b87fca586b85890120cc39cf3d3c2ac6" ns2:_="" ns3:_="">
     <xsd:import namespace="2f74b058-fe85-403b-8175-7901dcda25ac"/>
@@ -44076,7 +43487,7 @@
 </ct:contentTypeSchema>
 </file>
 
-<file path=customXml/item3.xml><?xml version="1.0" encoding="utf-8"?>
+<file path=customXml/item2.xml><?xml version="1.0" encoding="utf-8"?>
 <?mso-contentType ?>
 <FormTemplates xmlns="http://schemas.microsoft.com/sharepoint/v3/contenttype/forms">
   <Display>DocumentLibraryForm</Display>
@@ -44085,24 +43496,32 @@
 </FormTemplates>
 </file>
 
-<file path=customXml/itemProps1.xml><?xml version="1.0" encoding="utf-8"?>
-<ds:datastoreItem xmlns:ds="http://schemas.openxmlformats.org/officeDocument/2006/customXml" ds:itemID="{C3741FF2-811B-4A2F-958B-8203D11F14EB}">
-  <ds:schemaRefs>
-    <ds:schemaRef ds:uri="http://www.w3.org/XML/1998/namespace"/>
-    <ds:schemaRef ds:uri="http://schemas.microsoft.com/office/2006/documentManagement/types"/>
-    <ds:schemaRef ds:uri="http://purl.org/dc/elements/1.1/"/>
-    <ds:schemaRef ds:uri="http://purl.org/dc/terms/"/>
-    <ds:schemaRef ds:uri="http://schemas.microsoft.com/office/infopath/2007/PartnerControls"/>
-    <ds:schemaRef ds:uri="http://schemas.microsoft.com/office/2006/metadata/properties"/>
-    <ds:schemaRef ds:uri="http://schemas.openxmlformats.org/package/2006/metadata/core-properties"/>
-    <ds:schemaRef ds:uri="4763dc9f-8761-47a6-86ab-ee58c5661e24"/>
-    <ds:schemaRef ds:uri="2f74b058-fe85-403b-8175-7901dcda25ac"/>
-    <ds:schemaRef ds:uri="http://purl.org/dc/dcmitype/"/>
-  </ds:schemaRefs>
-</ds:datastoreItem>
+<file path=customXml/item3.xml><?xml version="1.0" encoding="utf-8"?>
+<p:properties xmlns:p="http://schemas.microsoft.com/office/2006/metadata/properties" xmlns:xsi="http://www.w3.org/2001/XMLSchema-instance" xmlns:pc="http://schemas.microsoft.com/office/infopath/2007/PartnerControls">
+  <documentManagement>
+    <ProcessSponsor xmlns="2f74b058-fe85-403b-8175-7901dcda25ac">
+      <UserInfo>
+        <DisplayName/>
+        <AccountId xsi:nil="true"/>
+        <AccountType/>
+      </UserInfo>
+    </ProcessSponsor>
+    <Process xmlns="4763dc9f-8761-47a6-86ab-ee58c5661e24">
+      <Url xsi:nil="true"/>
+      <Description xsi:nil="true"/>
+    </Process>
+    <Process_x0020_Owner xmlns="2f74b058-fe85-403b-8175-7901dcda25ac">
+      <UserInfo>
+        <DisplayName/>
+        <AccountId xsi:nil="true"/>
+        <AccountType/>
+      </UserInfo>
+    </Process_x0020_Owner>
+  </documentManagement>
+</p:properties>
 </file>
 
-<file path=customXml/itemProps2.xml><?xml version="1.0" encoding="utf-8"?>
+<file path=customXml/itemProps1.xml><?xml version="1.0" encoding="utf-8"?>
 <ds:datastoreItem xmlns:ds="http://schemas.openxmlformats.org/officeDocument/2006/customXml" ds:itemID="{135AE3B8-9C3B-4D7F-9825-9FF3B12E45FD}">
   <ds:schemaRefs>
     <ds:schemaRef ds:uri="http://schemas.microsoft.com/office/2006/metadata/contentType"/>
@@ -44121,10 +43540,27 @@
 </ds:datastoreItem>
 </file>
 
-<file path=customXml/itemProps3.xml><?xml version="1.0" encoding="utf-8"?>
+<file path=customXml/itemProps2.xml><?xml version="1.0" encoding="utf-8"?>
 <ds:datastoreItem xmlns:ds="http://schemas.openxmlformats.org/officeDocument/2006/customXml" ds:itemID="{6E908196-7EAA-4352-A770-5E6EE2A23B7D}">
   <ds:schemaRefs>
     <ds:schemaRef ds:uri="http://schemas.microsoft.com/sharepoint/v3/contenttype/forms"/>
   </ds:schemaRefs>
 </ds:datastoreItem>
+</file>
+
+<file path=customXml/itemProps3.xml><?xml version="1.0" encoding="utf-8"?>
+<ds:datastoreItem xmlns:ds="http://schemas.openxmlformats.org/officeDocument/2006/customXml" ds:itemID="{C3741FF2-811B-4A2F-958B-8203D11F14EB}">
+  <ds:schemaRefs>
+    <ds:schemaRef ds:uri="http://www.w3.org/XML/1998/namespace"/>
+    <ds:schemaRef ds:uri="http://schemas.microsoft.com/office/2006/documentManagement/types"/>
+    <ds:schemaRef ds:uri="http://purl.org/dc/elements/1.1/"/>
+    <ds:schemaRef ds:uri="http://purl.org/dc/terms/"/>
+    <ds:schemaRef ds:uri="http://schemas.microsoft.com/office/infopath/2007/PartnerControls"/>
+    <ds:schemaRef ds:uri="http://schemas.microsoft.com/office/2006/metadata/properties"/>
+    <ds:schemaRef ds:uri="http://schemas.openxmlformats.org/package/2006/metadata/core-properties"/>
+    <ds:schemaRef ds:uri="4763dc9f-8761-47a6-86ab-ee58c5661e24"/>
+    <ds:schemaRef ds:uri="2f74b058-fe85-403b-8175-7901dcda25ac"/>
+    <ds:schemaRef ds:uri="http://purl.org/dc/dcmitype/"/>
+  </ds:schemaRefs>
+</ds:datastoreItem>
 </file>